--- a/AI_3_CS22B046_CS22B059.pptx
+++ b/AI_3_CS22B046_CS22B059.pptx
@@ -1,40 +1,40 @@
 
 <file path=ppt/presentation.xml><?xml version="1.0" encoding="utf-8"?>
-<p:presentation xmlns:a="http://schemas.openxmlformats.org/drawingml/2006/main" xmlns:r="http://schemas.openxmlformats.org/officeDocument/2006/relationships" xmlns:mc="http://schemas.openxmlformats.org/markup-compatibility/2006" xmlns:mv="urn:schemas-microsoft-com:mac:vml" xmlns:p="http://schemas.openxmlformats.org/presentationml/2006/main" xmlns:c="http://schemas.openxmlformats.org/drawingml/2006/chart" xmlns:dgm="http://schemas.openxmlformats.org/drawingml/2006/diagram" xmlns:o="urn:schemas-microsoft-com:office:office" xmlns:v="urn:schemas-microsoft-com:vml" xmlns:pvml="urn:schemas-microsoft-com:office:powerpoint" xmlns:com="http://schemas.openxmlformats.org/drawingml/2006/compatibility" xmlns:p14="http://schemas.microsoft.com/office/powerpoint/2010/main" xmlns:p15="http://schemas.microsoft.com/office/powerpoint/2012/main" xmlns:ahyp="http://schemas.microsoft.com/office/drawing/2018/hyperlinkcolor" autoCompressPictures="0" embedTrueTypeFonts="1" strictFirstAndLastChars="0" saveSubsetFonts="1">
+<p:presentation xmlns:a="http://schemas.openxmlformats.org/drawingml/2006/main" xmlns:r="http://schemas.openxmlformats.org/officeDocument/2006/relationships" xmlns:p="http://schemas.openxmlformats.org/presentationml/2006/main" strictFirstAndLastChars="0" embedTrueTypeFonts="1" saveSubsetFonts="1" autoCompressPictures="0">
   <p:sldMasterIdLst>
-    <p:sldMasterId id="2147483659" r:id="rId4"/>
+    <p:sldMasterId id="2147483659" r:id="rId1"/>
   </p:sldMasterIdLst>
   <p:notesMasterIdLst>
-    <p:notesMasterId r:id="rId5"/>
+    <p:notesMasterId r:id="rId8"/>
   </p:notesMasterIdLst>
   <p:sldIdLst>
-    <p:sldId id="256" r:id="rId6"/>
-    <p:sldId id="257" r:id="rId7"/>
-    <p:sldId id="258" r:id="rId8"/>
-    <p:sldId id="259" r:id="rId9"/>
-    <p:sldId id="260" r:id="rId10"/>
-    <p:sldId id="261" r:id="rId11"/>
+    <p:sldId id="256" r:id="rId2"/>
+    <p:sldId id="257" r:id="rId3"/>
+    <p:sldId id="258" r:id="rId4"/>
+    <p:sldId id="259" r:id="rId5"/>
+    <p:sldId id="260" r:id="rId6"/>
+    <p:sldId id="261" r:id="rId7"/>
   </p:sldIdLst>
-  <p:sldSz cy="5143500" cx="9144000"/>
+  <p:sldSz cx="9144000" cy="5143500" type="screen16x9"/>
   <p:notesSz cx="6858000" cy="9144000"/>
   <p:embeddedFontLst>
     <p:embeddedFont>
-      <p:font typeface="Roboto Mono Medium"/>
-      <p:regular r:id="rId12"/>
-      <p:bold r:id="rId13"/>
-      <p:italic r:id="rId14"/>
-      <p:boldItalic r:id="rId15"/>
+      <p:font typeface="Roboto Mono" panose="00000009000000000000" pitchFamily="49" charset="0"/>
+      <p:regular r:id="rId9"/>
+      <p:bold r:id="rId10"/>
+      <p:italic r:id="rId11"/>
+      <p:boldItalic r:id="rId12"/>
     </p:embeddedFont>
     <p:embeddedFont>
-      <p:font typeface="Roboto Mono"/>
-      <p:regular r:id="rId16"/>
-      <p:bold r:id="rId17"/>
-      <p:italic r:id="rId18"/>
-      <p:boldItalic r:id="rId19"/>
+      <p:font typeface="Roboto Mono Medium" panose="020F0502020204030204" pitchFamily="49" charset="0"/>
+      <p:regular r:id="rId13"/>
+      <p:bold r:id="rId14"/>
+      <p:italic r:id="rId15"/>
+      <p:boldItalic r:id="rId16"/>
     </p:embeddedFont>
   </p:embeddedFontLst>
   <p:defaultTextStyle>
-    <a:defPPr lvl="0" marR="0" rtl="0" algn="l">
+    <a:defPPr marR="0" lvl="0" algn="l" rtl="0">
       <a:lnSpc>
         <a:spcPct val="100000"/>
       </a:lnSpc>
@@ -45,7 +45,7 @@
         <a:spcPts val="0"/>
       </a:spcAft>
     </a:defPPr>
-    <a:lvl1pPr lvl="0" marR="0" rtl="0" algn="l">
+    <a:lvl1pPr marR="0" lvl="0" algn="l" rtl="0">
       <a:lnSpc>
         <a:spcPct val="100000"/>
       </a:lnSpc>
@@ -59,7 +59,7 @@
         <a:srgbClr val="000000"/>
       </a:buClr>
       <a:buFont typeface="Arial"/>
-      <a:defRPr b="0" i="0" sz="1400" u="none" cap="none" strike="noStrike">
+      <a:defRPr sz="1400" b="0" i="0" u="none" strike="noStrike" cap="none">
         <a:solidFill>
           <a:srgbClr val="000000"/>
         </a:solidFill>
@@ -69,7 +69,7 @@
         <a:sym typeface="Arial"/>
       </a:defRPr>
     </a:lvl1pPr>
-    <a:lvl2pPr lvl="1" marR="0" rtl="0" algn="l">
+    <a:lvl2pPr marR="0" lvl="1" algn="l" rtl="0">
       <a:lnSpc>
         <a:spcPct val="100000"/>
       </a:lnSpc>
@@ -83,7 +83,7 @@
         <a:srgbClr val="000000"/>
       </a:buClr>
       <a:buFont typeface="Arial"/>
-      <a:defRPr b="0" i="0" sz="1400" u="none" cap="none" strike="noStrike">
+      <a:defRPr sz="1400" b="0" i="0" u="none" strike="noStrike" cap="none">
         <a:solidFill>
           <a:srgbClr val="000000"/>
         </a:solidFill>
@@ -93,7 +93,7 @@
         <a:sym typeface="Arial"/>
       </a:defRPr>
     </a:lvl2pPr>
-    <a:lvl3pPr lvl="2" marR="0" rtl="0" algn="l">
+    <a:lvl3pPr marR="0" lvl="2" algn="l" rtl="0">
       <a:lnSpc>
         <a:spcPct val="100000"/>
       </a:lnSpc>
@@ -107,7 +107,7 @@
         <a:srgbClr val="000000"/>
       </a:buClr>
       <a:buFont typeface="Arial"/>
-      <a:defRPr b="0" i="0" sz="1400" u="none" cap="none" strike="noStrike">
+      <a:defRPr sz="1400" b="0" i="0" u="none" strike="noStrike" cap="none">
         <a:solidFill>
           <a:srgbClr val="000000"/>
         </a:solidFill>
@@ -117,7 +117,7 @@
         <a:sym typeface="Arial"/>
       </a:defRPr>
     </a:lvl3pPr>
-    <a:lvl4pPr lvl="3" marR="0" rtl="0" algn="l">
+    <a:lvl4pPr marR="0" lvl="3" algn="l" rtl="0">
       <a:lnSpc>
         <a:spcPct val="100000"/>
       </a:lnSpc>
@@ -131,7 +131,7 @@
         <a:srgbClr val="000000"/>
       </a:buClr>
       <a:buFont typeface="Arial"/>
-      <a:defRPr b="0" i="0" sz="1400" u="none" cap="none" strike="noStrike">
+      <a:defRPr sz="1400" b="0" i="0" u="none" strike="noStrike" cap="none">
         <a:solidFill>
           <a:srgbClr val="000000"/>
         </a:solidFill>
@@ -141,7 +141,7 @@
         <a:sym typeface="Arial"/>
       </a:defRPr>
     </a:lvl4pPr>
-    <a:lvl5pPr lvl="4" marR="0" rtl="0" algn="l">
+    <a:lvl5pPr marR="0" lvl="4" algn="l" rtl="0">
       <a:lnSpc>
         <a:spcPct val="100000"/>
       </a:lnSpc>
@@ -155,7 +155,7 @@
         <a:srgbClr val="000000"/>
       </a:buClr>
       <a:buFont typeface="Arial"/>
-      <a:defRPr b="0" i="0" sz="1400" u="none" cap="none" strike="noStrike">
+      <a:defRPr sz="1400" b="0" i="0" u="none" strike="noStrike" cap="none">
         <a:solidFill>
           <a:srgbClr val="000000"/>
         </a:solidFill>
@@ -165,7 +165,7 @@
         <a:sym typeface="Arial"/>
       </a:defRPr>
     </a:lvl5pPr>
-    <a:lvl6pPr lvl="5" marR="0" rtl="0" algn="l">
+    <a:lvl6pPr marR="0" lvl="5" algn="l" rtl="0">
       <a:lnSpc>
         <a:spcPct val="100000"/>
       </a:lnSpc>
@@ -179,7 +179,7 @@
         <a:srgbClr val="000000"/>
       </a:buClr>
       <a:buFont typeface="Arial"/>
-      <a:defRPr b="0" i="0" sz="1400" u="none" cap="none" strike="noStrike">
+      <a:defRPr sz="1400" b="0" i="0" u="none" strike="noStrike" cap="none">
         <a:solidFill>
           <a:srgbClr val="000000"/>
         </a:solidFill>
@@ -189,7 +189,7 @@
         <a:sym typeface="Arial"/>
       </a:defRPr>
     </a:lvl6pPr>
-    <a:lvl7pPr lvl="6" marR="0" rtl="0" algn="l">
+    <a:lvl7pPr marR="0" lvl="6" algn="l" rtl="0">
       <a:lnSpc>
         <a:spcPct val="100000"/>
       </a:lnSpc>
@@ -203,7 +203,7 @@
         <a:srgbClr val="000000"/>
       </a:buClr>
       <a:buFont typeface="Arial"/>
-      <a:defRPr b="0" i="0" sz="1400" u="none" cap="none" strike="noStrike">
+      <a:defRPr sz="1400" b="0" i="0" u="none" strike="noStrike" cap="none">
         <a:solidFill>
           <a:srgbClr val="000000"/>
         </a:solidFill>
@@ -213,7 +213,7 @@
         <a:sym typeface="Arial"/>
       </a:defRPr>
     </a:lvl7pPr>
-    <a:lvl8pPr lvl="7" marR="0" rtl="0" algn="l">
+    <a:lvl8pPr marR="0" lvl="7" algn="l" rtl="0">
       <a:lnSpc>
         <a:spcPct val="100000"/>
       </a:lnSpc>
@@ -227,7 +227,7 @@
         <a:srgbClr val="000000"/>
       </a:buClr>
       <a:buFont typeface="Arial"/>
-      <a:defRPr b="0" i="0" sz="1400" u="none" cap="none" strike="noStrike">
+      <a:defRPr sz="1400" b="0" i="0" u="none" strike="noStrike" cap="none">
         <a:solidFill>
           <a:srgbClr val="000000"/>
         </a:solidFill>
@@ -237,7 +237,7 @@
         <a:sym typeface="Arial"/>
       </a:defRPr>
     </a:lvl8pPr>
-    <a:lvl9pPr lvl="8" marR="0" rtl="0" algn="l">
+    <a:lvl9pPr marR="0" lvl="8" algn="l" rtl="0">
       <a:lnSpc>
         <a:spcPct val="100000"/>
       </a:lnSpc>
@@ -251,7 +251,7 @@
         <a:srgbClr val="000000"/>
       </a:buClr>
       <a:buFont typeface="Arial"/>
-      <a:defRPr b="0" i="0" sz="1400" u="none" cap="none" strike="noStrike">
+      <a:defRPr sz="1400" b="0" i="0" u="none" strike="noStrike" cap="none">
         <a:solidFill>
           <a:srgbClr val="000000"/>
         </a:solidFill>
@@ -264,7 +264,7 @@
   </p:defaultTextStyle>
   <p:extLst>
     <p:ext uri="{EFAFB233-063F-42B5-8137-9DF3F51BA10A}">
-      <p15:sldGuideLst>
+      <p15:sldGuideLst xmlns:p15="http://schemas.microsoft.com/office/powerpoint/2012/main">
         <p15:guide id="1" orient="horz" pos="1620">
           <p15:clr>
             <a:srgbClr val="747775"/>
@@ -282,11 +282,16 @@
 </file>
 
 <file path=ppt/notesMasters/notesMaster1.xml><?xml version="1.0" encoding="utf-8"?>
-<p:notesMaster xmlns:a="http://schemas.openxmlformats.org/drawingml/2006/main" xmlns:r="http://schemas.openxmlformats.org/officeDocument/2006/relationships" xmlns:mc="http://schemas.openxmlformats.org/markup-compatibility/2006" xmlns:mv="urn:schemas-microsoft-com:mac:vml" xmlns:p="http://schemas.openxmlformats.org/presentationml/2006/main" xmlns:c="http://schemas.openxmlformats.org/drawingml/2006/chart" xmlns:dgm="http://schemas.openxmlformats.org/drawingml/2006/diagram" xmlns:o="urn:schemas-microsoft-com:office:office" xmlns:v="urn:schemas-microsoft-com:vml" xmlns:pvml="urn:schemas-microsoft-com:office:powerpoint" xmlns:com="http://schemas.openxmlformats.org/drawingml/2006/compatibility" xmlns:p14="http://schemas.microsoft.com/office/powerpoint/2010/main" xmlns:p15="http://schemas.microsoft.com/office/powerpoint/2012/main" xmlns:ahyp="http://schemas.microsoft.com/office/drawing/2018/hyperlinkcolor">
+<p:notesMaster xmlns:a="http://schemas.openxmlformats.org/drawingml/2006/main" xmlns:r="http://schemas.openxmlformats.org/officeDocument/2006/relationships" xmlns:p="http://schemas.openxmlformats.org/presentationml/2006/main">
   <p:cSld>
+    <p:bg>
+      <p:bgRef idx="1001">
+        <a:schemeClr val="bg1"/>
+      </p:bgRef>
+    </p:bg>
     <p:spTree>
       <p:nvGrpSpPr>
-        <p:cNvPr id="2" name="Shape 2"/>
+        <p:cNvPr id="1" name="Shape 2"/>
         <p:cNvGrpSpPr/>
         <p:nvPr/>
       </p:nvGrpSpPr>
@@ -301,9 +306,11 @@
       <p:sp>
         <p:nvSpPr>
           <p:cNvPr id="3" name="Google Shape;3;n"/>
-          <p:cNvSpPr/>
+          <p:cNvSpPr>
+            <a:spLocks noGrp="1" noRot="1" noChangeAspect="1"/>
+          </p:cNvSpPr>
           <p:nvPr>
-            <p:ph idx="2" type="sldImg"/>
+            <p:ph type="sldImg" idx="2"/>
           </p:nvPr>
         </p:nvSpPr>
         <p:spPr>
@@ -312,9 +319,13 @@
             <a:ext cx="6096075" cy="3429000"/>
           </a:xfrm>
           <a:custGeom>
-            <a:rect b="b" l="l" r="r" t="t"/>
+            <a:avLst/>
+            <a:gdLst/>
+            <a:ahLst/>
+            <a:cxnLst/>
+            <a:rect l="l" t="t" r="r" b="b"/>
             <a:pathLst>
-              <a:path extrusionOk="0" h="120000" w="120000">
+              <a:path w="120000" h="120000" extrusionOk="0">
                 <a:moveTo>
                   <a:pt x="0" y="0"/>
                 </a:moveTo>
@@ -332,23 +343,25 @@
             </a:pathLst>
           </a:custGeom>
           <a:noFill/>
-          <a:ln cap="flat" cmpd="sng" w="9525">
+          <a:ln w="9525" cap="flat" cmpd="sng">
             <a:solidFill>
               <a:srgbClr val="000000"/>
             </a:solidFill>
             <a:prstDash val="solid"/>
             <a:round/>
-            <a:headEnd len="sm" w="sm" type="none"/>
-            <a:tailEnd len="sm" w="sm" type="none"/>
+            <a:headEnd type="none" w="sm" len="sm"/>
+            <a:tailEnd type="none" w="sm" len="sm"/>
           </a:ln>
         </p:spPr>
       </p:sp>
       <p:sp>
         <p:nvSpPr>
           <p:cNvPr id="4" name="Google Shape;4;n"/>
-          <p:cNvSpPr txBox="1"/>
+          <p:cNvSpPr txBox="1">
+            <a:spLocks noGrp="1"/>
+          </p:cNvSpPr>
           <p:nvPr>
-            <p:ph idx="1" type="body"/>
+            <p:ph type="body" idx="1"/>
           </p:nvPr>
         </p:nvSpPr>
         <p:spPr>
@@ -365,11 +378,11 @@
           </a:ln>
         </p:spPr>
         <p:txBody>
-          <a:bodyPr anchorCtr="0" anchor="t" bIns="91425" lIns="91425" spcFirstLastPara="1" rIns="91425" wrap="square" tIns="91425">
+          <a:bodyPr spcFirstLastPara="1" wrap="square" lIns="91425" tIns="91425" rIns="91425" bIns="91425" anchor="t" anchorCtr="0">
             <a:noAutofit/>
           </a:bodyPr>
           <a:lstStyle>
-            <a:lvl1pPr indent="-298450" lvl="0" marL="457200">
+            <a:lvl1pPr marL="457200" lvl="0" indent="-298450">
               <a:spcBef>
                 <a:spcPts val="0"/>
               </a:spcBef>
@@ -380,7 +393,7 @@
               <a:buChar char="●"/>
               <a:defRPr sz="1100"/>
             </a:lvl1pPr>
-            <a:lvl2pPr indent="-298450" lvl="1" marL="914400">
+            <a:lvl2pPr marL="914400" lvl="1" indent="-298450">
               <a:spcBef>
                 <a:spcPts val="0"/>
               </a:spcBef>
@@ -391,7 +404,7 @@
               <a:buChar char="○"/>
               <a:defRPr sz="1100"/>
             </a:lvl2pPr>
-            <a:lvl3pPr indent="-298450" lvl="2" marL="1371600">
+            <a:lvl3pPr marL="1371600" lvl="2" indent="-298450">
               <a:spcBef>
                 <a:spcPts val="0"/>
               </a:spcBef>
@@ -402,7 +415,7 @@
               <a:buChar char="■"/>
               <a:defRPr sz="1100"/>
             </a:lvl3pPr>
-            <a:lvl4pPr indent="-298450" lvl="3" marL="1828800">
+            <a:lvl4pPr marL="1828800" lvl="3" indent="-298450">
               <a:spcBef>
                 <a:spcPts val="0"/>
               </a:spcBef>
@@ -413,7 +426,7 @@
               <a:buChar char="●"/>
               <a:defRPr sz="1100"/>
             </a:lvl4pPr>
-            <a:lvl5pPr indent="-298450" lvl="4" marL="2286000">
+            <a:lvl5pPr marL="2286000" lvl="4" indent="-298450">
               <a:spcBef>
                 <a:spcPts val="0"/>
               </a:spcBef>
@@ -424,7 +437,7 @@
               <a:buChar char="○"/>
               <a:defRPr sz="1100"/>
             </a:lvl5pPr>
-            <a:lvl6pPr indent="-298450" lvl="5" marL="2743200">
+            <a:lvl6pPr marL="2743200" lvl="5" indent="-298450">
               <a:spcBef>
                 <a:spcPts val="0"/>
               </a:spcBef>
@@ -435,7 +448,7 @@
               <a:buChar char="■"/>
               <a:defRPr sz="1100"/>
             </a:lvl6pPr>
-            <a:lvl7pPr indent="-298450" lvl="6" marL="3200400">
+            <a:lvl7pPr marL="3200400" lvl="6" indent="-298450">
               <a:spcBef>
                 <a:spcPts val="0"/>
               </a:spcBef>
@@ -446,7 +459,7 @@
               <a:buChar char="●"/>
               <a:defRPr sz="1100"/>
             </a:lvl7pPr>
-            <a:lvl8pPr indent="-298450" lvl="7" marL="3657600">
+            <a:lvl8pPr marL="3657600" lvl="7" indent="-298450">
               <a:spcBef>
                 <a:spcPts val="0"/>
               </a:spcBef>
@@ -457,7 +470,7 @@
               <a:buChar char="○"/>
               <a:defRPr sz="1100"/>
             </a:lvl8pPr>
-            <a:lvl9pPr indent="-298450" lvl="8" marL="4114800">
+            <a:lvl9pPr marL="4114800" lvl="8" indent="-298450">
               <a:spcBef>
                 <a:spcPts val="0"/>
               </a:spcBef>
@@ -469,14 +482,16 @@
               <a:defRPr sz="1100"/>
             </a:lvl9pPr>
           </a:lstStyle>
-          <a:p/>
+          <a:p>
+            <a:endParaRPr/>
+          </a:p>
         </p:txBody>
       </p:sp>
     </p:spTree>
   </p:cSld>
-  <p:clrMap accent1="accent1" accent2="accent2" accent3="accent3" accent4="accent4" accent5="accent5" accent6="accent6" bg1="lt1" bg2="dk2" tx1="dk1" tx2="lt2" folHlink="folHlink" hlink="hlink"/>
+  <p:clrMap bg1="lt1" tx1="dk1" bg2="dk2" tx2="lt2" accent1="accent1" accent2="accent2" accent3="accent3" accent4="accent4" accent5="accent5" accent6="accent6" hlink="hlink" folHlink="folHlink"/>
   <p:notesStyle>
-    <a:defPPr lvl="0" marR="0" rtl="0" algn="l">
+    <a:defPPr marR="0" lvl="0" algn="l" rtl="0">
       <a:lnSpc>
         <a:spcPct val="100000"/>
       </a:lnSpc>
@@ -487,7 +502,7 @@
         <a:spcPts val="0"/>
       </a:spcAft>
     </a:defPPr>
-    <a:lvl1pPr lvl="0" marR="0" rtl="0" algn="l">
+    <a:lvl1pPr marR="0" lvl="0" algn="l" rtl="0">
       <a:lnSpc>
         <a:spcPct val="100000"/>
       </a:lnSpc>
@@ -501,7 +516,7 @@
         <a:srgbClr val="000000"/>
       </a:buClr>
       <a:buFont typeface="Arial"/>
-      <a:defRPr b="0" i="0" sz="1400" u="none" cap="none" strike="noStrike">
+      <a:defRPr sz="1400" b="0" i="0" u="none" strike="noStrike" cap="none">
         <a:solidFill>
           <a:srgbClr val="000000"/>
         </a:solidFill>
@@ -511,7 +526,7 @@
         <a:sym typeface="Arial"/>
       </a:defRPr>
     </a:lvl1pPr>
-    <a:lvl2pPr lvl="1" marR="0" rtl="0" algn="l">
+    <a:lvl2pPr marR="0" lvl="1" algn="l" rtl="0">
       <a:lnSpc>
         <a:spcPct val="100000"/>
       </a:lnSpc>
@@ -525,7 +540,7 @@
         <a:srgbClr val="000000"/>
       </a:buClr>
       <a:buFont typeface="Arial"/>
-      <a:defRPr b="0" i="0" sz="1400" u="none" cap="none" strike="noStrike">
+      <a:defRPr sz="1400" b="0" i="0" u="none" strike="noStrike" cap="none">
         <a:solidFill>
           <a:srgbClr val="000000"/>
         </a:solidFill>
@@ -535,7 +550,7 @@
         <a:sym typeface="Arial"/>
       </a:defRPr>
     </a:lvl2pPr>
-    <a:lvl3pPr lvl="2" marR="0" rtl="0" algn="l">
+    <a:lvl3pPr marR="0" lvl="2" algn="l" rtl="0">
       <a:lnSpc>
         <a:spcPct val="100000"/>
       </a:lnSpc>
@@ -549,7 +564,7 @@
         <a:srgbClr val="000000"/>
       </a:buClr>
       <a:buFont typeface="Arial"/>
-      <a:defRPr b="0" i="0" sz="1400" u="none" cap="none" strike="noStrike">
+      <a:defRPr sz="1400" b="0" i="0" u="none" strike="noStrike" cap="none">
         <a:solidFill>
           <a:srgbClr val="000000"/>
         </a:solidFill>
@@ -559,7 +574,7 @@
         <a:sym typeface="Arial"/>
       </a:defRPr>
     </a:lvl3pPr>
-    <a:lvl4pPr lvl="3" marR="0" rtl="0" algn="l">
+    <a:lvl4pPr marR="0" lvl="3" algn="l" rtl="0">
       <a:lnSpc>
         <a:spcPct val="100000"/>
       </a:lnSpc>
@@ -573,7 +588,7 @@
         <a:srgbClr val="000000"/>
       </a:buClr>
       <a:buFont typeface="Arial"/>
-      <a:defRPr b="0" i="0" sz="1400" u="none" cap="none" strike="noStrike">
+      <a:defRPr sz="1400" b="0" i="0" u="none" strike="noStrike" cap="none">
         <a:solidFill>
           <a:srgbClr val="000000"/>
         </a:solidFill>
@@ -583,7 +598,7 @@
         <a:sym typeface="Arial"/>
       </a:defRPr>
     </a:lvl4pPr>
-    <a:lvl5pPr lvl="4" marR="0" rtl="0" algn="l">
+    <a:lvl5pPr marR="0" lvl="4" algn="l" rtl="0">
       <a:lnSpc>
         <a:spcPct val="100000"/>
       </a:lnSpc>
@@ -597,7 +612,7 @@
         <a:srgbClr val="000000"/>
       </a:buClr>
       <a:buFont typeface="Arial"/>
-      <a:defRPr b="0" i="0" sz="1400" u="none" cap="none" strike="noStrike">
+      <a:defRPr sz="1400" b="0" i="0" u="none" strike="noStrike" cap="none">
         <a:solidFill>
           <a:srgbClr val="000000"/>
         </a:solidFill>
@@ -607,7 +622,7 @@
         <a:sym typeface="Arial"/>
       </a:defRPr>
     </a:lvl5pPr>
-    <a:lvl6pPr lvl="5" marR="0" rtl="0" algn="l">
+    <a:lvl6pPr marR="0" lvl="5" algn="l" rtl="0">
       <a:lnSpc>
         <a:spcPct val="100000"/>
       </a:lnSpc>
@@ -621,7 +636,7 @@
         <a:srgbClr val="000000"/>
       </a:buClr>
       <a:buFont typeface="Arial"/>
-      <a:defRPr b="0" i="0" sz="1400" u="none" cap="none" strike="noStrike">
+      <a:defRPr sz="1400" b="0" i="0" u="none" strike="noStrike" cap="none">
         <a:solidFill>
           <a:srgbClr val="000000"/>
         </a:solidFill>
@@ -631,7 +646,7 @@
         <a:sym typeface="Arial"/>
       </a:defRPr>
     </a:lvl6pPr>
-    <a:lvl7pPr lvl="6" marR="0" rtl="0" algn="l">
+    <a:lvl7pPr marR="0" lvl="6" algn="l" rtl="0">
       <a:lnSpc>
         <a:spcPct val="100000"/>
       </a:lnSpc>
@@ -645,7 +660,7 @@
         <a:srgbClr val="000000"/>
       </a:buClr>
       <a:buFont typeface="Arial"/>
-      <a:defRPr b="0" i="0" sz="1400" u="none" cap="none" strike="noStrike">
+      <a:defRPr sz="1400" b="0" i="0" u="none" strike="noStrike" cap="none">
         <a:solidFill>
           <a:srgbClr val="000000"/>
         </a:solidFill>
@@ -655,7 +670,7 @@
         <a:sym typeface="Arial"/>
       </a:defRPr>
     </a:lvl7pPr>
-    <a:lvl8pPr lvl="7" marR="0" rtl="0" algn="l">
+    <a:lvl8pPr marR="0" lvl="7" algn="l" rtl="0">
       <a:lnSpc>
         <a:spcPct val="100000"/>
       </a:lnSpc>
@@ -669,7 +684,7 @@
         <a:srgbClr val="000000"/>
       </a:buClr>
       <a:buFont typeface="Arial"/>
-      <a:defRPr b="0" i="0" sz="1400" u="none" cap="none" strike="noStrike">
+      <a:defRPr sz="1400" b="0" i="0" u="none" strike="noStrike" cap="none">
         <a:solidFill>
           <a:srgbClr val="000000"/>
         </a:solidFill>
@@ -679,7 +694,7 @@
         <a:sym typeface="Arial"/>
       </a:defRPr>
     </a:lvl8pPr>
-    <a:lvl9pPr lvl="8" marR="0" rtl="0" algn="l">
+    <a:lvl9pPr marR="0" lvl="8" algn="l" rtl="0">
       <a:lnSpc>
         <a:spcPct val="100000"/>
       </a:lnSpc>
@@ -693,7 +708,7 @@
         <a:srgbClr val="000000"/>
       </a:buClr>
       <a:buFont typeface="Arial"/>
-      <a:defRPr b="0" i="0" sz="1400" u="none" cap="none" strike="noStrike">
+      <a:defRPr sz="1400" b="0" i="0" u="none" strike="noStrike" cap="none">
         <a:solidFill>
           <a:srgbClr val="000000"/>
         </a:solidFill>
@@ -708,11 +723,11 @@
 </file>
 
 <file path=ppt/notesSlides/notesSlide1.xml><?xml version="1.0" encoding="utf-8"?>
-<p:notes xmlns:a="http://schemas.openxmlformats.org/drawingml/2006/main" xmlns:r="http://schemas.openxmlformats.org/officeDocument/2006/relationships" xmlns:mc="http://schemas.openxmlformats.org/markup-compatibility/2006" xmlns:mv="urn:schemas-microsoft-com:mac:vml" xmlns:p="http://schemas.openxmlformats.org/presentationml/2006/main" xmlns:c="http://schemas.openxmlformats.org/drawingml/2006/chart" xmlns:dgm="http://schemas.openxmlformats.org/drawingml/2006/diagram" xmlns:o="urn:schemas-microsoft-com:office:office" xmlns:v="urn:schemas-microsoft-com:vml" xmlns:pvml="urn:schemas-microsoft-com:office:powerpoint" xmlns:com="http://schemas.openxmlformats.org/drawingml/2006/compatibility" xmlns:p14="http://schemas.microsoft.com/office/powerpoint/2010/main" xmlns:p15="http://schemas.microsoft.com/office/powerpoint/2012/main" xmlns:ahyp="http://schemas.microsoft.com/office/drawing/2018/hyperlinkcolor" showMasterPhAnim="0" showMasterSp="0">
+<p:notes xmlns:a="http://schemas.openxmlformats.org/drawingml/2006/main" xmlns:r="http://schemas.openxmlformats.org/officeDocument/2006/relationships" xmlns:p="http://schemas.openxmlformats.org/presentationml/2006/main" showMasterSp="0" showMasterPhAnim="0">
   <p:cSld>
     <p:spTree>
       <p:nvGrpSpPr>
-        <p:cNvPr id="50" name="Shape 50"/>
+        <p:cNvPr id="1" name="Shape 50"/>
         <p:cNvGrpSpPr/>
         <p:nvPr/>
       </p:nvGrpSpPr>
@@ -727,9 +742,11 @@
       <p:sp>
         <p:nvSpPr>
           <p:cNvPr id="51" name="Google Shape;51;p:notes"/>
-          <p:cNvSpPr/>
+          <p:cNvSpPr>
+            <a:spLocks noGrp="1" noRot="1" noChangeAspect="1"/>
+          </p:cNvSpPr>
           <p:nvPr>
-            <p:ph idx="2" type="sldImg"/>
+            <p:ph type="sldImg" idx="2"/>
           </p:nvPr>
         </p:nvSpPr>
         <p:spPr>
@@ -738,9 +755,13 @@
             <a:ext cx="6096075" cy="3429000"/>
           </a:xfrm>
           <a:custGeom>
-            <a:rect b="b" l="l" r="r" t="t"/>
+            <a:avLst/>
+            <a:gdLst/>
+            <a:ahLst/>
+            <a:cxnLst/>
+            <a:rect l="l" t="t" r="r" b="b"/>
             <a:pathLst>
-              <a:path extrusionOk="0" h="120000" w="120000">
+              <a:path w="120000" h="120000" extrusionOk="0">
                 <a:moveTo>
                   <a:pt x="0" y="0"/>
                 </a:moveTo>
@@ -762,9 +783,11 @@
       <p:sp>
         <p:nvSpPr>
           <p:cNvPr id="52" name="Google Shape;52;p:notes"/>
-          <p:cNvSpPr txBox="1"/>
+          <p:cNvSpPr txBox="1">
+            <a:spLocks noGrp="1"/>
+          </p:cNvSpPr>
           <p:nvPr>
-            <p:ph idx="1" type="body"/>
+            <p:ph type="body" idx="1"/>
           </p:nvPr>
         </p:nvSpPr>
         <p:spPr>
@@ -777,12 +800,12 @@
           </a:prstGeom>
         </p:spPr>
         <p:txBody>
-          <a:bodyPr anchorCtr="0" anchor="t" bIns="91425" lIns="91425" spcFirstLastPara="1" rIns="91425" wrap="square" tIns="91425">
+          <a:bodyPr spcFirstLastPara="1" wrap="square" lIns="91425" tIns="91425" rIns="91425" bIns="91425" anchor="t" anchorCtr="0">
             <a:noAutofit/>
           </a:bodyPr>
           <a:lstStyle/>
           <a:p>
-            <a:pPr indent="0" lvl="0" marL="0" rtl="0" algn="l">
+            <a:pPr marL="0" lvl="0" indent="0" algn="l" rtl="0">
               <a:spcBef>
                 <a:spcPts val="0"/>
               </a:spcBef>
@@ -791,9 +814,6 @@
               </a:spcAft>
               <a:buNone/>
             </a:pPr>
-            <a:r>
-              <a:t/>
-            </a:r>
             <a:endParaRPr/>
           </a:p>
         </p:txBody>
@@ -807,11 +827,11 @@
 </file>
 
 <file path=ppt/notesSlides/notesSlide2.xml><?xml version="1.0" encoding="utf-8"?>
-<p:notes xmlns:a="http://schemas.openxmlformats.org/drawingml/2006/main" xmlns:r="http://schemas.openxmlformats.org/officeDocument/2006/relationships" xmlns:mc="http://schemas.openxmlformats.org/markup-compatibility/2006" xmlns:mv="urn:schemas-microsoft-com:mac:vml" xmlns:p="http://schemas.openxmlformats.org/presentationml/2006/main" xmlns:c="http://schemas.openxmlformats.org/drawingml/2006/chart" xmlns:dgm="http://schemas.openxmlformats.org/drawingml/2006/diagram" xmlns:o="urn:schemas-microsoft-com:office:office" xmlns:v="urn:schemas-microsoft-com:vml" xmlns:pvml="urn:schemas-microsoft-com:office:powerpoint" xmlns:com="http://schemas.openxmlformats.org/drawingml/2006/compatibility" xmlns:p14="http://schemas.microsoft.com/office/powerpoint/2010/main" xmlns:p15="http://schemas.microsoft.com/office/powerpoint/2012/main" xmlns:ahyp="http://schemas.microsoft.com/office/drawing/2018/hyperlinkcolor" showMasterPhAnim="0" showMasterSp="0">
+<p:notes xmlns:a="http://schemas.openxmlformats.org/drawingml/2006/main" xmlns:r="http://schemas.openxmlformats.org/officeDocument/2006/relationships" xmlns:p="http://schemas.openxmlformats.org/presentationml/2006/main" showMasterSp="0" showMasterPhAnim="0">
   <p:cSld>
     <p:spTree>
       <p:nvGrpSpPr>
-        <p:cNvPr id="55" name="Shape 55"/>
+        <p:cNvPr id="1" name="Shape 55"/>
         <p:cNvGrpSpPr/>
         <p:nvPr/>
       </p:nvGrpSpPr>
@@ -826,20 +846,26 @@
       <p:sp>
         <p:nvSpPr>
           <p:cNvPr id="56" name="Google Shape;56;g3531ad65dcb_0_0:notes"/>
-          <p:cNvSpPr/>
+          <p:cNvSpPr>
+            <a:spLocks noGrp="1" noRot="1" noChangeAspect="1"/>
+          </p:cNvSpPr>
           <p:nvPr>
-            <p:ph idx="2" type="sldImg"/>
+            <p:ph type="sldImg" idx="2"/>
           </p:nvPr>
         </p:nvSpPr>
         <p:spPr>
           <a:xfrm>
-            <a:off x="381300" y="685800"/>
+            <a:off x="381000" y="685800"/>
             <a:ext cx="6096000" cy="3429000"/>
           </a:xfrm>
           <a:custGeom>
-            <a:rect b="b" l="l" r="r" t="t"/>
+            <a:avLst/>
+            <a:gdLst/>
+            <a:ahLst/>
+            <a:cxnLst/>
+            <a:rect l="l" t="t" r="r" b="b"/>
             <a:pathLst>
-              <a:path extrusionOk="0" h="120000" w="120000">
+              <a:path w="120000" h="120000" extrusionOk="0">
                 <a:moveTo>
                   <a:pt x="0" y="0"/>
                 </a:moveTo>
@@ -861,9 +887,11 @@
       <p:sp>
         <p:nvSpPr>
           <p:cNvPr id="57" name="Google Shape;57;g3531ad65dcb_0_0:notes"/>
-          <p:cNvSpPr txBox="1"/>
+          <p:cNvSpPr txBox="1">
+            <a:spLocks noGrp="1"/>
+          </p:cNvSpPr>
           <p:nvPr>
-            <p:ph idx="1" type="body"/>
+            <p:ph type="body" idx="1"/>
           </p:nvPr>
         </p:nvSpPr>
         <p:spPr>
@@ -876,12 +904,12 @@
           </a:prstGeom>
         </p:spPr>
         <p:txBody>
-          <a:bodyPr anchorCtr="0" anchor="t" bIns="91425" lIns="91425" spcFirstLastPara="1" rIns="91425" wrap="square" tIns="91425">
+          <a:bodyPr spcFirstLastPara="1" wrap="square" lIns="91425" tIns="91425" rIns="91425" bIns="91425" anchor="t" anchorCtr="0">
             <a:noAutofit/>
           </a:bodyPr>
           <a:lstStyle/>
           <a:p>
-            <a:pPr indent="0" lvl="0" marL="0" rtl="0" algn="l">
+            <a:pPr marL="0" lvl="0" indent="0" algn="l" rtl="0">
               <a:spcBef>
                 <a:spcPts val="0"/>
               </a:spcBef>
@@ -890,9 +918,6 @@
               </a:spcAft>
               <a:buNone/>
             </a:pPr>
-            <a:r>
-              <a:t/>
-            </a:r>
             <a:endParaRPr/>
           </a:p>
         </p:txBody>
@@ -906,11 +931,11 @@
 </file>
 
 <file path=ppt/notesSlides/notesSlide3.xml><?xml version="1.0" encoding="utf-8"?>
-<p:notes xmlns:a="http://schemas.openxmlformats.org/drawingml/2006/main" xmlns:r="http://schemas.openxmlformats.org/officeDocument/2006/relationships" xmlns:mc="http://schemas.openxmlformats.org/markup-compatibility/2006" xmlns:mv="urn:schemas-microsoft-com:mac:vml" xmlns:p="http://schemas.openxmlformats.org/presentationml/2006/main" xmlns:c="http://schemas.openxmlformats.org/drawingml/2006/chart" xmlns:dgm="http://schemas.openxmlformats.org/drawingml/2006/diagram" xmlns:o="urn:schemas-microsoft-com:office:office" xmlns:v="urn:schemas-microsoft-com:vml" xmlns:pvml="urn:schemas-microsoft-com:office:powerpoint" xmlns:com="http://schemas.openxmlformats.org/drawingml/2006/compatibility" xmlns:p14="http://schemas.microsoft.com/office/powerpoint/2010/main" xmlns:p15="http://schemas.microsoft.com/office/powerpoint/2012/main" xmlns:ahyp="http://schemas.microsoft.com/office/drawing/2018/hyperlinkcolor" showMasterPhAnim="0" showMasterSp="0">
+<p:notes xmlns:a="http://schemas.openxmlformats.org/drawingml/2006/main" xmlns:r="http://schemas.openxmlformats.org/officeDocument/2006/relationships" xmlns:p="http://schemas.openxmlformats.org/presentationml/2006/main" showMasterSp="0" showMasterPhAnim="0">
   <p:cSld>
     <p:spTree>
       <p:nvGrpSpPr>
-        <p:cNvPr id="61" name="Shape 61"/>
+        <p:cNvPr id="1" name="Shape 61"/>
         <p:cNvGrpSpPr/>
         <p:nvPr/>
       </p:nvGrpSpPr>
@@ -925,20 +950,26 @@
       <p:sp>
         <p:nvSpPr>
           <p:cNvPr id="62" name="Google Shape;62;g3531ad65dcb_0_3:notes"/>
-          <p:cNvSpPr/>
+          <p:cNvSpPr>
+            <a:spLocks noGrp="1" noRot="1" noChangeAspect="1"/>
+          </p:cNvSpPr>
           <p:nvPr>
-            <p:ph idx="2" type="sldImg"/>
+            <p:ph type="sldImg" idx="2"/>
           </p:nvPr>
         </p:nvSpPr>
         <p:spPr>
           <a:xfrm>
-            <a:off x="381300" y="685800"/>
+            <a:off x="381000" y="685800"/>
             <a:ext cx="6096000" cy="3429000"/>
           </a:xfrm>
           <a:custGeom>
-            <a:rect b="b" l="l" r="r" t="t"/>
+            <a:avLst/>
+            <a:gdLst/>
+            <a:ahLst/>
+            <a:cxnLst/>
+            <a:rect l="l" t="t" r="r" b="b"/>
             <a:pathLst>
-              <a:path extrusionOk="0" h="120000" w="120000">
+              <a:path w="120000" h="120000" extrusionOk="0">
                 <a:moveTo>
                   <a:pt x="0" y="0"/>
                 </a:moveTo>
@@ -960,9 +991,11 @@
       <p:sp>
         <p:nvSpPr>
           <p:cNvPr id="63" name="Google Shape;63;g3531ad65dcb_0_3:notes"/>
-          <p:cNvSpPr txBox="1"/>
+          <p:cNvSpPr txBox="1">
+            <a:spLocks noGrp="1"/>
+          </p:cNvSpPr>
           <p:nvPr>
-            <p:ph idx="1" type="body"/>
+            <p:ph type="body" idx="1"/>
           </p:nvPr>
         </p:nvSpPr>
         <p:spPr>
@@ -975,12 +1008,12 @@
           </a:prstGeom>
         </p:spPr>
         <p:txBody>
-          <a:bodyPr anchorCtr="0" anchor="t" bIns="91425" lIns="91425" spcFirstLastPara="1" rIns="91425" wrap="square" tIns="91425">
+          <a:bodyPr spcFirstLastPara="1" wrap="square" lIns="91425" tIns="91425" rIns="91425" bIns="91425" anchor="t" anchorCtr="0">
             <a:noAutofit/>
           </a:bodyPr>
           <a:lstStyle/>
           <a:p>
-            <a:pPr indent="0" lvl="0" marL="0" rtl="0" algn="l">
+            <a:pPr marL="0" lvl="0" indent="0" algn="l" rtl="0">
               <a:spcBef>
                 <a:spcPts val="0"/>
               </a:spcBef>
@@ -989,9 +1022,6 @@
               </a:spcAft>
               <a:buNone/>
             </a:pPr>
-            <a:r>
-              <a:t/>
-            </a:r>
             <a:endParaRPr/>
           </a:p>
         </p:txBody>
@@ -1005,11 +1035,11 @@
 </file>
 
 <file path=ppt/notesSlides/notesSlide4.xml><?xml version="1.0" encoding="utf-8"?>
-<p:notes xmlns:a="http://schemas.openxmlformats.org/drawingml/2006/main" xmlns:r="http://schemas.openxmlformats.org/officeDocument/2006/relationships" xmlns:mc="http://schemas.openxmlformats.org/markup-compatibility/2006" xmlns:mv="urn:schemas-microsoft-com:mac:vml" xmlns:p="http://schemas.openxmlformats.org/presentationml/2006/main" xmlns:c="http://schemas.openxmlformats.org/drawingml/2006/chart" xmlns:dgm="http://schemas.openxmlformats.org/drawingml/2006/diagram" xmlns:o="urn:schemas-microsoft-com:office:office" xmlns:v="urn:schemas-microsoft-com:vml" xmlns:pvml="urn:schemas-microsoft-com:office:powerpoint" xmlns:com="http://schemas.openxmlformats.org/drawingml/2006/compatibility" xmlns:p14="http://schemas.microsoft.com/office/powerpoint/2010/main" xmlns:p15="http://schemas.microsoft.com/office/powerpoint/2012/main" xmlns:ahyp="http://schemas.microsoft.com/office/drawing/2018/hyperlinkcolor" showMasterPhAnim="0" showMasterSp="0">
+<p:notes xmlns:a="http://schemas.openxmlformats.org/drawingml/2006/main" xmlns:r="http://schemas.openxmlformats.org/officeDocument/2006/relationships" xmlns:p="http://schemas.openxmlformats.org/presentationml/2006/main" showMasterSp="0" showMasterPhAnim="0">
   <p:cSld>
     <p:spTree>
       <p:nvGrpSpPr>
-        <p:cNvPr id="67" name="Shape 67"/>
+        <p:cNvPr id="1" name="Shape 67"/>
         <p:cNvGrpSpPr/>
         <p:nvPr/>
       </p:nvGrpSpPr>
@@ -1024,20 +1054,26 @@
       <p:sp>
         <p:nvSpPr>
           <p:cNvPr id="68" name="Google Shape;68;g3531ad65dcb_0_6:notes"/>
-          <p:cNvSpPr/>
+          <p:cNvSpPr>
+            <a:spLocks noGrp="1" noRot="1" noChangeAspect="1"/>
+          </p:cNvSpPr>
           <p:nvPr>
-            <p:ph idx="2" type="sldImg"/>
+            <p:ph type="sldImg" idx="2"/>
           </p:nvPr>
         </p:nvSpPr>
         <p:spPr>
           <a:xfrm>
-            <a:off x="381300" y="685800"/>
+            <a:off x="381000" y="685800"/>
             <a:ext cx="6096000" cy="3429000"/>
           </a:xfrm>
           <a:custGeom>
-            <a:rect b="b" l="l" r="r" t="t"/>
+            <a:avLst/>
+            <a:gdLst/>
+            <a:ahLst/>
+            <a:cxnLst/>
+            <a:rect l="l" t="t" r="r" b="b"/>
             <a:pathLst>
-              <a:path extrusionOk="0" h="120000" w="120000">
+              <a:path w="120000" h="120000" extrusionOk="0">
                 <a:moveTo>
                   <a:pt x="0" y="0"/>
                 </a:moveTo>
@@ -1059,9 +1095,11 @@
       <p:sp>
         <p:nvSpPr>
           <p:cNvPr id="69" name="Google Shape;69;g3531ad65dcb_0_6:notes"/>
-          <p:cNvSpPr txBox="1"/>
+          <p:cNvSpPr txBox="1">
+            <a:spLocks noGrp="1"/>
+          </p:cNvSpPr>
           <p:nvPr>
-            <p:ph idx="1" type="body"/>
+            <p:ph type="body" idx="1"/>
           </p:nvPr>
         </p:nvSpPr>
         <p:spPr>
@@ -1074,12 +1112,12 @@
           </a:prstGeom>
         </p:spPr>
         <p:txBody>
-          <a:bodyPr anchorCtr="0" anchor="t" bIns="91425" lIns="91425" spcFirstLastPara="1" rIns="91425" wrap="square" tIns="91425">
+          <a:bodyPr spcFirstLastPara="1" wrap="square" lIns="91425" tIns="91425" rIns="91425" bIns="91425" anchor="t" anchorCtr="0">
             <a:noAutofit/>
           </a:bodyPr>
           <a:lstStyle/>
           <a:p>
-            <a:pPr indent="0" lvl="0" marL="0" rtl="0" algn="l">
+            <a:pPr marL="0" lvl="0" indent="0" algn="l" rtl="0">
               <a:spcBef>
                 <a:spcPts val="0"/>
               </a:spcBef>
@@ -1088,9 +1126,6 @@
               </a:spcAft>
               <a:buNone/>
             </a:pPr>
-            <a:r>
-              <a:t/>
-            </a:r>
             <a:endParaRPr/>
           </a:p>
         </p:txBody>
@@ -1104,11 +1139,11 @@
 </file>
 
 <file path=ppt/notesSlides/notesSlide5.xml><?xml version="1.0" encoding="utf-8"?>
-<p:notes xmlns:a="http://schemas.openxmlformats.org/drawingml/2006/main" xmlns:r="http://schemas.openxmlformats.org/officeDocument/2006/relationships" xmlns:mc="http://schemas.openxmlformats.org/markup-compatibility/2006" xmlns:mv="urn:schemas-microsoft-com:mac:vml" xmlns:p="http://schemas.openxmlformats.org/presentationml/2006/main" xmlns:c="http://schemas.openxmlformats.org/drawingml/2006/chart" xmlns:dgm="http://schemas.openxmlformats.org/drawingml/2006/diagram" xmlns:o="urn:schemas-microsoft-com:office:office" xmlns:v="urn:schemas-microsoft-com:vml" xmlns:pvml="urn:schemas-microsoft-com:office:powerpoint" xmlns:com="http://schemas.openxmlformats.org/drawingml/2006/compatibility" xmlns:p14="http://schemas.microsoft.com/office/powerpoint/2010/main" xmlns:p15="http://schemas.microsoft.com/office/powerpoint/2012/main" xmlns:ahyp="http://schemas.microsoft.com/office/drawing/2018/hyperlinkcolor" showMasterPhAnim="0" showMasterSp="0">
+<p:notes xmlns:a="http://schemas.openxmlformats.org/drawingml/2006/main" xmlns:r="http://schemas.openxmlformats.org/officeDocument/2006/relationships" xmlns:p="http://schemas.openxmlformats.org/presentationml/2006/main" showMasterSp="0" showMasterPhAnim="0">
   <p:cSld>
     <p:spTree>
       <p:nvGrpSpPr>
-        <p:cNvPr id="73" name="Shape 73"/>
+        <p:cNvPr id="1" name="Shape 73"/>
         <p:cNvGrpSpPr/>
         <p:nvPr/>
       </p:nvGrpSpPr>
@@ -1123,9 +1158,11 @@
       <p:sp>
         <p:nvSpPr>
           <p:cNvPr id="74" name="Google Shape;74;g3531ad65dcb_0_9:notes"/>
-          <p:cNvSpPr/>
+          <p:cNvSpPr>
+            <a:spLocks noGrp="1" noRot="1" noChangeAspect="1"/>
+          </p:cNvSpPr>
           <p:nvPr>
-            <p:ph idx="2" type="sldImg"/>
+            <p:ph type="sldImg" idx="2"/>
           </p:nvPr>
         </p:nvSpPr>
         <p:spPr>
@@ -1134,9 +1171,13 @@
             <a:ext cx="6096000" cy="3429000"/>
           </a:xfrm>
           <a:custGeom>
-            <a:rect b="b" l="l" r="r" t="t"/>
+            <a:avLst/>
+            <a:gdLst/>
+            <a:ahLst/>
+            <a:cxnLst/>
+            <a:rect l="l" t="t" r="r" b="b"/>
             <a:pathLst>
-              <a:path extrusionOk="0" h="120000" w="120000">
+              <a:path w="120000" h="120000" extrusionOk="0">
                 <a:moveTo>
                   <a:pt x="0" y="0"/>
                 </a:moveTo>
@@ -1158,9 +1199,11 @@
       <p:sp>
         <p:nvSpPr>
           <p:cNvPr id="75" name="Google Shape;75;g3531ad65dcb_0_9:notes"/>
-          <p:cNvSpPr txBox="1"/>
+          <p:cNvSpPr txBox="1">
+            <a:spLocks noGrp="1"/>
+          </p:cNvSpPr>
           <p:nvPr>
-            <p:ph idx="1" type="body"/>
+            <p:ph type="body" idx="1"/>
           </p:nvPr>
         </p:nvSpPr>
         <p:spPr>
@@ -1173,12 +1216,12 @@
           </a:prstGeom>
         </p:spPr>
         <p:txBody>
-          <a:bodyPr anchorCtr="0" anchor="t" bIns="91425" lIns="91425" spcFirstLastPara="1" rIns="91425" wrap="square" tIns="91425">
+          <a:bodyPr spcFirstLastPara="1" wrap="square" lIns="91425" tIns="91425" rIns="91425" bIns="91425" anchor="t" anchorCtr="0">
             <a:noAutofit/>
           </a:bodyPr>
           <a:lstStyle/>
           <a:p>
-            <a:pPr indent="0" lvl="0" marL="0" rtl="0" algn="l">
+            <a:pPr marL="0" lvl="0" indent="0" algn="l" rtl="0">
               <a:spcBef>
                 <a:spcPts val="0"/>
               </a:spcBef>
@@ -1187,9 +1230,6 @@
               </a:spcAft>
               <a:buNone/>
             </a:pPr>
-            <a:r>
-              <a:t/>
-            </a:r>
             <a:endParaRPr/>
           </a:p>
         </p:txBody>
@@ -1203,11 +1243,11 @@
 </file>
 
 <file path=ppt/notesSlides/notesSlide6.xml><?xml version="1.0" encoding="utf-8"?>
-<p:notes xmlns:a="http://schemas.openxmlformats.org/drawingml/2006/main" xmlns:r="http://schemas.openxmlformats.org/officeDocument/2006/relationships" xmlns:mc="http://schemas.openxmlformats.org/markup-compatibility/2006" xmlns:mv="urn:schemas-microsoft-com:mac:vml" xmlns:p="http://schemas.openxmlformats.org/presentationml/2006/main" xmlns:c="http://schemas.openxmlformats.org/drawingml/2006/chart" xmlns:dgm="http://schemas.openxmlformats.org/drawingml/2006/diagram" xmlns:o="urn:schemas-microsoft-com:office:office" xmlns:v="urn:schemas-microsoft-com:vml" xmlns:pvml="urn:schemas-microsoft-com:office:powerpoint" xmlns:com="http://schemas.openxmlformats.org/drawingml/2006/compatibility" xmlns:p14="http://schemas.microsoft.com/office/powerpoint/2010/main" xmlns:p15="http://schemas.microsoft.com/office/powerpoint/2012/main" xmlns:ahyp="http://schemas.microsoft.com/office/drawing/2018/hyperlinkcolor" showMasterPhAnim="0" showMasterSp="0">
+<p:notes xmlns:a="http://schemas.openxmlformats.org/drawingml/2006/main" xmlns:r="http://schemas.openxmlformats.org/officeDocument/2006/relationships" xmlns:p="http://schemas.openxmlformats.org/presentationml/2006/main" showMasterSp="0" showMasterPhAnim="0">
   <p:cSld>
     <p:spTree>
       <p:nvGrpSpPr>
-        <p:cNvPr id="79" name="Shape 79"/>
+        <p:cNvPr id="1" name="Shape 79"/>
         <p:cNvGrpSpPr/>
         <p:nvPr/>
       </p:nvGrpSpPr>
@@ -1222,9 +1262,11 @@
       <p:sp>
         <p:nvSpPr>
           <p:cNvPr id="80" name="Google Shape;80;g3531ad65dcb_0_40:notes"/>
-          <p:cNvSpPr/>
+          <p:cNvSpPr>
+            <a:spLocks noGrp="1" noRot="1" noChangeAspect="1"/>
+          </p:cNvSpPr>
           <p:nvPr>
-            <p:ph idx="2" type="sldImg"/>
+            <p:ph type="sldImg" idx="2"/>
           </p:nvPr>
         </p:nvSpPr>
         <p:spPr>
@@ -1233,9 +1275,13 @@
             <a:ext cx="6096000" cy="3429000"/>
           </a:xfrm>
           <a:custGeom>
-            <a:rect b="b" l="l" r="r" t="t"/>
+            <a:avLst/>
+            <a:gdLst/>
+            <a:ahLst/>
+            <a:cxnLst/>
+            <a:rect l="l" t="t" r="r" b="b"/>
             <a:pathLst>
-              <a:path extrusionOk="0" h="120000" w="120000">
+              <a:path w="120000" h="120000" extrusionOk="0">
                 <a:moveTo>
                   <a:pt x="0" y="0"/>
                 </a:moveTo>
@@ -1257,9 +1303,11 @@
       <p:sp>
         <p:nvSpPr>
           <p:cNvPr id="81" name="Google Shape;81;g3531ad65dcb_0_40:notes"/>
-          <p:cNvSpPr txBox="1"/>
+          <p:cNvSpPr txBox="1">
+            <a:spLocks noGrp="1"/>
+          </p:cNvSpPr>
           <p:nvPr>
-            <p:ph idx="1" type="body"/>
+            <p:ph type="body" idx="1"/>
           </p:nvPr>
         </p:nvSpPr>
         <p:spPr>
@@ -1272,12 +1320,12 @@
           </a:prstGeom>
         </p:spPr>
         <p:txBody>
-          <a:bodyPr anchorCtr="0" anchor="t" bIns="91425" lIns="91425" spcFirstLastPara="1" rIns="91425" wrap="square" tIns="91425">
+          <a:bodyPr spcFirstLastPara="1" wrap="square" lIns="91425" tIns="91425" rIns="91425" bIns="91425" anchor="t" anchorCtr="0">
             <a:noAutofit/>
           </a:bodyPr>
           <a:lstStyle/>
           <a:p>
-            <a:pPr indent="0" lvl="0" marL="0" rtl="0" algn="l">
+            <a:pPr marL="0" lvl="0" indent="0" algn="l" rtl="0">
               <a:spcBef>
                 <a:spcPts val="0"/>
               </a:spcBef>
@@ -1286,9 +1334,6 @@
               </a:spcAft>
               <a:buNone/>
             </a:pPr>
-            <a:r>
-              <a:t/>
-            </a:r>
             <a:endParaRPr/>
           </a:p>
         </p:txBody>
@@ -1302,11 +1347,11 @@
 </file>
 
 <file path=ppt/slideLayouts/slideLayout1.xml><?xml version="1.0" encoding="utf-8"?>
-<p:sldLayout xmlns:a="http://schemas.openxmlformats.org/drawingml/2006/main" xmlns:r="http://schemas.openxmlformats.org/officeDocument/2006/relationships" xmlns:mc="http://schemas.openxmlformats.org/markup-compatibility/2006" xmlns:mv="urn:schemas-microsoft-com:mac:vml" xmlns:p="http://schemas.openxmlformats.org/presentationml/2006/main" xmlns:c="http://schemas.openxmlformats.org/drawingml/2006/chart" xmlns:dgm="http://schemas.openxmlformats.org/drawingml/2006/diagram" xmlns:o="urn:schemas-microsoft-com:office:office" xmlns:v="urn:schemas-microsoft-com:vml" xmlns:pvml="urn:schemas-microsoft-com:office:powerpoint" xmlns:com="http://schemas.openxmlformats.org/drawingml/2006/compatibility" xmlns:p14="http://schemas.microsoft.com/office/powerpoint/2010/main" xmlns:p15="http://schemas.microsoft.com/office/powerpoint/2012/main" xmlns:ahyp="http://schemas.microsoft.com/office/drawing/2018/hyperlinkcolor" matchingName="Title slide" type="title">
+<p:sldLayout xmlns:a="http://schemas.openxmlformats.org/drawingml/2006/main" xmlns:r="http://schemas.openxmlformats.org/officeDocument/2006/relationships" xmlns:p="http://schemas.openxmlformats.org/presentationml/2006/main" matchingName="Title slide" type="title">
   <p:cSld name="TITLE">
     <p:spTree>
       <p:nvGrpSpPr>
-        <p:cNvPr id="9" name="Shape 9"/>
+        <p:cNvPr id="1" name="Shape 9"/>
         <p:cNvGrpSpPr/>
         <p:nvPr/>
       </p:nvGrpSpPr>
@@ -1321,7 +1366,9 @@
       <p:sp>
         <p:nvSpPr>
           <p:cNvPr id="10" name="Google Shape;10;p2"/>
-          <p:cNvSpPr txBox="1"/>
+          <p:cNvSpPr txBox="1">
+            <a:spLocks noGrp="1"/>
+          </p:cNvSpPr>
           <p:nvPr>
             <p:ph type="ctrTitle"/>
           </p:nvPr>
@@ -1336,7 +1383,7 @@
           </a:prstGeom>
         </p:spPr>
         <p:txBody>
-          <a:bodyPr anchorCtr="0" anchor="b" bIns="91425" lIns="91425" spcFirstLastPara="1" rIns="91425" wrap="square" tIns="91425">
+          <a:bodyPr spcFirstLastPara="1" wrap="square" lIns="91425" tIns="91425" rIns="91425" bIns="91425" anchor="b" anchorCtr="0">
             <a:normAutofit/>
           </a:bodyPr>
           <a:lstStyle>
@@ -1440,15 +1487,19 @@
               <a:defRPr sz="5200"/>
             </a:lvl9pPr>
           </a:lstStyle>
-          <a:p/>
+          <a:p>
+            <a:endParaRPr/>
+          </a:p>
         </p:txBody>
       </p:sp>
       <p:sp>
         <p:nvSpPr>
           <p:cNvPr id="11" name="Google Shape;11;p2"/>
-          <p:cNvSpPr txBox="1"/>
+          <p:cNvSpPr txBox="1">
+            <a:spLocks noGrp="1"/>
+          </p:cNvSpPr>
           <p:nvPr>
-            <p:ph idx="1" type="subTitle"/>
+            <p:ph type="subTitle" idx="1"/>
           </p:nvPr>
         </p:nvSpPr>
         <p:spPr>
@@ -1461,7 +1512,7 @@
           </a:prstGeom>
         </p:spPr>
         <p:txBody>
-          <a:bodyPr anchorCtr="0" anchor="t" bIns="91425" lIns="91425" spcFirstLastPara="1" rIns="91425" wrap="square" tIns="91425">
+          <a:bodyPr spcFirstLastPara="1" wrap="square" lIns="91425" tIns="91425" rIns="91425" bIns="91425" anchor="t" anchorCtr="0">
             <a:normAutofit/>
           </a:bodyPr>
           <a:lstStyle>
@@ -1592,15 +1643,19 @@
               <a:defRPr sz="2800"/>
             </a:lvl9pPr>
           </a:lstStyle>
-          <a:p/>
+          <a:p>
+            <a:endParaRPr/>
+          </a:p>
         </p:txBody>
       </p:sp>
       <p:sp>
         <p:nvSpPr>
           <p:cNvPr id="12" name="Google Shape;12;p2"/>
-          <p:cNvSpPr txBox="1"/>
+          <p:cNvSpPr txBox="1">
+            <a:spLocks noGrp="1"/>
+          </p:cNvSpPr>
           <p:nvPr>
-            <p:ph idx="12" type="sldNum"/>
+            <p:ph type="sldNum" idx="12"/>
           </p:nvPr>
         </p:nvSpPr>
         <p:spPr>
@@ -1613,7 +1668,7 @@
           </a:prstGeom>
         </p:spPr>
         <p:txBody>
-          <a:bodyPr anchorCtr="0" anchor="ctr" bIns="91425" lIns="91425" spcFirstLastPara="1" rIns="91425" wrap="square" tIns="91425">
+          <a:bodyPr spcFirstLastPara="1" wrap="square" lIns="91425" tIns="91425" rIns="91425" bIns="91425" anchor="ctr" anchorCtr="0">
             <a:normAutofit/>
           </a:bodyPr>
           <a:lstStyle>
@@ -1655,7 +1710,7 @@
             </a:lvl9pPr>
           </a:lstStyle>
           <a:p>
-            <a:pPr indent="0" lvl="0" marL="0" rtl="0" algn="r">
+            <a:pPr marL="0" lvl="0" indent="0" algn="r" rtl="0">
               <a:spcBef>
                 <a:spcPts val="0"/>
               </a:spcBef>
@@ -1681,11 +1736,11 @@
 </file>
 
 <file path=ppt/slideLayouts/slideLayout10.xml><?xml version="1.0" encoding="utf-8"?>
-<p:sldLayout xmlns:a="http://schemas.openxmlformats.org/drawingml/2006/main" xmlns:r="http://schemas.openxmlformats.org/officeDocument/2006/relationships" xmlns:mc="http://schemas.openxmlformats.org/markup-compatibility/2006" xmlns:mv="urn:schemas-microsoft-com:mac:vml" xmlns:p="http://schemas.openxmlformats.org/presentationml/2006/main" xmlns:c="http://schemas.openxmlformats.org/drawingml/2006/chart" xmlns:dgm="http://schemas.openxmlformats.org/drawingml/2006/diagram" xmlns:o="urn:schemas-microsoft-com:office:office" xmlns:v="urn:schemas-microsoft-com:vml" xmlns:pvml="urn:schemas-microsoft-com:office:powerpoint" xmlns:com="http://schemas.openxmlformats.org/drawingml/2006/compatibility" xmlns:p14="http://schemas.microsoft.com/office/powerpoint/2010/main" xmlns:p15="http://schemas.microsoft.com/office/powerpoint/2012/main" xmlns:ahyp="http://schemas.microsoft.com/office/drawing/2018/hyperlinkcolor" matchingName="Big number">
+<p:sldLayout xmlns:a="http://schemas.openxmlformats.org/drawingml/2006/main" xmlns:r="http://schemas.openxmlformats.org/officeDocument/2006/relationships" xmlns:p="http://schemas.openxmlformats.org/presentationml/2006/main" matchingName="Big number">
   <p:cSld name="BIG_NUMBER">
     <p:spTree>
       <p:nvGrpSpPr>
-        <p:cNvPr id="44" name="Shape 44"/>
+        <p:cNvPr id="1" name="Shape 44"/>
         <p:cNvGrpSpPr/>
         <p:nvPr/>
       </p:nvGrpSpPr>
@@ -1700,9 +1755,11 @@
       <p:sp>
         <p:nvSpPr>
           <p:cNvPr id="45" name="Google Shape;45;p11"/>
-          <p:cNvSpPr txBox="1"/>
+          <p:cNvSpPr txBox="1">
+            <a:spLocks noGrp="1"/>
+          </p:cNvSpPr>
           <p:nvPr>
-            <p:ph hasCustomPrompt="1" type="title"/>
+            <p:ph type="title" hasCustomPrompt="1"/>
           </p:nvPr>
         </p:nvSpPr>
         <p:spPr>
@@ -1715,7 +1772,7 @@
           </a:prstGeom>
         </p:spPr>
         <p:txBody>
-          <a:bodyPr anchorCtr="0" anchor="b" bIns="91425" lIns="91425" spcFirstLastPara="1" rIns="91425" wrap="square" tIns="91425">
+          <a:bodyPr spcFirstLastPara="1" wrap="square" lIns="91425" tIns="91425" rIns="91425" bIns="91425" anchor="b" anchorCtr="0">
             <a:normAutofit/>
           </a:bodyPr>
           <a:lstStyle>
@@ -1829,9 +1886,11 @@
       <p:sp>
         <p:nvSpPr>
           <p:cNvPr id="46" name="Google Shape;46;p11"/>
-          <p:cNvSpPr txBox="1"/>
+          <p:cNvSpPr txBox="1">
+            <a:spLocks noGrp="1"/>
+          </p:cNvSpPr>
           <p:nvPr>
-            <p:ph idx="1" type="body"/>
+            <p:ph type="body" idx="1"/>
           </p:nvPr>
         </p:nvSpPr>
         <p:spPr>
@@ -1844,11 +1903,11 @@
           </a:prstGeom>
         </p:spPr>
         <p:txBody>
-          <a:bodyPr anchorCtr="0" anchor="t" bIns="91425" lIns="91425" spcFirstLastPara="1" rIns="91425" wrap="square" tIns="91425">
+          <a:bodyPr spcFirstLastPara="1" wrap="square" lIns="91425" tIns="91425" rIns="91425" bIns="91425" anchor="t" anchorCtr="0">
             <a:normAutofit/>
           </a:bodyPr>
           <a:lstStyle>
-            <a:lvl1pPr indent="-342900" lvl="0" marL="457200" algn="ctr">
+            <a:lvl1pPr marL="457200" lvl="0" indent="-342900" algn="ctr">
               <a:spcBef>
                 <a:spcPts val="0"/>
               </a:spcBef>
@@ -1859,7 +1918,7 @@
               <a:buChar char="●"/>
               <a:defRPr/>
             </a:lvl1pPr>
-            <a:lvl2pPr indent="-317500" lvl="1" marL="914400" algn="ctr">
+            <a:lvl2pPr marL="914400" lvl="1" indent="-317500" algn="ctr">
               <a:spcBef>
                 <a:spcPts val="0"/>
               </a:spcBef>
@@ -1870,7 +1929,7 @@
               <a:buChar char="○"/>
               <a:defRPr/>
             </a:lvl2pPr>
-            <a:lvl3pPr indent="-317500" lvl="2" marL="1371600" algn="ctr">
+            <a:lvl3pPr marL="1371600" lvl="2" indent="-317500" algn="ctr">
               <a:spcBef>
                 <a:spcPts val="0"/>
               </a:spcBef>
@@ -1881,7 +1940,7 @@
               <a:buChar char="■"/>
               <a:defRPr/>
             </a:lvl3pPr>
-            <a:lvl4pPr indent="-317500" lvl="3" marL="1828800" algn="ctr">
+            <a:lvl4pPr marL="1828800" lvl="3" indent="-317500" algn="ctr">
               <a:spcBef>
                 <a:spcPts val="0"/>
               </a:spcBef>
@@ -1892,7 +1951,7 @@
               <a:buChar char="●"/>
               <a:defRPr/>
             </a:lvl4pPr>
-            <a:lvl5pPr indent="-317500" lvl="4" marL="2286000" algn="ctr">
+            <a:lvl5pPr marL="2286000" lvl="4" indent="-317500" algn="ctr">
               <a:spcBef>
                 <a:spcPts val="0"/>
               </a:spcBef>
@@ -1903,7 +1962,7 @@
               <a:buChar char="○"/>
               <a:defRPr/>
             </a:lvl5pPr>
-            <a:lvl6pPr indent="-317500" lvl="5" marL="2743200" algn="ctr">
+            <a:lvl6pPr marL="2743200" lvl="5" indent="-317500" algn="ctr">
               <a:spcBef>
                 <a:spcPts val="0"/>
               </a:spcBef>
@@ -1914,7 +1973,7 @@
               <a:buChar char="■"/>
               <a:defRPr/>
             </a:lvl6pPr>
-            <a:lvl7pPr indent="-317500" lvl="6" marL="3200400" algn="ctr">
+            <a:lvl7pPr marL="3200400" lvl="6" indent="-317500" algn="ctr">
               <a:spcBef>
                 <a:spcPts val="0"/>
               </a:spcBef>
@@ -1925,7 +1984,7 @@
               <a:buChar char="●"/>
               <a:defRPr/>
             </a:lvl7pPr>
-            <a:lvl8pPr indent="-317500" lvl="7" marL="3657600" algn="ctr">
+            <a:lvl8pPr marL="3657600" lvl="7" indent="-317500" algn="ctr">
               <a:spcBef>
                 <a:spcPts val="0"/>
               </a:spcBef>
@@ -1936,7 +1995,7 @@
               <a:buChar char="○"/>
               <a:defRPr/>
             </a:lvl8pPr>
-            <a:lvl9pPr indent="-317500" lvl="8" marL="4114800" algn="ctr">
+            <a:lvl9pPr marL="4114800" lvl="8" indent="-317500" algn="ctr">
               <a:spcBef>
                 <a:spcPts val="0"/>
               </a:spcBef>
@@ -1948,15 +2007,19 @@
               <a:defRPr/>
             </a:lvl9pPr>
           </a:lstStyle>
-          <a:p/>
+          <a:p>
+            <a:endParaRPr/>
+          </a:p>
         </p:txBody>
       </p:sp>
       <p:sp>
         <p:nvSpPr>
           <p:cNvPr id="47" name="Google Shape;47;p11"/>
-          <p:cNvSpPr txBox="1"/>
+          <p:cNvSpPr txBox="1">
+            <a:spLocks noGrp="1"/>
+          </p:cNvSpPr>
           <p:nvPr>
-            <p:ph idx="12" type="sldNum"/>
+            <p:ph type="sldNum" idx="12"/>
           </p:nvPr>
         </p:nvSpPr>
         <p:spPr>
@@ -1969,7 +2032,7 @@
           </a:prstGeom>
         </p:spPr>
         <p:txBody>
-          <a:bodyPr anchorCtr="0" anchor="ctr" bIns="91425" lIns="91425" spcFirstLastPara="1" rIns="91425" wrap="square" tIns="91425">
+          <a:bodyPr spcFirstLastPara="1" wrap="square" lIns="91425" tIns="91425" rIns="91425" bIns="91425" anchor="ctr" anchorCtr="0">
             <a:normAutofit/>
           </a:bodyPr>
           <a:lstStyle>
@@ -2011,7 +2074,7 @@
             </a:lvl9pPr>
           </a:lstStyle>
           <a:p>
-            <a:pPr indent="0" lvl="0" marL="0" rtl="0" algn="r">
+            <a:pPr marL="0" lvl="0" indent="0" algn="r" rtl="0">
               <a:spcBef>
                 <a:spcPts val="0"/>
               </a:spcBef>
@@ -2037,11 +2100,11 @@
 </file>
 
 <file path=ppt/slideLayouts/slideLayout11.xml><?xml version="1.0" encoding="utf-8"?>
-<p:sldLayout xmlns:a="http://schemas.openxmlformats.org/drawingml/2006/main" xmlns:r="http://schemas.openxmlformats.org/officeDocument/2006/relationships" xmlns:mc="http://schemas.openxmlformats.org/markup-compatibility/2006" xmlns:mv="urn:schemas-microsoft-com:mac:vml" xmlns:p="http://schemas.openxmlformats.org/presentationml/2006/main" xmlns:c="http://schemas.openxmlformats.org/drawingml/2006/chart" xmlns:dgm="http://schemas.openxmlformats.org/drawingml/2006/diagram" xmlns:o="urn:schemas-microsoft-com:office:office" xmlns:v="urn:schemas-microsoft-com:vml" xmlns:pvml="urn:schemas-microsoft-com:office:powerpoint" xmlns:com="http://schemas.openxmlformats.org/drawingml/2006/compatibility" xmlns:p14="http://schemas.microsoft.com/office/powerpoint/2010/main" xmlns:p15="http://schemas.microsoft.com/office/powerpoint/2012/main" xmlns:ahyp="http://schemas.microsoft.com/office/drawing/2018/hyperlinkcolor" matchingName="Blank" type="blank">
+<p:sldLayout xmlns:a="http://schemas.openxmlformats.org/drawingml/2006/main" xmlns:r="http://schemas.openxmlformats.org/officeDocument/2006/relationships" xmlns:p="http://schemas.openxmlformats.org/presentationml/2006/main" matchingName="Blank" type="blank">
   <p:cSld name="BLANK">
     <p:spTree>
       <p:nvGrpSpPr>
-        <p:cNvPr id="48" name="Shape 48"/>
+        <p:cNvPr id="1" name="Shape 48"/>
         <p:cNvGrpSpPr/>
         <p:nvPr/>
       </p:nvGrpSpPr>
@@ -2056,9 +2119,11 @@
       <p:sp>
         <p:nvSpPr>
           <p:cNvPr id="49" name="Google Shape;49;p12"/>
-          <p:cNvSpPr txBox="1"/>
+          <p:cNvSpPr txBox="1">
+            <a:spLocks noGrp="1"/>
+          </p:cNvSpPr>
           <p:nvPr>
-            <p:ph idx="12" type="sldNum"/>
+            <p:ph type="sldNum" idx="12"/>
           </p:nvPr>
         </p:nvSpPr>
         <p:spPr>
@@ -2071,7 +2136,7 @@
           </a:prstGeom>
         </p:spPr>
         <p:txBody>
-          <a:bodyPr anchorCtr="0" anchor="ctr" bIns="91425" lIns="91425" spcFirstLastPara="1" rIns="91425" wrap="square" tIns="91425">
+          <a:bodyPr spcFirstLastPara="1" wrap="square" lIns="91425" tIns="91425" rIns="91425" bIns="91425" anchor="ctr" anchorCtr="0">
             <a:normAutofit/>
           </a:bodyPr>
           <a:lstStyle>
@@ -2113,7 +2178,7 @@
             </a:lvl9pPr>
           </a:lstStyle>
           <a:p>
-            <a:pPr indent="0" lvl="0" marL="0" rtl="0" algn="r">
+            <a:pPr marL="0" lvl="0" indent="0" algn="r" rtl="0">
               <a:spcBef>
                 <a:spcPts val="0"/>
               </a:spcBef>
@@ -2139,11 +2204,11 @@
 </file>
 
 <file path=ppt/slideLayouts/slideLayout2.xml><?xml version="1.0" encoding="utf-8"?>
-<p:sldLayout xmlns:a="http://schemas.openxmlformats.org/drawingml/2006/main" xmlns:r="http://schemas.openxmlformats.org/officeDocument/2006/relationships" xmlns:mc="http://schemas.openxmlformats.org/markup-compatibility/2006" xmlns:mv="urn:schemas-microsoft-com:mac:vml" xmlns:p="http://schemas.openxmlformats.org/presentationml/2006/main" xmlns:c="http://schemas.openxmlformats.org/drawingml/2006/chart" xmlns:dgm="http://schemas.openxmlformats.org/drawingml/2006/diagram" xmlns:o="urn:schemas-microsoft-com:office:office" xmlns:v="urn:schemas-microsoft-com:vml" xmlns:pvml="urn:schemas-microsoft-com:office:powerpoint" xmlns:com="http://schemas.openxmlformats.org/drawingml/2006/compatibility" xmlns:p14="http://schemas.microsoft.com/office/powerpoint/2010/main" xmlns:p15="http://schemas.microsoft.com/office/powerpoint/2012/main" xmlns:ahyp="http://schemas.microsoft.com/office/drawing/2018/hyperlinkcolor" matchingName="Section header" type="secHead">
+<p:sldLayout xmlns:a="http://schemas.openxmlformats.org/drawingml/2006/main" xmlns:r="http://schemas.openxmlformats.org/officeDocument/2006/relationships" xmlns:p="http://schemas.openxmlformats.org/presentationml/2006/main" matchingName="Section header" type="secHead">
   <p:cSld name="SECTION_HEADER">
     <p:spTree>
       <p:nvGrpSpPr>
-        <p:cNvPr id="13" name="Shape 13"/>
+        <p:cNvPr id="1" name="Shape 13"/>
         <p:cNvGrpSpPr/>
         <p:nvPr/>
       </p:nvGrpSpPr>
@@ -2158,7 +2223,9 @@
       <p:sp>
         <p:nvSpPr>
           <p:cNvPr id="14" name="Google Shape;14;p3"/>
-          <p:cNvSpPr txBox="1"/>
+          <p:cNvSpPr txBox="1">
+            <a:spLocks noGrp="1"/>
+          </p:cNvSpPr>
           <p:nvPr>
             <p:ph type="title"/>
           </p:nvPr>
@@ -2173,7 +2240,7 @@
           </a:prstGeom>
         </p:spPr>
         <p:txBody>
-          <a:bodyPr anchorCtr="0" anchor="ctr" bIns="91425" lIns="91425" spcFirstLastPara="1" rIns="91425" wrap="square" tIns="91425">
+          <a:bodyPr spcFirstLastPara="1" wrap="square" lIns="91425" tIns="91425" rIns="91425" bIns="91425" anchor="ctr" anchorCtr="0">
             <a:normAutofit/>
           </a:bodyPr>
           <a:lstStyle>
@@ -2277,15 +2344,19 @@
               <a:defRPr sz="3600"/>
             </a:lvl9pPr>
           </a:lstStyle>
-          <a:p/>
+          <a:p>
+            <a:endParaRPr/>
+          </a:p>
         </p:txBody>
       </p:sp>
       <p:sp>
         <p:nvSpPr>
           <p:cNvPr id="15" name="Google Shape;15;p3"/>
-          <p:cNvSpPr txBox="1"/>
+          <p:cNvSpPr txBox="1">
+            <a:spLocks noGrp="1"/>
+          </p:cNvSpPr>
           <p:nvPr>
-            <p:ph idx="12" type="sldNum"/>
+            <p:ph type="sldNum" idx="12"/>
           </p:nvPr>
         </p:nvSpPr>
         <p:spPr>
@@ -2298,7 +2369,7 @@
           </a:prstGeom>
         </p:spPr>
         <p:txBody>
-          <a:bodyPr anchorCtr="0" anchor="ctr" bIns="91425" lIns="91425" spcFirstLastPara="1" rIns="91425" wrap="square" tIns="91425">
+          <a:bodyPr spcFirstLastPara="1" wrap="square" lIns="91425" tIns="91425" rIns="91425" bIns="91425" anchor="ctr" anchorCtr="0">
             <a:normAutofit/>
           </a:bodyPr>
           <a:lstStyle>
@@ -2340,7 +2411,7 @@
             </a:lvl9pPr>
           </a:lstStyle>
           <a:p>
-            <a:pPr indent="0" lvl="0" marL="0" rtl="0" algn="r">
+            <a:pPr marL="0" lvl="0" indent="0" algn="r" rtl="0">
               <a:spcBef>
                 <a:spcPts val="0"/>
               </a:spcBef>
@@ -2366,11 +2437,11 @@
 </file>
 
 <file path=ppt/slideLayouts/slideLayout3.xml><?xml version="1.0" encoding="utf-8"?>
-<p:sldLayout xmlns:a="http://schemas.openxmlformats.org/drawingml/2006/main" xmlns:r="http://schemas.openxmlformats.org/officeDocument/2006/relationships" xmlns:mc="http://schemas.openxmlformats.org/markup-compatibility/2006" xmlns:mv="urn:schemas-microsoft-com:mac:vml" xmlns:p="http://schemas.openxmlformats.org/presentationml/2006/main" xmlns:c="http://schemas.openxmlformats.org/drawingml/2006/chart" xmlns:dgm="http://schemas.openxmlformats.org/drawingml/2006/diagram" xmlns:o="urn:schemas-microsoft-com:office:office" xmlns:v="urn:schemas-microsoft-com:vml" xmlns:pvml="urn:schemas-microsoft-com:office:powerpoint" xmlns:com="http://schemas.openxmlformats.org/drawingml/2006/compatibility" xmlns:p14="http://schemas.microsoft.com/office/powerpoint/2010/main" xmlns:p15="http://schemas.microsoft.com/office/powerpoint/2012/main" xmlns:ahyp="http://schemas.microsoft.com/office/drawing/2018/hyperlinkcolor" matchingName="Title and body" type="tx">
+<p:sldLayout xmlns:a="http://schemas.openxmlformats.org/drawingml/2006/main" xmlns:r="http://schemas.openxmlformats.org/officeDocument/2006/relationships" xmlns:p="http://schemas.openxmlformats.org/presentationml/2006/main" matchingName="Title and body" type="tx">
   <p:cSld name="TITLE_AND_BODY">
     <p:spTree>
       <p:nvGrpSpPr>
-        <p:cNvPr id="16" name="Shape 16"/>
+        <p:cNvPr id="1" name="Shape 16"/>
         <p:cNvGrpSpPr/>
         <p:nvPr/>
       </p:nvGrpSpPr>
@@ -2385,7 +2456,9 @@
       <p:sp>
         <p:nvSpPr>
           <p:cNvPr id="17" name="Google Shape;17;p4"/>
-          <p:cNvSpPr txBox="1"/>
+          <p:cNvSpPr txBox="1">
+            <a:spLocks noGrp="1"/>
+          </p:cNvSpPr>
           <p:nvPr>
             <p:ph type="title"/>
           </p:nvPr>
@@ -2400,7 +2473,7 @@
           </a:prstGeom>
         </p:spPr>
         <p:txBody>
-          <a:bodyPr anchorCtr="0" anchor="t" bIns="91425" lIns="91425" spcFirstLastPara="1" rIns="91425" wrap="square" tIns="91425">
+          <a:bodyPr spcFirstLastPara="1" wrap="square" lIns="91425" tIns="91425" rIns="91425" bIns="91425" anchor="t" anchorCtr="0">
             <a:normAutofit/>
           </a:bodyPr>
           <a:lstStyle>
@@ -2504,15 +2577,19 @@
               <a:defRPr/>
             </a:lvl9pPr>
           </a:lstStyle>
-          <a:p/>
+          <a:p>
+            <a:endParaRPr/>
+          </a:p>
         </p:txBody>
       </p:sp>
       <p:sp>
         <p:nvSpPr>
           <p:cNvPr id="18" name="Google Shape;18;p4"/>
-          <p:cNvSpPr txBox="1"/>
+          <p:cNvSpPr txBox="1">
+            <a:spLocks noGrp="1"/>
+          </p:cNvSpPr>
           <p:nvPr>
-            <p:ph idx="1" type="body"/>
+            <p:ph type="body" idx="1"/>
           </p:nvPr>
         </p:nvSpPr>
         <p:spPr>
@@ -2525,11 +2602,11 @@
           </a:prstGeom>
         </p:spPr>
         <p:txBody>
-          <a:bodyPr anchorCtr="0" anchor="t" bIns="91425" lIns="91425" spcFirstLastPara="1" rIns="91425" wrap="square" tIns="91425">
+          <a:bodyPr spcFirstLastPara="1" wrap="square" lIns="91425" tIns="91425" rIns="91425" bIns="91425" anchor="t" anchorCtr="0">
             <a:normAutofit/>
           </a:bodyPr>
           <a:lstStyle>
-            <a:lvl1pPr indent="-342900" lvl="0" marL="457200">
+            <a:lvl1pPr marL="457200" lvl="0" indent="-342900">
               <a:spcBef>
                 <a:spcPts val="0"/>
               </a:spcBef>
@@ -2540,7 +2617,7 @@
               <a:buChar char="●"/>
               <a:defRPr/>
             </a:lvl1pPr>
-            <a:lvl2pPr indent="-317500" lvl="1" marL="914400">
+            <a:lvl2pPr marL="914400" lvl="1" indent="-317500">
               <a:spcBef>
                 <a:spcPts val="0"/>
               </a:spcBef>
@@ -2551,7 +2628,7 @@
               <a:buChar char="○"/>
               <a:defRPr/>
             </a:lvl2pPr>
-            <a:lvl3pPr indent="-317500" lvl="2" marL="1371600">
+            <a:lvl3pPr marL="1371600" lvl="2" indent="-317500">
               <a:spcBef>
                 <a:spcPts val="0"/>
               </a:spcBef>
@@ -2562,7 +2639,7 @@
               <a:buChar char="■"/>
               <a:defRPr/>
             </a:lvl3pPr>
-            <a:lvl4pPr indent="-317500" lvl="3" marL="1828800">
+            <a:lvl4pPr marL="1828800" lvl="3" indent="-317500">
               <a:spcBef>
                 <a:spcPts val="0"/>
               </a:spcBef>
@@ -2573,7 +2650,7 @@
               <a:buChar char="●"/>
               <a:defRPr/>
             </a:lvl4pPr>
-            <a:lvl5pPr indent="-317500" lvl="4" marL="2286000">
+            <a:lvl5pPr marL="2286000" lvl="4" indent="-317500">
               <a:spcBef>
                 <a:spcPts val="0"/>
               </a:spcBef>
@@ -2584,7 +2661,7 @@
               <a:buChar char="○"/>
               <a:defRPr/>
             </a:lvl5pPr>
-            <a:lvl6pPr indent="-317500" lvl="5" marL="2743200">
+            <a:lvl6pPr marL="2743200" lvl="5" indent="-317500">
               <a:spcBef>
                 <a:spcPts val="0"/>
               </a:spcBef>
@@ -2595,7 +2672,7 @@
               <a:buChar char="■"/>
               <a:defRPr/>
             </a:lvl6pPr>
-            <a:lvl7pPr indent="-317500" lvl="6" marL="3200400">
+            <a:lvl7pPr marL="3200400" lvl="6" indent="-317500">
               <a:spcBef>
                 <a:spcPts val="0"/>
               </a:spcBef>
@@ -2606,7 +2683,7 @@
               <a:buChar char="●"/>
               <a:defRPr/>
             </a:lvl7pPr>
-            <a:lvl8pPr indent="-317500" lvl="7" marL="3657600">
+            <a:lvl8pPr marL="3657600" lvl="7" indent="-317500">
               <a:spcBef>
                 <a:spcPts val="0"/>
               </a:spcBef>
@@ -2617,7 +2694,7 @@
               <a:buChar char="○"/>
               <a:defRPr/>
             </a:lvl8pPr>
-            <a:lvl9pPr indent="-317500" lvl="8" marL="4114800">
+            <a:lvl9pPr marL="4114800" lvl="8" indent="-317500">
               <a:spcBef>
                 <a:spcPts val="0"/>
               </a:spcBef>
@@ -2629,15 +2706,19 @@
               <a:defRPr/>
             </a:lvl9pPr>
           </a:lstStyle>
-          <a:p/>
+          <a:p>
+            <a:endParaRPr/>
+          </a:p>
         </p:txBody>
       </p:sp>
       <p:sp>
         <p:nvSpPr>
           <p:cNvPr id="19" name="Google Shape;19;p4"/>
-          <p:cNvSpPr txBox="1"/>
+          <p:cNvSpPr txBox="1">
+            <a:spLocks noGrp="1"/>
+          </p:cNvSpPr>
           <p:nvPr>
-            <p:ph idx="12" type="sldNum"/>
+            <p:ph type="sldNum" idx="12"/>
           </p:nvPr>
         </p:nvSpPr>
         <p:spPr>
@@ -2650,7 +2731,7 @@
           </a:prstGeom>
         </p:spPr>
         <p:txBody>
-          <a:bodyPr anchorCtr="0" anchor="ctr" bIns="91425" lIns="91425" spcFirstLastPara="1" rIns="91425" wrap="square" tIns="91425">
+          <a:bodyPr spcFirstLastPara="1" wrap="square" lIns="91425" tIns="91425" rIns="91425" bIns="91425" anchor="ctr" anchorCtr="0">
             <a:normAutofit/>
           </a:bodyPr>
           <a:lstStyle>
@@ -2692,7 +2773,7 @@
             </a:lvl9pPr>
           </a:lstStyle>
           <a:p>
-            <a:pPr indent="0" lvl="0" marL="0" rtl="0" algn="r">
+            <a:pPr marL="0" lvl="0" indent="0" algn="r" rtl="0">
               <a:spcBef>
                 <a:spcPts val="0"/>
               </a:spcBef>
@@ -2718,11 +2799,11 @@
 </file>
 
 <file path=ppt/slideLayouts/slideLayout4.xml><?xml version="1.0" encoding="utf-8"?>
-<p:sldLayout xmlns:a="http://schemas.openxmlformats.org/drawingml/2006/main" xmlns:r="http://schemas.openxmlformats.org/officeDocument/2006/relationships" xmlns:mc="http://schemas.openxmlformats.org/markup-compatibility/2006" xmlns:mv="urn:schemas-microsoft-com:mac:vml" xmlns:p="http://schemas.openxmlformats.org/presentationml/2006/main" xmlns:c="http://schemas.openxmlformats.org/drawingml/2006/chart" xmlns:dgm="http://schemas.openxmlformats.org/drawingml/2006/diagram" xmlns:o="urn:schemas-microsoft-com:office:office" xmlns:v="urn:schemas-microsoft-com:vml" xmlns:pvml="urn:schemas-microsoft-com:office:powerpoint" xmlns:com="http://schemas.openxmlformats.org/drawingml/2006/compatibility" xmlns:p14="http://schemas.microsoft.com/office/powerpoint/2010/main" xmlns:p15="http://schemas.microsoft.com/office/powerpoint/2012/main" xmlns:ahyp="http://schemas.microsoft.com/office/drawing/2018/hyperlinkcolor" matchingName="Title and two columns" type="twoColTx">
+<p:sldLayout xmlns:a="http://schemas.openxmlformats.org/drawingml/2006/main" xmlns:r="http://schemas.openxmlformats.org/officeDocument/2006/relationships" xmlns:p="http://schemas.openxmlformats.org/presentationml/2006/main" matchingName="Title and two columns" type="twoColTx">
   <p:cSld name="TITLE_AND_TWO_COLUMNS">
     <p:spTree>
       <p:nvGrpSpPr>
-        <p:cNvPr id="20" name="Shape 20"/>
+        <p:cNvPr id="1" name="Shape 20"/>
         <p:cNvGrpSpPr/>
         <p:nvPr/>
       </p:nvGrpSpPr>
@@ -2737,7 +2818,9 @@
       <p:sp>
         <p:nvSpPr>
           <p:cNvPr id="21" name="Google Shape;21;p5"/>
-          <p:cNvSpPr txBox="1"/>
+          <p:cNvSpPr txBox="1">
+            <a:spLocks noGrp="1"/>
+          </p:cNvSpPr>
           <p:nvPr>
             <p:ph type="title"/>
           </p:nvPr>
@@ -2752,7 +2835,7 @@
           </a:prstGeom>
         </p:spPr>
         <p:txBody>
-          <a:bodyPr anchorCtr="0" anchor="t" bIns="91425" lIns="91425" spcFirstLastPara="1" rIns="91425" wrap="square" tIns="91425">
+          <a:bodyPr spcFirstLastPara="1" wrap="square" lIns="91425" tIns="91425" rIns="91425" bIns="91425" anchor="t" anchorCtr="0">
             <a:normAutofit/>
           </a:bodyPr>
           <a:lstStyle>
@@ -2856,15 +2939,19 @@
               <a:defRPr/>
             </a:lvl9pPr>
           </a:lstStyle>
-          <a:p/>
+          <a:p>
+            <a:endParaRPr/>
+          </a:p>
         </p:txBody>
       </p:sp>
       <p:sp>
         <p:nvSpPr>
           <p:cNvPr id="22" name="Google Shape;22;p5"/>
-          <p:cNvSpPr txBox="1"/>
+          <p:cNvSpPr txBox="1">
+            <a:spLocks noGrp="1"/>
+          </p:cNvSpPr>
           <p:nvPr>
-            <p:ph idx="1" type="body"/>
+            <p:ph type="body" idx="1"/>
           </p:nvPr>
         </p:nvSpPr>
         <p:spPr>
@@ -2877,11 +2964,11 @@
           </a:prstGeom>
         </p:spPr>
         <p:txBody>
-          <a:bodyPr anchorCtr="0" anchor="t" bIns="91425" lIns="91425" spcFirstLastPara="1" rIns="91425" wrap="square" tIns="91425">
+          <a:bodyPr spcFirstLastPara="1" wrap="square" lIns="91425" tIns="91425" rIns="91425" bIns="91425" anchor="t" anchorCtr="0">
             <a:normAutofit/>
           </a:bodyPr>
           <a:lstStyle>
-            <a:lvl1pPr indent="-317500" lvl="0" marL="457200">
+            <a:lvl1pPr marL="457200" lvl="0" indent="-317500">
               <a:spcBef>
                 <a:spcPts val="0"/>
               </a:spcBef>
@@ -2892,7 +2979,7 @@
               <a:buChar char="●"/>
               <a:defRPr sz="1400"/>
             </a:lvl1pPr>
-            <a:lvl2pPr indent="-304800" lvl="1" marL="914400">
+            <a:lvl2pPr marL="914400" lvl="1" indent="-304800">
               <a:spcBef>
                 <a:spcPts val="0"/>
               </a:spcBef>
@@ -2903,7 +2990,7 @@
               <a:buChar char="○"/>
               <a:defRPr sz="1200"/>
             </a:lvl2pPr>
-            <a:lvl3pPr indent="-304800" lvl="2" marL="1371600">
+            <a:lvl3pPr marL="1371600" lvl="2" indent="-304800">
               <a:spcBef>
                 <a:spcPts val="0"/>
               </a:spcBef>
@@ -2914,7 +3001,7 @@
               <a:buChar char="■"/>
               <a:defRPr sz="1200"/>
             </a:lvl3pPr>
-            <a:lvl4pPr indent="-304800" lvl="3" marL="1828800">
+            <a:lvl4pPr marL="1828800" lvl="3" indent="-304800">
               <a:spcBef>
                 <a:spcPts val="0"/>
               </a:spcBef>
@@ -2925,7 +3012,7 @@
               <a:buChar char="●"/>
               <a:defRPr sz="1200"/>
             </a:lvl4pPr>
-            <a:lvl5pPr indent="-304800" lvl="4" marL="2286000">
+            <a:lvl5pPr marL="2286000" lvl="4" indent="-304800">
               <a:spcBef>
                 <a:spcPts val="0"/>
               </a:spcBef>
@@ -2936,7 +3023,7 @@
               <a:buChar char="○"/>
               <a:defRPr sz="1200"/>
             </a:lvl5pPr>
-            <a:lvl6pPr indent="-304800" lvl="5" marL="2743200">
+            <a:lvl6pPr marL="2743200" lvl="5" indent="-304800">
               <a:spcBef>
                 <a:spcPts val="0"/>
               </a:spcBef>
@@ -2947,7 +3034,7 @@
               <a:buChar char="■"/>
               <a:defRPr sz="1200"/>
             </a:lvl6pPr>
-            <a:lvl7pPr indent="-304800" lvl="6" marL="3200400">
+            <a:lvl7pPr marL="3200400" lvl="6" indent="-304800">
               <a:spcBef>
                 <a:spcPts val="0"/>
               </a:spcBef>
@@ -2958,7 +3045,7 @@
               <a:buChar char="●"/>
               <a:defRPr sz="1200"/>
             </a:lvl7pPr>
-            <a:lvl8pPr indent="-304800" lvl="7" marL="3657600">
+            <a:lvl8pPr marL="3657600" lvl="7" indent="-304800">
               <a:spcBef>
                 <a:spcPts val="0"/>
               </a:spcBef>
@@ -2969,7 +3056,7 @@
               <a:buChar char="○"/>
               <a:defRPr sz="1200"/>
             </a:lvl8pPr>
-            <a:lvl9pPr indent="-304800" lvl="8" marL="4114800">
+            <a:lvl9pPr marL="4114800" lvl="8" indent="-304800">
               <a:spcBef>
                 <a:spcPts val="0"/>
               </a:spcBef>
@@ -2981,15 +3068,19 @@
               <a:defRPr sz="1200"/>
             </a:lvl9pPr>
           </a:lstStyle>
-          <a:p/>
+          <a:p>
+            <a:endParaRPr/>
+          </a:p>
         </p:txBody>
       </p:sp>
       <p:sp>
         <p:nvSpPr>
           <p:cNvPr id="23" name="Google Shape;23;p5"/>
-          <p:cNvSpPr txBox="1"/>
+          <p:cNvSpPr txBox="1">
+            <a:spLocks noGrp="1"/>
+          </p:cNvSpPr>
           <p:nvPr>
-            <p:ph idx="2" type="body"/>
+            <p:ph type="body" idx="2"/>
           </p:nvPr>
         </p:nvSpPr>
         <p:spPr>
@@ -3002,11 +3093,11 @@
           </a:prstGeom>
         </p:spPr>
         <p:txBody>
-          <a:bodyPr anchorCtr="0" anchor="t" bIns="91425" lIns="91425" spcFirstLastPara="1" rIns="91425" wrap="square" tIns="91425">
+          <a:bodyPr spcFirstLastPara="1" wrap="square" lIns="91425" tIns="91425" rIns="91425" bIns="91425" anchor="t" anchorCtr="0">
             <a:normAutofit/>
           </a:bodyPr>
           <a:lstStyle>
-            <a:lvl1pPr indent="-317500" lvl="0" marL="457200">
+            <a:lvl1pPr marL="457200" lvl="0" indent="-317500">
               <a:spcBef>
                 <a:spcPts val="0"/>
               </a:spcBef>
@@ -3017,7 +3108,7 @@
               <a:buChar char="●"/>
               <a:defRPr sz="1400"/>
             </a:lvl1pPr>
-            <a:lvl2pPr indent="-304800" lvl="1" marL="914400">
+            <a:lvl2pPr marL="914400" lvl="1" indent="-304800">
               <a:spcBef>
                 <a:spcPts val="0"/>
               </a:spcBef>
@@ -3028,7 +3119,7 @@
               <a:buChar char="○"/>
               <a:defRPr sz="1200"/>
             </a:lvl2pPr>
-            <a:lvl3pPr indent="-304800" lvl="2" marL="1371600">
+            <a:lvl3pPr marL="1371600" lvl="2" indent="-304800">
               <a:spcBef>
                 <a:spcPts val="0"/>
               </a:spcBef>
@@ -3039,7 +3130,7 @@
               <a:buChar char="■"/>
               <a:defRPr sz="1200"/>
             </a:lvl3pPr>
-            <a:lvl4pPr indent="-304800" lvl="3" marL="1828800">
+            <a:lvl4pPr marL="1828800" lvl="3" indent="-304800">
               <a:spcBef>
                 <a:spcPts val="0"/>
               </a:spcBef>
@@ -3050,7 +3141,7 @@
               <a:buChar char="●"/>
               <a:defRPr sz="1200"/>
             </a:lvl4pPr>
-            <a:lvl5pPr indent="-304800" lvl="4" marL="2286000">
+            <a:lvl5pPr marL="2286000" lvl="4" indent="-304800">
               <a:spcBef>
                 <a:spcPts val="0"/>
               </a:spcBef>
@@ -3061,7 +3152,7 @@
               <a:buChar char="○"/>
               <a:defRPr sz="1200"/>
             </a:lvl5pPr>
-            <a:lvl6pPr indent="-304800" lvl="5" marL="2743200">
+            <a:lvl6pPr marL="2743200" lvl="5" indent="-304800">
               <a:spcBef>
                 <a:spcPts val="0"/>
               </a:spcBef>
@@ -3072,7 +3163,7 @@
               <a:buChar char="■"/>
               <a:defRPr sz="1200"/>
             </a:lvl6pPr>
-            <a:lvl7pPr indent="-304800" lvl="6" marL="3200400">
+            <a:lvl7pPr marL="3200400" lvl="6" indent="-304800">
               <a:spcBef>
                 <a:spcPts val="0"/>
               </a:spcBef>
@@ -3083,7 +3174,7 @@
               <a:buChar char="●"/>
               <a:defRPr sz="1200"/>
             </a:lvl7pPr>
-            <a:lvl8pPr indent="-304800" lvl="7" marL="3657600">
+            <a:lvl8pPr marL="3657600" lvl="7" indent="-304800">
               <a:spcBef>
                 <a:spcPts val="0"/>
               </a:spcBef>
@@ -3094,7 +3185,7 @@
               <a:buChar char="○"/>
               <a:defRPr sz="1200"/>
             </a:lvl8pPr>
-            <a:lvl9pPr indent="-304800" lvl="8" marL="4114800">
+            <a:lvl9pPr marL="4114800" lvl="8" indent="-304800">
               <a:spcBef>
                 <a:spcPts val="0"/>
               </a:spcBef>
@@ -3106,15 +3197,19 @@
               <a:defRPr sz="1200"/>
             </a:lvl9pPr>
           </a:lstStyle>
-          <a:p/>
+          <a:p>
+            <a:endParaRPr/>
+          </a:p>
         </p:txBody>
       </p:sp>
       <p:sp>
         <p:nvSpPr>
           <p:cNvPr id="24" name="Google Shape;24;p5"/>
-          <p:cNvSpPr txBox="1"/>
+          <p:cNvSpPr txBox="1">
+            <a:spLocks noGrp="1"/>
+          </p:cNvSpPr>
           <p:nvPr>
-            <p:ph idx="12" type="sldNum"/>
+            <p:ph type="sldNum" idx="12"/>
           </p:nvPr>
         </p:nvSpPr>
         <p:spPr>
@@ -3127,7 +3222,7 @@
           </a:prstGeom>
         </p:spPr>
         <p:txBody>
-          <a:bodyPr anchorCtr="0" anchor="ctr" bIns="91425" lIns="91425" spcFirstLastPara="1" rIns="91425" wrap="square" tIns="91425">
+          <a:bodyPr spcFirstLastPara="1" wrap="square" lIns="91425" tIns="91425" rIns="91425" bIns="91425" anchor="ctr" anchorCtr="0">
             <a:normAutofit/>
           </a:bodyPr>
           <a:lstStyle>
@@ -3169,7 +3264,7 @@
             </a:lvl9pPr>
           </a:lstStyle>
           <a:p>
-            <a:pPr indent="0" lvl="0" marL="0" rtl="0" algn="r">
+            <a:pPr marL="0" lvl="0" indent="0" algn="r" rtl="0">
               <a:spcBef>
                 <a:spcPts val="0"/>
               </a:spcBef>
@@ -3195,11 +3290,11 @@
 </file>
 
 <file path=ppt/slideLayouts/slideLayout5.xml><?xml version="1.0" encoding="utf-8"?>
-<p:sldLayout xmlns:a="http://schemas.openxmlformats.org/drawingml/2006/main" xmlns:r="http://schemas.openxmlformats.org/officeDocument/2006/relationships" xmlns:mc="http://schemas.openxmlformats.org/markup-compatibility/2006" xmlns:mv="urn:schemas-microsoft-com:mac:vml" xmlns:p="http://schemas.openxmlformats.org/presentationml/2006/main" xmlns:c="http://schemas.openxmlformats.org/drawingml/2006/chart" xmlns:dgm="http://schemas.openxmlformats.org/drawingml/2006/diagram" xmlns:o="urn:schemas-microsoft-com:office:office" xmlns:v="urn:schemas-microsoft-com:vml" xmlns:pvml="urn:schemas-microsoft-com:office:powerpoint" xmlns:com="http://schemas.openxmlformats.org/drawingml/2006/compatibility" xmlns:p14="http://schemas.microsoft.com/office/powerpoint/2010/main" xmlns:p15="http://schemas.microsoft.com/office/powerpoint/2012/main" xmlns:ahyp="http://schemas.microsoft.com/office/drawing/2018/hyperlinkcolor" matchingName="Title only" type="titleOnly">
+<p:sldLayout xmlns:a="http://schemas.openxmlformats.org/drawingml/2006/main" xmlns:r="http://schemas.openxmlformats.org/officeDocument/2006/relationships" xmlns:p="http://schemas.openxmlformats.org/presentationml/2006/main" matchingName="Title only" type="titleOnly">
   <p:cSld name="TITLE_ONLY">
     <p:spTree>
       <p:nvGrpSpPr>
-        <p:cNvPr id="25" name="Shape 25"/>
+        <p:cNvPr id="1" name="Shape 25"/>
         <p:cNvGrpSpPr/>
         <p:nvPr/>
       </p:nvGrpSpPr>
@@ -3214,7 +3309,9 @@
       <p:sp>
         <p:nvSpPr>
           <p:cNvPr id="26" name="Google Shape;26;p6"/>
-          <p:cNvSpPr txBox="1"/>
+          <p:cNvSpPr txBox="1">
+            <a:spLocks noGrp="1"/>
+          </p:cNvSpPr>
           <p:nvPr>
             <p:ph type="title"/>
           </p:nvPr>
@@ -3229,7 +3326,7 @@
           </a:prstGeom>
         </p:spPr>
         <p:txBody>
-          <a:bodyPr anchorCtr="0" anchor="t" bIns="91425" lIns="91425" spcFirstLastPara="1" rIns="91425" wrap="square" tIns="91425">
+          <a:bodyPr spcFirstLastPara="1" wrap="square" lIns="91425" tIns="91425" rIns="91425" bIns="91425" anchor="t" anchorCtr="0">
             <a:normAutofit/>
           </a:bodyPr>
           <a:lstStyle>
@@ -3333,15 +3430,19 @@
               <a:defRPr/>
             </a:lvl9pPr>
           </a:lstStyle>
-          <a:p/>
+          <a:p>
+            <a:endParaRPr/>
+          </a:p>
         </p:txBody>
       </p:sp>
       <p:sp>
         <p:nvSpPr>
           <p:cNvPr id="27" name="Google Shape;27;p6"/>
-          <p:cNvSpPr txBox="1"/>
+          <p:cNvSpPr txBox="1">
+            <a:spLocks noGrp="1"/>
+          </p:cNvSpPr>
           <p:nvPr>
-            <p:ph idx="12" type="sldNum"/>
+            <p:ph type="sldNum" idx="12"/>
           </p:nvPr>
         </p:nvSpPr>
         <p:spPr>
@@ -3354,7 +3455,7 @@
           </a:prstGeom>
         </p:spPr>
         <p:txBody>
-          <a:bodyPr anchorCtr="0" anchor="ctr" bIns="91425" lIns="91425" spcFirstLastPara="1" rIns="91425" wrap="square" tIns="91425">
+          <a:bodyPr spcFirstLastPara="1" wrap="square" lIns="91425" tIns="91425" rIns="91425" bIns="91425" anchor="ctr" anchorCtr="0">
             <a:normAutofit/>
           </a:bodyPr>
           <a:lstStyle>
@@ -3396,7 +3497,7 @@
             </a:lvl9pPr>
           </a:lstStyle>
           <a:p>
-            <a:pPr indent="0" lvl="0" marL="0" rtl="0" algn="r">
+            <a:pPr marL="0" lvl="0" indent="0" algn="r" rtl="0">
               <a:spcBef>
                 <a:spcPts val="0"/>
               </a:spcBef>
@@ -3422,11 +3523,11 @@
 </file>
 
 <file path=ppt/slideLayouts/slideLayout6.xml><?xml version="1.0" encoding="utf-8"?>
-<p:sldLayout xmlns:a="http://schemas.openxmlformats.org/drawingml/2006/main" xmlns:r="http://schemas.openxmlformats.org/officeDocument/2006/relationships" xmlns:mc="http://schemas.openxmlformats.org/markup-compatibility/2006" xmlns:mv="urn:schemas-microsoft-com:mac:vml" xmlns:p="http://schemas.openxmlformats.org/presentationml/2006/main" xmlns:c="http://schemas.openxmlformats.org/drawingml/2006/chart" xmlns:dgm="http://schemas.openxmlformats.org/drawingml/2006/diagram" xmlns:o="urn:schemas-microsoft-com:office:office" xmlns:v="urn:schemas-microsoft-com:vml" xmlns:pvml="urn:schemas-microsoft-com:office:powerpoint" xmlns:com="http://schemas.openxmlformats.org/drawingml/2006/compatibility" xmlns:p14="http://schemas.microsoft.com/office/powerpoint/2010/main" xmlns:p15="http://schemas.microsoft.com/office/powerpoint/2012/main" xmlns:ahyp="http://schemas.microsoft.com/office/drawing/2018/hyperlinkcolor" matchingName="One column text">
+<p:sldLayout xmlns:a="http://schemas.openxmlformats.org/drawingml/2006/main" xmlns:r="http://schemas.openxmlformats.org/officeDocument/2006/relationships" xmlns:p="http://schemas.openxmlformats.org/presentationml/2006/main" matchingName="One column text">
   <p:cSld name="ONE_COLUMN_TEXT">
     <p:spTree>
       <p:nvGrpSpPr>
-        <p:cNvPr id="28" name="Shape 28"/>
+        <p:cNvPr id="1" name="Shape 28"/>
         <p:cNvGrpSpPr/>
         <p:nvPr/>
       </p:nvGrpSpPr>
@@ -3441,7 +3542,9 @@
       <p:sp>
         <p:nvSpPr>
           <p:cNvPr id="29" name="Google Shape;29;p7"/>
-          <p:cNvSpPr txBox="1"/>
+          <p:cNvSpPr txBox="1">
+            <a:spLocks noGrp="1"/>
+          </p:cNvSpPr>
           <p:nvPr>
             <p:ph type="title"/>
           </p:nvPr>
@@ -3456,7 +3559,7 @@
           </a:prstGeom>
         </p:spPr>
         <p:txBody>
-          <a:bodyPr anchorCtr="0" anchor="b" bIns="91425" lIns="91425" spcFirstLastPara="1" rIns="91425" wrap="square" tIns="91425">
+          <a:bodyPr spcFirstLastPara="1" wrap="square" lIns="91425" tIns="91425" rIns="91425" bIns="91425" anchor="b" anchorCtr="0">
             <a:normAutofit/>
           </a:bodyPr>
           <a:lstStyle>
@@ -3560,15 +3663,19 @@
               <a:defRPr sz="2400"/>
             </a:lvl9pPr>
           </a:lstStyle>
-          <a:p/>
+          <a:p>
+            <a:endParaRPr/>
+          </a:p>
         </p:txBody>
       </p:sp>
       <p:sp>
         <p:nvSpPr>
           <p:cNvPr id="30" name="Google Shape;30;p7"/>
-          <p:cNvSpPr txBox="1"/>
+          <p:cNvSpPr txBox="1">
+            <a:spLocks noGrp="1"/>
+          </p:cNvSpPr>
           <p:nvPr>
-            <p:ph idx="1" type="body"/>
+            <p:ph type="body" idx="1"/>
           </p:nvPr>
         </p:nvSpPr>
         <p:spPr>
@@ -3581,11 +3688,11 @@
           </a:prstGeom>
         </p:spPr>
         <p:txBody>
-          <a:bodyPr anchorCtr="0" anchor="t" bIns="91425" lIns="91425" spcFirstLastPara="1" rIns="91425" wrap="square" tIns="91425">
+          <a:bodyPr spcFirstLastPara="1" wrap="square" lIns="91425" tIns="91425" rIns="91425" bIns="91425" anchor="t" anchorCtr="0">
             <a:normAutofit/>
           </a:bodyPr>
           <a:lstStyle>
-            <a:lvl1pPr indent="-304800" lvl="0" marL="457200">
+            <a:lvl1pPr marL="457200" lvl="0" indent="-304800">
               <a:spcBef>
                 <a:spcPts val="0"/>
               </a:spcBef>
@@ -3596,7 +3703,7 @@
               <a:buChar char="●"/>
               <a:defRPr sz="1200"/>
             </a:lvl1pPr>
-            <a:lvl2pPr indent="-304800" lvl="1" marL="914400">
+            <a:lvl2pPr marL="914400" lvl="1" indent="-304800">
               <a:spcBef>
                 <a:spcPts val="0"/>
               </a:spcBef>
@@ -3607,7 +3714,7 @@
               <a:buChar char="○"/>
               <a:defRPr sz="1200"/>
             </a:lvl2pPr>
-            <a:lvl3pPr indent="-304800" lvl="2" marL="1371600">
+            <a:lvl3pPr marL="1371600" lvl="2" indent="-304800">
               <a:spcBef>
                 <a:spcPts val="0"/>
               </a:spcBef>
@@ -3618,7 +3725,7 @@
               <a:buChar char="■"/>
               <a:defRPr sz="1200"/>
             </a:lvl3pPr>
-            <a:lvl4pPr indent="-304800" lvl="3" marL="1828800">
+            <a:lvl4pPr marL="1828800" lvl="3" indent="-304800">
               <a:spcBef>
                 <a:spcPts val="0"/>
               </a:spcBef>
@@ -3629,7 +3736,7 @@
               <a:buChar char="●"/>
               <a:defRPr sz="1200"/>
             </a:lvl4pPr>
-            <a:lvl5pPr indent="-304800" lvl="4" marL="2286000">
+            <a:lvl5pPr marL="2286000" lvl="4" indent="-304800">
               <a:spcBef>
                 <a:spcPts val="0"/>
               </a:spcBef>
@@ -3640,7 +3747,7 @@
               <a:buChar char="○"/>
               <a:defRPr sz="1200"/>
             </a:lvl5pPr>
-            <a:lvl6pPr indent="-304800" lvl="5" marL="2743200">
+            <a:lvl6pPr marL="2743200" lvl="5" indent="-304800">
               <a:spcBef>
                 <a:spcPts val="0"/>
               </a:spcBef>
@@ -3651,7 +3758,7 @@
               <a:buChar char="■"/>
               <a:defRPr sz="1200"/>
             </a:lvl6pPr>
-            <a:lvl7pPr indent="-304800" lvl="6" marL="3200400">
+            <a:lvl7pPr marL="3200400" lvl="6" indent="-304800">
               <a:spcBef>
                 <a:spcPts val="0"/>
               </a:spcBef>
@@ -3662,7 +3769,7 @@
               <a:buChar char="●"/>
               <a:defRPr sz="1200"/>
             </a:lvl7pPr>
-            <a:lvl8pPr indent="-304800" lvl="7" marL="3657600">
+            <a:lvl8pPr marL="3657600" lvl="7" indent="-304800">
               <a:spcBef>
                 <a:spcPts val="0"/>
               </a:spcBef>
@@ -3673,7 +3780,7 @@
               <a:buChar char="○"/>
               <a:defRPr sz="1200"/>
             </a:lvl8pPr>
-            <a:lvl9pPr indent="-304800" lvl="8" marL="4114800">
+            <a:lvl9pPr marL="4114800" lvl="8" indent="-304800">
               <a:spcBef>
                 <a:spcPts val="0"/>
               </a:spcBef>
@@ -3685,15 +3792,19 @@
               <a:defRPr sz="1200"/>
             </a:lvl9pPr>
           </a:lstStyle>
-          <a:p/>
+          <a:p>
+            <a:endParaRPr/>
+          </a:p>
         </p:txBody>
       </p:sp>
       <p:sp>
         <p:nvSpPr>
           <p:cNvPr id="31" name="Google Shape;31;p7"/>
-          <p:cNvSpPr txBox="1"/>
+          <p:cNvSpPr txBox="1">
+            <a:spLocks noGrp="1"/>
+          </p:cNvSpPr>
           <p:nvPr>
-            <p:ph idx="12" type="sldNum"/>
+            <p:ph type="sldNum" idx="12"/>
           </p:nvPr>
         </p:nvSpPr>
         <p:spPr>
@@ -3706,7 +3817,7 @@
           </a:prstGeom>
         </p:spPr>
         <p:txBody>
-          <a:bodyPr anchorCtr="0" anchor="ctr" bIns="91425" lIns="91425" spcFirstLastPara="1" rIns="91425" wrap="square" tIns="91425">
+          <a:bodyPr spcFirstLastPara="1" wrap="square" lIns="91425" tIns="91425" rIns="91425" bIns="91425" anchor="ctr" anchorCtr="0">
             <a:normAutofit/>
           </a:bodyPr>
           <a:lstStyle>
@@ -3748,7 +3859,7 @@
             </a:lvl9pPr>
           </a:lstStyle>
           <a:p>
-            <a:pPr indent="0" lvl="0" marL="0" rtl="0" algn="r">
+            <a:pPr marL="0" lvl="0" indent="0" algn="r" rtl="0">
               <a:spcBef>
                 <a:spcPts val="0"/>
               </a:spcBef>
@@ -3774,11 +3885,11 @@
 </file>
 
 <file path=ppt/slideLayouts/slideLayout7.xml><?xml version="1.0" encoding="utf-8"?>
-<p:sldLayout xmlns:a="http://schemas.openxmlformats.org/drawingml/2006/main" xmlns:r="http://schemas.openxmlformats.org/officeDocument/2006/relationships" xmlns:mc="http://schemas.openxmlformats.org/markup-compatibility/2006" xmlns:mv="urn:schemas-microsoft-com:mac:vml" xmlns:p="http://schemas.openxmlformats.org/presentationml/2006/main" xmlns:c="http://schemas.openxmlformats.org/drawingml/2006/chart" xmlns:dgm="http://schemas.openxmlformats.org/drawingml/2006/diagram" xmlns:o="urn:schemas-microsoft-com:office:office" xmlns:v="urn:schemas-microsoft-com:vml" xmlns:pvml="urn:schemas-microsoft-com:office:powerpoint" xmlns:com="http://schemas.openxmlformats.org/drawingml/2006/compatibility" xmlns:p14="http://schemas.microsoft.com/office/powerpoint/2010/main" xmlns:p15="http://schemas.microsoft.com/office/powerpoint/2012/main" xmlns:ahyp="http://schemas.microsoft.com/office/drawing/2018/hyperlinkcolor" matchingName="Main point">
+<p:sldLayout xmlns:a="http://schemas.openxmlformats.org/drawingml/2006/main" xmlns:r="http://schemas.openxmlformats.org/officeDocument/2006/relationships" xmlns:p="http://schemas.openxmlformats.org/presentationml/2006/main" matchingName="Main point">
   <p:cSld name="MAIN_POINT">
     <p:spTree>
       <p:nvGrpSpPr>
-        <p:cNvPr id="32" name="Shape 32"/>
+        <p:cNvPr id="1" name="Shape 32"/>
         <p:cNvGrpSpPr/>
         <p:nvPr/>
       </p:nvGrpSpPr>
@@ -3793,7 +3904,9 @@
       <p:sp>
         <p:nvSpPr>
           <p:cNvPr id="33" name="Google Shape;33;p8"/>
-          <p:cNvSpPr txBox="1"/>
+          <p:cNvSpPr txBox="1">
+            <a:spLocks noGrp="1"/>
+          </p:cNvSpPr>
           <p:nvPr>
             <p:ph type="title"/>
           </p:nvPr>
@@ -3808,7 +3921,7 @@
           </a:prstGeom>
         </p:spPr>
         <p:txBody>
-          <a:bodyPr anchorCtr="0" anchor="ctr" bIns="91425" lIns="91425" spcFirstLastPara="1" rIns="91425" wrap="square" tIns="91425">
+          <a:bodyPr spcFirstLastPara="1" wrap="square" lIns="91425" tIns="91425" rIns="91425" bIns="91425" anchor="ctr" anchorCtr="0">
             <a:normAutofit/>
           </a:bodyPr>
           <a:lstStyle>
@@ -3912,15 +4025,19 @@
               <a:defRPr sz="4800"/>
             </a:lvl9pPr>
           </a:lstStyle>
-          <a:p/>
+          <a:p>
+            <a:endParaRPr/>
+          </a:p>
         </p:txBody>
       </p:sp>
       <p:sp>
         <p:nvSpPr>
           <p:cNvPr id="34" name="Google Shape;34;p8"/>
-          <p:cNvSpPr txBox="1"/>
+          <p:cNvSpPr txBox="1">
+            <a:spLocks noGrp="1"/>
+          </p:cNvSpPr>
           <p:nvPr>
-            <p:ph idx="12" type="sldNum"/>
+            <p:ph type="sldNum" idx="12"/>
           </p:nvPr>
         </p:nvSpPr>
         <p:spPr>
@@ -3933,7 +4050,7 @@
           </a:prstGeom>
         </p:spPr>
         <p:txBody>
-          <a:bodyPr anchorCtr="0" anchor="ctr" bIns="91425" lIns="91425" spcFirstLastPara="1" rIns="91425" wrap="square" tIns="91425">
+          <a:bodyPr spcFirstLastPara="1" wrap="square" lIns="91425" tIns="91425" rIns="91425" bIns="91425" anchor="ctr" anchorCtr="0">
             <a:normAutofit/>
           </a:bodyPr>
           <a:lstStyle>
@@ -3975,7 +4092,7 @@
             </a:lvl9pPr>
           </a:lstStyle>
           <a:p>
-            <a:pPr indent="0" lvl="0" marL="0" rtl="0" algn="r">
+            <a:pPr marL="0" lvl="0" indent="0" algn="r" rtl="0">
               <a:spcBef>
                 <a:spcPts val="0"/>
               </a:spcBef>
@@ -4001,11 +4118,11 @@
 </file>
 
 <file path=ppt/slideLayouts/slideLayout8.xml><?xml version="1.0" encoding="utf-8"?>
-<p:sldLayout xmlns:a="http://schemas.openxmlformats.org/drawingml/2006/main" xmlns:r="http://schemas.openxmlformats.org/officeDocument/2006/relationships" xmlns:mc="http://schemas.openxmlformats.org/markup-compatibility/2006" xmlns:mv="urn:schemas-microsoft-com:mac:vml" xmlns:p="http://schemas.openxmlformats.org/presentationml/2006/main" xmlns:c="http://schemas.openxmlformats.org/drawingml/2006/chart" xmlns:dgm="http://schemas.openxmlformats.org/drawingml/2006/diagram" xmlns:o="urn:schemas-microsoft-com:office:office" xmlns:v="urn:schemas-microsoft-com:vml" xmlns:pvml="urn:schemas-microsoft-com:office:powerpoint" xmlns:com="http://schemas.openxmlformats.org/drawingml/2006/compatibility" xmlns:p14="http://schemas.microsoft.com/office/powerpoint/2010/main" xmlns:p15="http://schemas.microsoft.com/office/powerpoint/2012/main" xmlns:ahyp="http://schemas.microsoft.com/office/drawing/2018/hyperlinkcolor" matchingName="Section title and description">
+<p:sldLayout xmlns:a="http://schemas.openxmlformats.org/drawingml/2006/main" xmlns:r="http://schemas.openxmlformats.org/officeDocument/2006/relationships" xmlns:p="http://schemas.openxmlformats.org/presentationml/2006/main" matchingName="Section title and description">
   <p:cSld name="SECTION_TITLE_AND_DESCRIPTION">
     <p:spTree>
       <p:nvGrpSpPr>
-        <p:cNvPr id="35" name="Shape 35"/>
+        <p:cNvPr id="1" name="Shape 35"/>
         <p:cNvGrpSpPr/>
         <p:nvPr/>
       </p:nvGrpSpPr>
@@ -4039,12 +4156,12 @@
           </a:ln>
         </p:spPr>
         <p:txBody>
-          <a:bodyPr anchorCtr="0" anchor="ctr" bIns="91425" lIns="91425" spcFirstLastPara="1" rIns="91425" wrap="square" tIns="91425">
+          <a:bodyPr spcFirstLastPara="1" wrap="square" lIns="91425" tIns="91425" rIns="91425" bIns="91425" anchor="ctr" anchorCtr="0">
             <a:noAutofit/>
           </a:bodyPr>
           <a:lstStyle/>
           <a:p>
-            <a:pPr indent="0" lvl="0" marL="0" rtl="0" algn="l">
+            <a:pPr marL="0" lvl="0" indent="0" algn="l" rtl="0">
               <a:spcBef>
                 <a:spcPts val="0"/>
               </a:spcBef>
@@ -4053,9 +4170,6 @@
               </a:spcAft>
               <a:buNone/>
             </a:pPr>
-            <a:r>
-              <a:t/>
-            </a:r>
             <a:endParaRPr/>
           </a:p>
         </p:txBody>
@@ -4063,7 +4177,9 @@
       <p:sp>
         <p:nvSpPr>
           <p:cNvPr id="37" name="Google Shape;37;p9"/>
-          <p:cNvSpPr txBox="1"/>
+          <p:cNvSpPr txBox="1">
+            <a:spLocks noGrp="1"/>
+          </p:cNvSpPr>
           <p:nvPr>
             <p:ph type="title"/>
           </p:nvPr>
@@ -4078,7 +4194,7 @@
           </a:prstGeom>
         </p:spPr>
         <p:txBody>
-          <a:bodyPr anchorCtr="0" anchor="b" bIns="91425" lIns="91425" spcFirstLastPara="1" rIns="91425" wrap="square" tIns="91425">
+          <a:bodyPr spcFirstLastPara="1" wrap="square" lIns="91425" tIns="91425" rIns="91425" bIns="91425" anchor="b" anchorCtr="0">
             <a:normAutofit/>
           </a:bodyPr>
           <a:lstStyle>
@@ -4182,15 +4298,19 @@
               <a:defRPr sz="4200"/>
             </a:lvl9pPr>
           </a:lstStyle>
-          <a:p/>
+          <a:p>
+            <a:endParaRPr/>
+          </a:p>
         </p:txBody>
       </p:sp>
       <p:sp>
         <p:nvSpPr>
           <p:cNvPr id="38" name="Google Shape;38;p9"/>
-          <p:cNvSpPr txBox="1"/>
+          <p:cNvSpPr txBox="1">
+            <a:spLocks noGrp="1"/>
+          </p:cNvSpPr>
           <p:nvPr>
-            <p:ph idx="1" type="subTitle"/>
+            <p:ph type="subTitle" idx="1"/>
           </p:nvPr>
         </p:nvSpPr>
         <p:spPr>
@@ -4203,7 +4323,7 @@
           </a:prstGeom>
         </p:spPr>
         <p:txBody>
-          <a:bodyPr anchorCtr="0" anchor="t" bIns="91425" lIns="91425" spcFirstLastPara="1" rIns="91425" wrap="square" tIns="91425">
+          <a:bodyPr spcFirstLastPara="1" wrap="square" lIns="91425" tIns="91425" rIns="91425" bIns="91425" anchor="t" anchorCtr="0">
             <a:normAutofit/>
           </a:bodyPr>
           <a:lstStyle>
@@ -4334,15 +4454,19 @@
               <a:defRPr sz="2100"/>
             </a:lvl9pPr>
           </a:lstStyle>
-          <a:p/>
+          <a:p>
+            <a:endParaRPr/>
+          </a:p>
         </p:txBody>
       </p:sp>
       <p:sp>
         <p:nvSpPr>
           <p:cNvPr id="39" name="Google Shape;39;p9"/>
-          <p:cNvSpPr txBox="1"/>
+          <p:cNvSpPr txBox="1">
+            <a:spLocks noGrp="1"/>
+          </p:cNvSpPr>
           <p:nvPr>
-            <p:ph idx="2" type="body"/>
+            <p:ph type="body" idx="2"/>
           </p:nvPr>
         </p:nvSpPr>
         <p:spPr>
@@ -4355,11 +4479,11 @@
           </a:prstGeom>
         </p:spPr>
         <p:txBody>
-          <a:bodyPr anchorCtr="0" anchor="ctr" bIns="91425" lIns="91425" spcFirstLastPara="1" rIns="91425" wrap="square" tIns="91425">
+          <a:bodyPr spcFirstLastPara="1" wrap="square" lIns="91425" tIns="91425" rIns="91425" bIns="91425" anchor="ctr" anchorCtr="0">
             <a:normAutofit/>
           </a:bodyPr>
           <a:lstStyle>
-            <a:lvl1pPr indent="-342900" lvl="0" marL="457200">
+            <a:lvl1pPr marL="457200" lvl="0" indent="-342900">
               <a:spcBef>
                 <a:spcPts val="0"/>
               </a:spcBef>
@@ -4370,7 +4494,7 @@
               <a:buChar char="●"/>
               <a:defRPr/>
             </a:lvl1pPr>
-            <a:lvl2pPr indent="-317500" lvl="1" marL="914400">
+            <a:lvl2pPr marL="914400" lvl="1" indent="-317500">
               <a:spcBef>
                 <a:spcPts val="0"/>
               </a:spcBef>
@@ -4381,7 +4505,7 @@
               <a:buChar char="○"/>
               <a:defRPr/>
             </a:lvl2pPr>
-            <a:lvl3pPr indent="-317500" lvl="2" marL="1371600">
+            <a:lvl3pPr marL="1371600" lvl="2" indent="-317500">
               <a:spcBef>
                 <a:spcPts val="0"/>
               </a:spcBef>
@@ -4392,7 +4516,7 @@
               <a:buChar char="■"/>
               <a:defRPr/>
             </a:lvl3pPr>
-            <a:lvl4pPr indent="-317500" lvl="3" marL="1828800">
+            <a:lvl4pPr marL="1828800" lvl="3" indent="-317500">
               <a:spcBef>
                 <a:spcPts val="0"/>
               </a:spcBef>
@@ -4403,7 +4527,7 @@
               <a:buChar char="●"/>
               <a:defRPr/>
             </a:lvl4pPr>
-            <a:lvl5pPr indent="-317500" lvl="4" marL="2286000">
+            <a:lvl5pPr marL="2286000" lvl="4" indent="-317500">
               <a:spcBef>
                 <a:spcPts val="0"/>
               </a:spcBef>
@@ -4414,7 +4538,7 @@
               <a:buChar char="○"/>
               <a:defRPr/>
             </a:lvl5pPr>
-            <a:lvl6pPr indent="-317500" lvl="5" marL="2743200">
+            <a:lvl6pPr marL="2743200" lvl="5" indent="-317500">
               <a:spcBef>
                 <a:spcPts val="0"/>
               </a:spcBef>
@@ -4425,7 +4549,7 @@
               <a:buChar char="■"/>
               <a:defRPr/>
             </a:lvl6pPr>
-            <a:lvl7pPr indent="-317500" lvl="6" marL="3200400">
+            <a:lvl7pPr marL="3200400" lvl="6" indent="-317500">
               <a:spcBef>
                 <a:spcPts val="0"/>
               </a:spcBef>
@@ -4436,7 +4560,7 @@
               <a:buChar char="●"/>
               <a:defRPr/>
             </a:lvl7pPr>
-            <a:lvl8pPr indent="-317500" lvl="7" marL="3657600">
+            <a:lvl8pPr marL="3657600" lvl="7" indent="-317500">
               <a:spcBef>
                 <a:spcPts val="0"/>
               </a:spcBef>
@@ -4447,7 +4571,7 @@
               <a:buChar char="○"/>
               <a:defRPr/>
             </a:lvl8pPr>
-            <a:lvl9pPr indent="-317500" lvl="8" marL="4114800">
+            <a:lvl9pPr marL="4114800" lvl="8" indent="-317500">
               <a:spcBef>
                 <a:spcPts val="0"/>
               </a:spcBef>
@@ -4459,15 +4583,19 @@
               <a:defRPr/>
             </a:lvl9pPr>
           </a:lstStyle>
-          <a:p/>
+          <a:p>
+            <a:endParaRPr/>
+          </a:p>
         </p:txBody>
       </p:sp>
       <p:sp>
         <p:nvSpPr>
           <p:cNvPr id="40" name="Google Shape;40;p9"/>
-          <p:cNvSpPr txBox="1"/>
+          <p:cNvSpPr txBox="1">
+            <a:spLocks noGrp="1"/>
+          </p:cNvSpPr>
           <p:nvPr>
-            <p:ph idx="12" type="sldNum"/>
+            <p:ph type="sldNum" idx="12"/>
           </p:nvPr>
         </p:nvSpPr>
         <p:spPr>
@@ -4480,7 +4608,7 @@
           </a:prstGeom>
         </p:spPr>
         <p:txBody>
-          <a:bodyPr anchorCtr="0" anchor="ctr" bIns="91425" lIns="91425" spcFirstLastPara="1" rIns="91425" wrap="square" tIns="91425">
+          <a:bodyPr spcFirstLastPara="1" wrap="square" lIns="91425" tIns="91425" rIns="91425" bIns="91425" anchor="ctr" anchorCtr="0">
             <a:normAutofit/>
           </a:bodyPr>
           <a:lstStyle>
@@ -4522,7 +4650,7 @@
             </a:lvl9pPr>
           </a:lstStyle>
           <a:p>
-            <a:pPr indent="0" lvl="0" marL="0" rtl="0" algn="r">
+            <a:pPr marL="0" lvl="0" indent="0" algn="r" rtl="0">
               <a:spcBef>
                 <a:spcPts val="0"/>
               </a:spcBef>
@@ -4548,11 +4676,11 @@
 </file>
 
 <file path=ppt/slideLayouts/slideLayout9.xml><?xml version="1.0" encoding="utf-8"?>
-<p:sldLayout xmlns:a="http://schemas.openxmlformats.org/drawingml/2006/main" xmlns:r="http://schemas.openxmlformats.org/officeDocument/2006/relationships" xmlns:mc="http://schemas.openxmlformats.org/markup-compatibility/2006" xmlns:mv="urn:schemas-microsoft-com:mac:vml" xmlns:p="http://schemas.openxmlformats.org/presentationml/2006/main" xmlns:c="http://schemas.openxmlformats.org/drawingml/2006/chart" xmlns:dgm="http://schemas.openxmlformats.org/drawingml/2006/diagram" xmlns:o="urn:schemas-microsoft-com:office:office" xmlns:v="urn:schemas-microsoft-com:vml" xmlns:pvml="urn:schemas-microsoft-com:office:powerpoint" xmlns:com="http://schemas.openxmlformats.org/drawingml/2006/compatibility" xmlns:p14="http://schemas.microsoft.com/office/powerpoint/2010/main" xmlns:p15="http://schemas.microsoft.com/office/powerpoint/2012/main" xmlns:ahyp="http://schemas.microsoft.com/office/drawing/2018/hyperlinkcolor" matchingName="Caption">
+<p:sldLayout xmlns:a="http://schemas.openxmlformats.org/drawingml/2006/main" xmlns:r="http://schemas.openxmlformats.org/officeDocument/2006/relationships" xmlns:p="http://schemas.openxmlformats.org/presentationml/2006/main" matchingName="Caption">
   <p:cSld name="CAPTION_ONLY">
     <p:spTree>
       <p:nvGrpSpPr>
-        <p:cNvPr id="41" name="Shape 41"/>
+        <p:cNvPr id="1" name="Shape 41"/>
         <p:cNvGrpSpPr/>
         <p:nvPr/>
       </p:nvGrpSpPr>
@@ -4567,9 +4695,11 @@
       <p:sp>
         <p:nvSpPr>
           <p:cNvPr id="42" name="Google Shape;42;p10"/>
-          <p:cNvSpPr txBox="1"/>
+          <p:cNvSpPr txBox="1">
+            <a:spLocks noGrp="1"/>
+          </p:cNvSpPr>
           <p:nvPr>
-            <p:ph idx="1" type="body"/>
+            <p:ph type="body" idx="1"/>
           </p:nvPr>
         </p:nvSpPr>
         <p:spPr>
@@ -4582,11 +4712,11 @@
           </a:prstGeom>
         </p:spPr>
         <p:txBody>
-          <a:bodyPr anchorCtr="0" anchor="ctr" bIns="91425" lIns="91425" spcFirstLastPara="1" rIns="91425" wrap="square" tIns="91425">
+          <a:bodyPr spcFirstLastPara="1" wrap="square" lIns="91425" tIns="91425" rIns="91425" bIns="91425" anchor="ctr" anchorCtr="0">
             <a:normAutofit/>
           </a:bodyPr>
           <a:lstStyle>
-            <a:lvl1pPr indent="-228600" lvl="0" marL="457200">
+            <a:lvl1pPr marL="457200" lvl="0" indent="-228600">
               <a:lnSpc>
                 <a:spcPct val="100000"/>
               </a:lnSpc>
@@ -4601,15 +4731,19 @@
               <a:defRPr/>
             </a:lvl1pPr>
           </a:lstStyle>
-          <a:p/>
+          <a:p>
+            <a:endParaRPr/>
+          </a:p>
         </p:txBody>
       </p:sp>
       <p:sp>
         <p:nvSpPr>
           <p:cNvPr id="43" name="Google Shape;43;p10"/>
-          <p:cNvSpPr txBox="1"/>
+          <p:cNvSpPr txBox="1">
+            <a:spLocks noGrp="1"/>
+          </p:cNvSpPr>
           <p:nvPr>
-            <p:ph idx="12" type="sldNum"/>
+            <p:ph type="sldNum" idx="12"/>
           </p:nvPr>
         </p:nvSpPr>
         <p:spPr>
@@ -4622,7 +4756,7 @@
           </a:prstGeom>
         </p:spPr>
         <p:txBody>
-          <a:bodyPr anchorCtr="0" anchor="ctr" bIns="91425" lIns="91425" spcFirstLastPara="1" rIns="91425" wrap="square" tIns="91425">
+          <a:bodyPr spcFirstLastPara="1" wrap="square" lIns="91425" tIns="91425" rIns="91425" bIns="91425" anchor="ctr" anchorCtr="0">
             <a:normAutofit/>
           </a:bodyPr>
           <a:lstStyle>
@@ -4664,7 +4798,7 @@
             </a:lvl9pPr>
           </a:lstStyle>
           <a:p>
-            <a:pPr indent="0" lvl="0" marL="0" rtl="0" algn="r">
+            <a:pPr marL="0" lvl="0" indent="0" algn="r" rtl="0">
               <a:spcBef>
                 <a:spcPts val="0"/>
               </a:spcBef>
@@ -4690,18 +4824,19 @@
 </file>
 
 <file path=ppt/slideMasters/slideMaster1.xml><?xml version="1.0" encoding="utf-8"?>
-<p:sldMaster xmlns:a="http://schemas.openxmlformats.org/drawingml/2006/main" xmlns:r="http://schemas.openxmlformats.org/officeDocument/2006/relationships" xmlns:mc="http://schemas.openxmlformats.org/markup-compatibility/2006" xmlns:mv="urn:schemas-microsoft-com:mac:vml" xmlns:p="http://schemas.openxmlformats.org/presentationml/2006/main" xmlns:c="http://schemas.openxmlformats.org/drawingml/2006/chart" xmlns:dgm="http://schemas.openxmlformats.org/drawingml/2006/diagram" xmlns:o="urn:schemas-microsoft-com:office:office" xmlns:v="urn:schemas-microsoft-com:vml" xmlns:pvml="urn:schemas-microsoft-com:office:powerpoint" xmlns:com="http://schemas.openxmlformats.org/drawingml/2006/compatibility" xmlns:p14="http://schemas.microsoft.com/office/powerpoint/2010/main" xmlns:p15="http://schemas.microsoft.com/office/powerpoint/2012/main" xmlns:ahyp="http://schemas.microsoft.com/office/drawing/2018/hyperlinkcolor">
+<p:sldMaster xmlns:a="http://schemas.openxmlformats.org/drawingml/2006/main" xmlns:r="http://schemas.openxmlformats.org/officeDocument/2006/relationships" xmlns:p="http://schemas.openxmlformats.org/presentationml/2006/main">
   <p:cSld name="simple-light-2">
     <p:bg>
       <p:bgPr>
         <a:solidFill>
           <a:schemeClr val="lt1"/>
         </a:solidFill>
+        <a:effectLst/>
       </p:bgPr>
     </p:bg>
     <p:spTree>
       <p:nvGrpSpPr>
-        <p:cNvPr id="5" name="Shape 5"/>
+        <p:cNvPr id="1" name="Shape 5"/>
         <p:cNvGrpSpPr/>
         <p:nvPr/>
       </p:nvGrpSpPr>
@@ -4716,7 +4851,9 @@
       <p:sp>
         <p:nvSpPr>
           <p:cNvPr id="6" name="Google Shape;6;p1"/>
-          <p:cNvSpPr txBox="1"/>
+          <p:cNvSpPr txBox="1">
+            <a:spLocks noGrp="1"/>
+          </p:cNvSpPr>
           <p:nvPr>
             <p:ph type="title"/>
           </p:nvPr>
@@ -4735,7 +4872,7 @@
           </a:ln>
         </p:spPr>
         <p:txBody>
-          <a:bodyPr anchorCtr="0" anchor="t" bIns="91425" lIns="91425" spcFirstLastPara="1" rIns="91425" wrap="square" tIns="91425">
+          <a:bodyPr spcFirstLastPara="1" wrap="square" lIns="91425" tIns="91425" rIns="91425" bIns="91425" anchor="t" anchorCtr="0">
             <a:normAutofit/>
           </a:bodyPr>
           <a:lstStyle>
@@ -4902,15 +5039,19 @@
               </a:defRPr>
             </a:lvl9pPr>
           </a:lstStyle>
-          <a:p/>
+          <a:p>
+            <a:endParaRPr/>
+          </a:p>
         </p:txBody>
       </p:sp>
       <p:sp>
         <p:nvSpPr>
           <p:cNvPr id="7" name="Google Shape;7;p1"/>
-          <p:cNvSpPr txBox="1"/>
+          <p:cNvSpPr txBox="1">
+            <a:spLocks noGrp="1"/>
+          </p:cNvSpPr>
           <p:nvPr>
-            <p:ph idx="1" type="body"/>
+            <p:ph type="body" idx="1"/>
           </p:nvPr>
         </p:nvSpPr>
         <p:spPr>
@@ -4927,11 +5068,11 @@
           </a:ln>
         </p:spPr>
         <p:txBody>
-          <a:bodyPr anchorCtr="0" anchor="t" bIns="91425" lIns="91425" spcFirstLastPara="1" rIns="91425" wrap="square" tIns="91425">
+          <a:bodyPr spcFirstLastPara="1" wrap="square" lIns="91425" tIns="91425" rIns="91425" bIns="91425" anchor="t" anchorCtr="0">
             <a:normAutofit/>
           </a:bodyPr>
           <a:lstStyle>
-            <a:lvl1pPr indent="-342900" lvl="0" marL="457200">
+            <a:lvl1pPr marL="457200" lvl="0" indent="-342900">
               <a:lnSpc>
                 <a:spcPct val="115000"/>
               </a:lnSpc>
@@ -4952,7 +5093,7 @@
                 </a:solidFill>
               </a:defRPr>
             </a:lvl1pPr>
-            <a:lvl2pPr indent="-317500" lvl="1" marL="914400">
+            <a:lvl2pPr marL="914400" lvl="1" indent="-317500">
               <a:lnSpc>
                 <a:spcPct val="115000"/>
               </a:lnSpc>
@@ -4973,7 +5114,7 @@
                 </a:solidFill>
               </a:defRPr>
             </a:lvl2pPr>
-            <a:lvl3pPr indent="-317500" lvl="2" marL="1371600">
+            <a:lvl3pPr marL="1371600" lvl="2" indent="-317500">
               <a:lnSpc>
                 <a:spcPct val="115000"/>
               </a:lnSpc>
@@ -4994,7 +5135,7 @@
                 </a:solidFill>
               </a:defRPr>
             </a:lvl3pPr>
-            <a:lvl4pPr indent="-317500" lvl="3" marL="1828800">
+            <a:lvl4pPr marL="1828800" lvl="3" indent="-317500">
               <a:lnSpc>
                 <a:spcPct val="115000"/>
               </a:lnSpc>
@@ -5015,7 +5156,7 @@
                 </a:solidFill>
               </a:defRPr>
             </a:lvl4pPr>
-            <a:lvl5pPr indent="-317500" lvl="4" marL="2286000">
+            <a:lvl5pPr marL="2286000" lvl="4" indent="-317500">
               <a:lnSpc>
                 <a:spcPct val="115000"/>
               </a:lnSpc>
@@ -5036,7 +5177,7 @@
                 </a:solidFill>
               </a:defRPr>
             </a:lvl5pPr>
-            <a:lvl6pPr indent="-317500" lvl="5" marL="2743200">
+            <a:lvl6pPr marL="2743200" lvl="5" indent="-317500">
               <a:lnSpc>
                 <a:spcPct val="115000"/>
               </a:lnSpc>
@@ -5057,7 +5198,7 @@
                 </a:solidFill>
               </a:defRPr>
             </a:lvl6pPr>
-            <a:lvl7pPr indent="-317500" lvl="6" marL="3200400">
+            <a:lvl7pPr marL="3200400" lvl="6" indent="-317500">
               <a:lnSpc>
                 <a:spcPct val="115000"/>
               </a:lnSpc>
@@ -5078,7 +5219,7 @@
                 </a:solidFill>
               </a:defRPr>
             </a:lvl7pPr>
-            <a:lvl8pPr indent="-317500" lvl="7" marL="3657600">
+            <a:lvl8pPr marL="3657600" lvl="7" indent="-317500">
               <a:lnSpc>
                 <a:spcPct val="115000"/>
               </a:lnSpc>
@@ -5099,7 +5240,7 @@
                 </a:solidFill>
               </a:defRPr>
             </a:lvl8pPr>
-            <a:lvl9pPr indent="-317500" lvl="8" marL="4114800">
+            <a:lvl9pPr marL="4114800" lvl="8" indent="-317500">
               <a:lnSpc>
                 <a:spcPct val="115000"/>
               </a:lnSpc>
@@ -5121,15 +5262,19 @@
               </a:defRPr>
             </a:lvl9pPr>
           </a:lstStyle>
-          <a:p/>
+          <a:p>
+            <a:endParaRPr/>
+          </a:p>
         </p:txBody>
       </p:sp>
       <p:sp>
         <p:nvSpPr>
           <p:cNvPr id="8" name="Google Shape;8;p1"/>
-          <p:cNvSpPr txBox="1"/>
+          <p:cNvSpPr txBox="1">
+            <a:spLocks noGrp="1"/>
+          </p:cNvSpPr>
           <p:nvPr>
-            <p:ph idx="12" type="sldNum"/>
+            <p:ph type="sldNum" idx="12"/>
           </p:nvPr>
         </p:nvSpPr>
         <p:spPr>
@@ -5146,7 +5291,7 @@
           </a:ln>
         </p:spPr>
         <p:txBody>
-          <a:bodyPr anchorCtr="0" anchor="ctr" bIns="91425" lIns="91425" spcFirstLastPara="1" rIns="91425" wrap="square" tIns="91425">
+          <a:bodyPr spcFirstLastPara="1" wrap="square" lIns="91425" tIns="91425" rIns="91425" bIns="91425" anchor="ctr" anchorCtr="0">
             <a:normAutofit/>
           </a:bodyPr>
           <a:lstStyle>
@@ -5224,7 +5369,7 @@
             </a:lvl9pPr>
           </a:lstStyle>
           <a:p>
-            <a:pPr indent="0" lvl="0" marL="0" rtl="0" algn="r">
+            <a:pPr marL="0" lvl="0" indent="0" algn="r" rtl="0">
               <a:spcBef>
                 <a:spcPts val="0"/>
               </a:spcBef>
@@ -5243,7 +5388,7 @@
       </p:sp>
     </p:spTree>
   </p:cSld>
-  <p:clrMap accent1="accent1" accent2="accent2" accent3="accent3" accent4="accent4" accent5="accent5" accent6="accent6" bg1="lt1" bg2="dk2" tx1="dk1" tx2="lt2" folHlink="folHlink" hlink="hlink"/>
+  <p:clrMap bg1="lt1" tx1="dk1" bg2="dk2" tx2="lt2" accent1="accent1" accent2="accent2" accent3="accent3" accent4="accent4" accent5="accent5" accent6="accent6" hlink="hlink" folHlink="folHlink"/>
   <p:sldLayoutIdLst>
     <p:sldLayoutId id="2147483648" r:id="rId1"/>
     <p:sldLayoutId id="2147483649" r:id="rId2"/>
@@ -5257,10 +5402,10 @@
     <p:sldLayoutId id="2147483657" r:id="rId10"/>
     <p:sldLayoutId id="2147483658" r:id="rId11"/>
   </p:sldLayoutIdLst>
-  <p:hf dt="0" ftr="0" hdr="0" sldNum="0"/>
+  <p:hf sldNum="0" hdr="0" ftr="0" dt="0"/>
   <p:txStyles>
     <p:titleStyle>
-      <a:defPPr lvl="0" marR="0" rtl="0" algn="l">
+      <a:defPPr marR="0" lvl="0" algn="l" rtl="0">
         <a:lnSpc>
           <a:spcPct val="100000"/>
         </a:lnSpc>
@@ -5271,7 +5416,7 @@
           <a:spcPts val="0"/>
         </a:spcAft>
       </a:defPPr>
-      <a:lvl1pPr lvl="0" marR="0" rtl="0" algn="l">
+      <a:lvl1pPr marR="0" lvl="0" algn="l" rtl="0">
         <a:lnSpc>
           <a:spcPct val="100000"/>
         </a:lnSpc>
@@ -5285,7 +5430,7 @@
           <a:srgbClr val="000000"/>
         </a:buClr>
         <a:buFont typeface="Arial"/>
-        <a:defRPr b="0" i="0" sz="1400" u="none" cap="none" strike="noStrike">
+        <a:defRPr sz="1400" b="0" i="0" u="none" strike="noStrike" cap="none">
           <a:solidFill>
             <a:srgbClr val="000000"/>
           </a:solidFill>
@@ -5295,7 +5440,7 @@
           <a:sym typeface="Arial"/>
         </a:defRPr>
       </a:lvl1pPr>
-      <a:lvl2pPr lvl="1" marR="0" rtl="0" algn="l">
+      <a:lvl2pPr marR="0" lvl="1" algn="l" rtl="0">
         <a:lnSpc>
           <a:spcPct val="100000"/>
         </a:lnSpc>
@@ -5309,7 +5454,7 @@
           <a:srgbClr val="000000"/>
         </a:buClr>
         <a:buFont typeface="Arial"/>
-        <a:defRPr b="0" i="0" sz="1400" u="none" cap="none" strike="noStrike">
+        <a:defRPr sz="1400" b="0" i="0" u="none" strike="noStrike" cap="none">
           <a:solidFill>
             <a:srgbClr val="000000"/>
           </a:solidFill>
@@ -5319,7 +5464,7 @@
           <a:sym typeface="Arial"/>
         </a:defRPr>
       </a:lvl2pPr>
-      <a:lvl3pPr lvl="2" marR="0" rtl="0" algn="l">
+      <a:lvl3pPr marR="0" lvl="2" algn="l" rtl="0">
         <a:lnSpc>
           <a:spcPct val="100000"/>
         </a:lnSpc>
@@ -5333,7 +5478,7 @@
           <a:srgbClr val="000000"/>
         </a:buClr>
         <a:buFont typeface="Arial"/>
-        <a:defRPr b="0" i="0" sz="1400" u="none" cap="none" strike="noStrike">
+        <a:defRPr sz="1400" b="0" i="0" u="none" strike="noStrike" cap="none">
           <a:solidFill>
             <a:srgbClr val="000000"/>
           </a:solidFill>
@@ -5343,7 +5488,7 @@
           <a:sym typeface="Arial"/>
         </a:defRPr>
       </a:lvl3pPr>
-      <a:lvl4pPr lvl="3" marR="0" rtl="0" algn="l">
+      <a:lvl4pPr marR="0" lvl="3" algn="l" rtl="0">
         <a:lnSpc>
           <a:spcPct val="100000"/>
         </a:lnSpc>
@@ -5357,7 +5502,7 @@
           <a:srgbClr val="000000"/>
         </a:buClr>
         <a:buFont typeface="Arial"/>
-        <a:defRPr b="0" i="0" sz="1400" u="none" cap="none" strike="noStrike">
+        <a:defRPr sz="1400" b="0" i="0" u="none" strike="noStrike" cap="none">
           <a:solidFill>
             <a:srgbClr val="000000"/>
           </a:solidFill>
@@ -5367,7 +5512,7 @@
           <a:sym typeface="Arial"/>
         </a:defRPr>
       </a:lvl4pPr>
-      <a:lvl5pPr lvl="4" marR="0" rtl="0" algn="l">
+      <a:lvl5pPr marR="0" lvl="4" algn="l" rtl="0">
         <a:lnSpc>
           <a:spcPct val="100000"/>
         </a:lnSpc>
@@ -5381,7 +5526,7 @@
           <a:srgbClr val="000000"/>
         </a:buClr>
         <a:buFont typeface="Arial"/>
-        <a:defRPr b="0" i="0" sz="1400" u="none" cap="none" strike="noStrike">
+        <a:defRPr sz="1400" b="0" i="0" u="none" strike="noStrike" cap="none">
           <a:solidFill>
             <a:srgbClr val="000000"/>
           </a:solidFill>
@@ -5391,7 +5536,7 @@
           <a:sym typeface="Arial"/>
         </a:defRPr>
       </a:lvl5pPr>
-      <a:lvl6pPr lvl="5" marR="0" rtl="0" algn="l">
+      <a:lvl6pPr marR="0" lvl="5" algn="l" rtl="0">
         <a:lnSpc>
           <a:spcPct val="100000"/>
         </a:lnSpc>
@@ -5405,7 +5550,7 @@
           <a:srgbClr val="000000"/>
         </a:buClr>
         <a:buFont typeface="Arial"/>
-        <a:defRPr b="0" i="0" sz="1400" u="none" cap="none" strike="noStrike">
+        <a:defRPr sz="1400" b="0" i="0" u="none" strike="noStrike" cap="none">
           <a:solidFill>
             <a:srgbClr val="000000"/>
           </a:solidFill>
@@ -5415,7 +5560,7 @@
           <a:sym typeface="Arial"/>
         </a:defRPr>
       </a:lvl6pPr>
-      <a:lvl7pPr lvl="6" marR="0" rtl="0" algn="l">
+      <a:lvl7pPr marR="0" lvl="6" algn="l" rtl="0">
         <a:lnSpc>
           <a:spcPct val="100000"/>
         </a:lnSpc>
@@ -5429,7 +5574,7 @@
           <a:srgbClr val="000000"/>
         </a:buClr>
         <a:buFont typeface="Arial"/>
-        <a:defRPr b="0" i="0" sz="1400" u="none" cap="none" strike="noStrike">
+        <a:defRPr sz="1400" b="0" i="0" u="none" strike="noStrike" cap="none">
           <a:solidFill>
             <a:srgbClr val="000000"/>
           </a:solidFill>
@@ -5439,7 +5584,7 @@
           <a:sym typeface="Arial"/>
         </a:defRPr>
       </a:lvl7pPr>
-      <a:lvl8pPr lvl="7" marR="0" rtl="0" algn="l">
+      <a:lvl8pPr marR="0" lvl="7" algn="l" rtl="0">
         <a:lnSpc>
           <a:spcPct val="100000"/>
         </a:lnSpc>
@@ -5453,7 +5598,7 @@
           <a:srgbClr val="000000"/>
         </a:buClr>
         <a:buFont typeface="Arial"/>
-        <a:defRPr b="0" i="0" sz="1400" u="none" cap="none" strike="noStrike">
+        <a:defRPr sz="1400" b="0" i="0" u="none" strike="noStrike" cap="none">
           <a:solidFill>
             <a:srgbClr val="000000"/>
           </a:solidFill>
@@ -5463,7 +5608,7 @@
           <a:sym typeface="Arial"/>
         </a:defRPr>
       </a:lvl8pPr>
-      <a:lvl9pPr lvl="8" marR="0" rtl="0" algn="l">
+      <a:lvl9pPr marR="0" lvl="8" algn="l" rtl="0">
         <a:lnSpc>
           <a:spcPct val="100000"/>
         </a:lnSpc>
@@ -5477,7 +5622,7 @@
           <a:srgbClr val="000000"/>
         </a:buClr>
         <a:buFont typeface="Arial"/>
-        <a:defRPr b="0" i="0" sz="1400" u="none" cap="none" strike="noStrike">
+        <a:defRPr sz="1400" b="0" i="0" u="none" strike="noStrike" cap="none">
           <a:solidFill>
             <a:srgbClr val="000000"/>
           </a:solidFill>
@@ -5489,7 +5634,7 @@
       </a:lvl9pPr>
     </p:titleStyle>
     <p:bodyStyle>
-      <a:defPPr lvl="0" marR="0" rtl="0" algn="l">
+      <a:defPPr marR="0" lvl="0" algn="l" rtl="0">
         <a:lnSpc>
           <a:spcPct val="100000"/>
         </a:lnSpc>
@@ -5500,7 +5645,7 @@
           <a:spcPts val="0"/>
         </a:spcAft>
       </a:defPPr>
-      <a:lvl1pPr lvl="0" marR="0" rtl="0" algn="l">
+      <a:lvl1pPr marR="0" lvl="0" algn="l" rtl="0">
         <a:lnSpc>
           <a:spcPct val="100000"/>
         </a:lnSpc>
@@ -5514,7 +5659,7 @@
           <a:srgbClr val="000000"/>
         </a:buClr>
         <a:buFont typeface="Arial"/>
-        <a:defRPr b="0" i="0" sz="1400" u="none" cap="none" strike="noStrike">
+        <a:defRPr sz="1400" b="0" i="0" u="none" strike="noStrike" cap="none">
           <a:solidFill>
             <a:srgbClr val="000000"/>
           </a:solidFill>
@@ -5524,7 +5669,7 @@
           <a:sym typeface="Arial"/>
         </a:defRPr>
       </a:lvl1pPr>
-      <a:lvl2pPr lvl="1" marR="0" rtl="0" algn="l">
+      <a:lvl2pPr marR="0" lvl="1" algn="l" rtl="0">
         <a:lnSpc>
           <a:spcPct val="100000"/>
         </a:lnSpc>
@@ -5538,7 +5683,7 @@
           <a:srgbClr val="000000"/>
         </a:buClr>
         <a:buFont typeface="Arial"/>
-        <a:defRPr b="0" i="0" sz="1400" u="none" cap="none" strike="noStrike">
+        <a:defRPr sz="1400" b="0" i="0" u="none" strike="noStrike" cap="none">
           <a:solidFill>
             <a:srgbClr val="000000"/>
           </a:solidFill>
@@ -5548,7 +5693,7 @@
           <a:sym typeface="Arial"/>
         </a:defRPr>
       </a:lvl2pPr>
-      <a:lvl3pPr lvl="2" marR="0" rtl="0" algn="l">
+      <a:lvl3pPr marR="0" lvl="2" algn="l" rtl="0">
         <a:lnSpc>
           <a:spcPct val="100000"/>
         </a:lnSpc>
@@ -5562,7 +5707,7 @@
           <a:srgbClr val="000000"/>
         </a:buClr>
         <a:buFont typeface="Arial"/>
-        <a:defRPr b="0" i="0" sz="1400" u="none" cap="none" strike="noStrike">
+        <a:defRPr sz="1400" b="0" i="0" u="none" strike="noStrike" cap="none">
           <a:solidFill>
             <a:srgbClr val="000000"/>
           </a:solidFill>
@@ -5572,7 +5717,7 @@
           <a:sym typeface="Arial"/>
         </a:defRPr>
       </a:lvl3pPr>
-      <a:lvl4pPr lvl="3" marR="0" rtl="0" algn="l">
+      <a:lvl4pPr marR="0" lvl="3" algn="l" rtl="0">
         <a:lnSpc>
           <a:spcPct val="100000"/>
         </a:lnSpc>
@@ -5586,7 +5731,7 @@
           <a:srgbClr val="000000"/>
         </a:buClr>
         <a:buFont typeface="Arial"/>
-        <a:defRPr b="0" i="0" sz="1400" u="none" cap="none" strike="noStrike">
+        <a:defRPr sz="1400" b="0" i="0" u="none" strike="noStrike" cap="none">
           <a:solidFill>
             <a:srgbClr val="000000"/>
           </a:solidFill>
@@ -5596,7 +5741,7 @@
           <a:sym typeface="Arial"/>
         </a:defRPr>
       </a:lvl4pPr>
-      <a:lvl5pPr lvl="4" marR="0" rtl="0" algn="l">
+      <a:lvl5pPr marR="0" lvl="4" algn="l" rtl="0">
         <a:lnSpc>
           <a:spcPct val="100000"/>
         </a:lnSpc>
@@ -5610,7 +5755,7 @@
           <a:srgbClr val="000000"/>
         </a:buClr>
         <a:buFont typeface="Arial"/>
-        <a:defRPr b="0" i="0" sz="1400" u="none" cap="none" strike="noStrike">
+        <a:defRPr sz="1400" b="0" i="0" u="none" strike="noStrike" cap="none">
           <a:solidFill>
             <a:srgbClr val="000000"/>
           </a:solidFill>
@@ -5620,7 +5765,7 @@
           <a:sym typeface="Arial"/>
         </a:defRPr>
       </a:lvl5pPr>
-      <a:lvl6pPr lvl="5" marR="0" rtl="0" algn="l">
+      <a:lvl6pPr marR="0" lvl="5" algn="l" rtl="0">
         <a:lnSpc>
           <a:spcPct val="100000"/>
         </a:lnSpc>
@@ -5634,7 +5779,7 @@
           <a:srgbClr val="000000"/>
         </a:buClr>
         <a:buFont typeface="Arial"/>
-        <a:defRPr b="0" i="0" sz="1400" u="none" cap="none" strike="noStrike">
+        <a:defRPr sz="1400" b="0" i="0" u="none" strike="noStrike" cap="none">
           <a:solidFill>
             <a:srgbClr val="000000"/>
           </a:solidFill>
@@ -5644,7 +5789,7 @@
           <a:sym typeface="Arial"/>
         </a:defRPr>
       </a:lvl6pPr>
-      <a:lvl7pPr lvl="6" marR="0" rtl="0" algn="l">
+      <a:lvl7pPr marR="0" lvl="6" algn="l" rtl="0">
         <a:lnSpc>
           <a:spcPct val="100000"/>
         </a:lnSpc>
@@ -5658,7 +5803,7 @@
           <a:srgbClr val="000000"/>
         </a:buClr>
         <a:buFont typeface="Arial"/>
-        <a:defRPr b="0" i="0" sz="1400" u="none" cap="none" strike="noStrike">
+        <a:defRPr sz="1400" b="0" i="0" u="none" strike="noStrike" cap="none">
           <a:solidFill>
             <a:srgbClr val="000000"/>
           </a:solidFill>
@@ -5668,7 +5813,7 @@
           <a:sym typeface="Arial"/>
         </a:defRPr>
       </a:lvl7pPr>
-      <a:lvl8pPr lvl="7" marR="0" rtl="0" algn="l">
+      <a:lvl8pPr marR="0" lvl="7" algn="l" rtl="0">
         <a:lnSpc>
           <a:spcPct val="100000"/>
         </a:lnSpc>
@@ -5682,7 +5827,7 @@
           <a:srgbClr val="000000"/>
         </a:buClr>
         <a:buFont typeface="Arial"/>
-        <a:defRPr b="0" i="0" sz="1400" u="none" cap="none" strike="noStrike">
+        <a:defRPr sz="1400" b="0" i="0" u="none" strike="noStrike" cap="none">
           <a:solidFill>
             <a:srgbClr val="000000"/>
           </a:solidFill>
@@ -5692,7 +5837,7 @@
           <a:sym typeface="Arial"/>
         </a:defRPr>
       </a:lvl8pPr>
-      <a:lvl9pPr lvl="8" marR="0" rtl="0" algn="l">
+      <a:lvl9pPr marR="0" lvl="8" algn="l" rtl="0">
         <a:lnSpc>
           <a:spcPct val="100000"/>
         </a:lnSpc>
@@ -5706,7 +5851,7 @@
           <a:srgbClr val="000000"/>
         </a:buClr>
         <a:buFont typeface="Arial"/>
-        <a:defRPr b="0" i="0" sz="1400" u="none" cap="none" strike="noStrike">
+        <a:defRPr sz="1400" b="0" i="0" u="none" strike="noStrike" cap="none">
           <a:solidFill>
             <a:srgbClr val="000000"/>
           </a:solidFill>
@@ -5718,7 +5863,7 @@
       </a:lvl9pPr>
     </p:bodyStyle>
     <p:otherStyle>
-      <a:defPPr lvl="0" marR="0" rtl="0" algn="l">
+      <a:defPPr marR="0" lvl="0" algn="l" rtl="0">
         <a:lnSpc>
           <a:spcPct val="100000"/>
         </a:lnSpc>
@@ -5729,7 +5874,7 @@
           <a:spcPts val="0"/>
         </a:spcAft>
       </a:defPPr>
-      <a:lvl1pPr lvl="0" marR="0" rtl="0" algn="l">
+      <a:lvl1pPr marR="0" lvl="0" algn="l" rtl="0">
         <a:lnSpc>
           <a:spcPct val="100000"/>
         </a:lnSpc>
@@ -5743,7 +5888,7 @@
           <a:srgbClr val="000000"/>
         </a:buClr>
         <a:buFont typeface="Arial"/>
-        <a:defRPr b="0" i="0" sz="1400" u="none" cap="none" strike="noStrike">
+        <a:defRPr sz="1400" b="0" i="0" u="none" strike="noStrike" cap="none">
           <a:solidFill>
             <a:srgbClr val="000000"/>
           </a:solidFill>
@@ -5753,7 +5898,7 @@
           <a:sym typeface="Arial"/>
         </a:defRPr>
       </a:lvl1pPr>
-      <a:lvl2pPr lvl="1" marR="0" rtl="0" algn="l">
+      <a:lvl2pPr marR="0" lvl="1" algn="l" rtl="0">
         <a:lnSpc>
           <a:spcPct val="100000"/>
         </a:lnSpc>
@@ -5767,7 +5912,7 @@
           <a:srgbClr val="000000"/>
         </a:buClr>
         <a:buFont typeface="Arial"/>
-        <a:defRPr b="0" i="0" sz="1400" u="none" cap="none" strike="noStrike">
+        <a:defRPr sz="1400" b="0" i="0" u="none" strike="noStrike" cap="none">
           <a:solidFill>
             <a:srgbClr val="000000"/>
           </a:solidFill>
@@ -5777,7 +5922,7 @@
           <a:sym typeface="Arial"/>
         </a:defRPr>
       </a:lvl2pPr>
-      <a:lvl3pPr lvl="2" marR="0" rtl="0" algn="l">
+      <a:lvl3pPr marR="0" lvl="2" algn="l" rtl="0">
         <a:lnSpc>
           <a:spcPct val="100000"/>
         </a:lnSpc>
@@ -5791,7 +5936,7 @@
           <a:srgbClr val="000000"/>
         </a:buClr>
         <a:buFont typeface="Arial"/>
-        <a:defRPr b="0" i="0" sz="1400" u="none" cap="none" strike="noStrike">
+        <a:defRPr sz="1400" b="0" i="0" u="none" strike="noStrike" cap="none">
           <a:solidFill>
             <a:srgbClr val="000000"/>
           </a:solidFill>
@@ -5801,7 +5946,7 @@
           <a:sym typeface="Arial"/>
         </a:defRPr>
       </a:lvl3pPr>
-      <a:lvl4pPr lvl="3" marR="0" rtl="0" algn="l">
+      <a:lvl4pPr marR="0" lvl="3" algn="l" rtl="0">
         <a:lnSpc>
           <a:spcPct val="100000"/>
         </a:lnSpc>
@@ -5815,7 +5960,7 @@
           <a:srgbClr val="000000"/>
         </a:buClr>
         <a:buFont typeface="Arial"/>
-        <a:defRPr b="0" i="0" sz="1400" u="none" cap="none" strike="noStrike">
+        <a:defRPr sz="1400" b="0" i="0" u="none" strike="noStrike" cap="none">
           <a:solidFill>
             <a:srgbClr val="000000"/>
           </a:solidFill>
@@ -5825,7 +5970,7 @@
           <a:sym typeface="Arial"/>
         </a:defRPr>
       </a:lvl4pPr>
-      <a:lvl5pPr lvl="4" marR="0" rtl="0" algn="l">
+      <a:lvl5pPr marR="0" lvl="4" algn="l" rtl="0">
         <a:lnSpc>
           <a:spcPct val="100000"/>
         </a:lnSpc>
@@ -5839,7 +5984,7 @@
           <a:srgbClr val="000000"/>
         </a:buClr>
         <a:buFont typeface="Arial"/>
-        <a:defRPr b="0" i="0" sz="1400" u="none" cap="none" strike="noStrike">
+        <a:defRPr sz="1400" b="0" i="0" u="none" strike="noStrike" cap="none">
           <a:solidFill>
             <a:srgbClr val="000000"/>
           </a:solidFill>
@@ -5849,7 +5994,7 @@
           <a:sym typeface="Arial"/>
         </a:defRPr>
       </a:lvl5pPr>
-      <a:lvl6pPr lvl="5" marR="0" rtl="0" algn="l">
+      <a:lvl6pPr marR="0" lvl="5" algn="l" rtl="0">
         <a:lnSpc>
           <a:spcPct val="100000"/>
         </a:lnSpc>
@@ -5863,7 +6008,7 @@
           <a:srgbClr val="000000"/>
         </a:buClr>
         <a:buFont typeface="Arial"/>
-        <a:defRPr b="0" i="0" sz="1400" u="none" cap="none" strike="noStrike">
+        <a:defRPr sz="1400" b="0" i="0" u="none" strike="noStrike" cap="none">
           <a:solidFill>
             <a:srgbClr val="000000"/>
           </a:solidFill>
@@ -5873,7 +6018,7 @@
           <a:sym typeface="Arial"/>
         </a:defRPr>
       </a:lvl6pPr>
-      <a:lvl7pPr lvl="6" marR="0" rtl="0" algn="l">
+      <a:lvl7pPr marR="0" lvl="6" algn="l" rtl="0">
         <a:lnSpc>
           <a:spcPct val="100000"/>
         </a:lnSpc>
@@ -5887,7 +6032,7 @@
           <a:srgbClr val="000000"/>
         </a:buClr>
         <a:buFont typeface="Arial"/>
-        <a:defRPr b="0" i="0" sz="1400" u="none" cap="none" strike="noStrike">
+        <a:defRPr sz="1400" b="0" i="0" u="none" strike="noStrike" cap="none">
           <a:solidFill>
             <a:srgbClr val="000000"/>
           </a:solidFill>
@@ -5897,7 +6042,7 @@
           <a:sym typeface="Arial"/>
         </a:defRPr>
       </a:lvl7pPr>
-      <a:lvl8pPr lvl="7" marR="0" rtl="0" algn="l">
+      <a:lvl8pPr marR="0" lvl="7" algn="l" rtl="0">
         <a:lnSpc>
           <a:spcPct val="100000"/>
         </a:lnSpc>
@@ -5911,7 +6056,7 @@
           <a:srgbClr val="000000"/>
         </a:buClr>
         <a:buFont typeface="Arial"/>
-        <a:defRPr b="0" i="0" sz="1400" u="none" cap="none" strike="noStrike">
+        <a:defRPr sz="1400" b="0" i="0" u="none" strike="noStrike" cap="none">
           <a:solidFill>
             <a:srgbClr val="000000"/>
           </a:solidFill>
@@ -5921,7 +6066,7 @@
           <a:sym typeface="Arial"/>
         </a:defRPr>
       </a:lvl8pPr>
-      <a:lvl9pPr lvl="8" marR="0" rtl="0" algn="l">
+      <a:lvl9pPr marR="0" lvl="8" algn="l" rtl="0">
         <a:lnSpc>
           <a:spcPct val="100000"/>
         </a:lnSpc>
@@ -5935,7 +6080,7 @@
           <a:srgbClr val="000000"/>
         </a:buClr>
         <a:buFont typeface="Arial"/>
-        <a:defRPr b="0" i="0" sz="1400" u="none" cap="none" strike="noStrike">
+        <a:defRPr sz="1400" b="0" i="0" u="none" strike="noStrike" cap="none">
           <a:solidFill>
             <a:srgbClr val="000000"/>
           </a:solidFill>
@@ -5951,11 +6096,11 @@
 </file>
 
 <file path=ppt/slides/slide1.xml><?xml version="1.0" encoding="utf-8"?>
-<p:sld xmlns:a="http://schemas.openxmlformats.org/drawingml/2006/main" xmlns:r="http://schemas.openxmlformats.org/officeDocument/2006/relationships" xmlns:mc="http://schemas.openxmlformats.org/markup-compatibility/2006" xmlns:mv="urn:schemas-microsoft-com:mac:vml" xmlns:p="http://schemas.openxmlformats.org/presentationml/2006/main" xmlns:c="http://schemas.openxmlformats.org/drawingml/2006/chart" xmlns:dgm="http://schemas.openxmlformats.org/drawingml/2006/diagram" xmlns:o="urn:schemas-microsoft-com:office:office" xmlns:v="urn:schemas-microsoft-com:vml" xmlns:pvml="urn:schemas-microsoft-com:office:powerpoint" xmlns:com="http://schemas.openxmlformats.org/drawingml/2006/compatibility" xmlns:p14="http://schemas.microsoft.com/office/powerpoint/2010/main" xmlns:p15="http://schemas.microsoft.com/office/powerpoint/2012/main" xmlns:ahyp="http://schemas.microsoft.com/office/drawing/2018/hyperlinkcolor">
+<p:sld xmlns:a="http://schemas.openxmlformats.org/drawingml/2006/main" xmlns:r="http://schemas.openxmlformats.org/officeDocument/2006/relationships" xmlns:p="http://schemas.openxmlformats.org/presentationml/2006/main">
   <p:cSld>
     <p:spTree>
       <p:nvGrpSpPr>
-        <p:cNvPr id="53" name="Shape 53"/>
+        <p:cNvPr id="1" name="Shape 53"/>
         <p:cNvGrpSpPr/>
         <p:nvPr/>
       </p:nvGrpSpPr>
@@ -5987,12 +6132,12 @@
           </a:ln>
         </p:spPr>
         <p:txBody>
-          <a:bodyPr anchorCtr="0" anchor="t" bIns="91425" lIns="91425" spcFirstLastPara="1" rIns="91425" wrap="square" tIns="91425">
+          <a:bodyPr spcFirstLastPara="1" wrap="square" lIns="91425" tIns="91425" rIns="91425" bIns="91425" anchor="t" anchorCtr="0">
             <a:spAutoFit/>
           </a:bodyPr>
           <a:lstStyle/>
           <a:p>
-            <a:pPr indent="0" lvl="0" marL="0" marR="0" rtl="0" algn="ctr">
+            <a:pPr marL="0" marR="0" lvl="0" indent="0" algn="ctr" rtl="0">
               <a:lnSpc>
                 <a:spcPct val="115000"/>
               </a:lnSpc>
@@ -6010,7 +6155,7 @@
               <a:buNone/>
             </a:pPr>
             <a:r>
-              <a:rPr b="1" i="0" lang="en-GB" sz="1400" u="none" cap="none" strike="noStrike">
+              <a:rPr lang="en-GB" sz="1400" b="1" i="0" u="none" strike="noStrike" cap="none">
                 <a:solidFill>
                   <a:srgbClr val="000000"/>
                 </a:solidFill>
@@ -6022,7 +6167,7 @@
               <a:t>AI ASSIGNMENT-</a:t>
             </a:r>
             <a:r>
-              <a:rPr b="1" lang="en-GB">
+              <a:rPr lang="en-GB" b="1">
                 <a:latin typeface="Roboto Mono"/>
                 <a:ea typeface="Roboto Mono"/>
                 <a:cs typeface="Roboto Mono"/>
@@ -6030,7 +6175,7 @@
               </a:rPr>
               <a:t>3</a:t>
             </a:r>
-            <a:endParaRPr b="1" i="0" sz="1400" u="none" cap="none" strike="noStrike">
+            <a:endParaRPr sz="1400" b="1" i="0" u="none" strike="noStrike" cap="none">
               <a:solidFill>
                 <a:srgbClr val="000000"/>
               </a:solidFill>
@@ -6041,7 +6186,7 @@
             </a:endParaRPr>
           </a:p>
           <a:p>
-            <a:pPr indent="0" lvl="0" marL="0" marR="0" rtl="0" algn="ctr">
+            <a:pPr marL="0" marR="0" lvl="0" indent="0" algn="ctr" rtl="0">
               <a:lnSpc>
                 <a:spcPct val="115000"/>
               </a:lnSpc>
@@ -6059,7 +6204,7 @@
               <a:buNone/>
             </a:pPr>
             <a:r>
-              <a:rPr b="1" i="0" lang="en-GB" sz="1400" u="none" cap="none" strike="noStrike">
+              <a:rPr lang="en-GB" sz="1400" b="1" i="0" u="none" strike="noStrike" cap="none">
                 <a:solidFill>
                   <a:srgbClr val="000000"/>
                 </a:solidFill>
@@ -6070,7 +6215,7 @@
               </a:rPr>
               <a:t>CS22B046 TANGUTURI MOKSHITH REDDY</a:t>
             </a:r>
-            <a:endParaRPr b="1" i="0" sz="1400" u="none" cap="none" strike="noStrike">
+            <a:endParaRPr sz="1400" b="1" i="0" u="none" strike="noStrike" cap="none">
               <a:solidFill>
                 <a:srgbClr val="000000"/>
               </a:solidFill>
@@ -6081,7 +6226,7 @@
             </a:endParaRPr>
           </a:p>
           <a:p>
-            <a:pPr indent="0" lvl="0" marL="0" marR="0" rtl="0" algn="ctr">
+            <a:pPr marL="0" marR="0" lvl="0" indent="0" algn="ctr" rtl="0">
               <a:lnSpc>
                 <a:spcPct val="115000"/>
               </a:lnSpc>
@@ -6099,7 +6244,7 @@
               <a:buNone/>
             </a:pPr>
             <a:r>
-              <a:rPr b="1" i="0" lang="en-GB" sz="1400" u="none" cap="none" strike="noStrike">
+              <a:rPr lang="en-GB" sz="1400" b="1" i="0" u="none" strike="noStrike" cap="none">
                 <a:solidFill>
                   <a:srgbClr val="000000"/>
                 </a:solidFill>
@@ -6110,7 +6255,7 @@
               </a:rPr>
               <a:t>CS22B059 SASAANK JANAPATI</a:t>
             </a:r>
-            <a:endParaRPr b="1" i="0" sz="1400" u="none" cap="none" strike="noStrike">
+            <a:endParaRPr sz="1400" b="1" i="0" u="none" strike="noStrike" cap="none">
               <a:solidFill>
                 <a:srgbClr val="000000"/>
               </a:solidFill>
@@ -6131,11 +6276,11 @@
 </file>
 
 <file path=ppt/slides/slide2.xml><?xml version="1.0" encoding="utf-8"?>
-<p:sld xmlns:a="http://schemas.openxmlformats.org/drawingml/2006/main" xmlns:r="http://schemas.openxmlformats.org/officeDocument/2006/relationships" xmlns:mc="http://schemas.openxmlformats.org/markup-compatibility/2006" xmlns:mv="urn:schemas-microsoft-com:mac:vml" xmlns:p="http://schemas.openxmlformats.org/presentationml/2006/main" xmlns:c="http://schemas.openxmlformats.org/drawingml/2006/chart" xmlns:dgm="http://schemas.openxmlformats.org/drawingml/2006/diagram" xmlns:o="urn:schemas-microsoft-com:office:office" xmlns:v="urn:schemas-microsoft-com:vml" xmlns:pvml="urn:schemas-microsoft-com:office:powerpoint" xmlns:com="http://schemas.openxmlformats.org/drawingml/2006/compatibility" xmlns:p14="http://schemas.microsoft.com/office/powerpoint/2010/main" xmlns:p15="http://schemas.microsoft.com/office/powerpoint/2012/main" xmlns:ahyp="http://schemas.microsoft.com/office/drawing/2018/hyperlinkcolor">
+<p:sld xmlns:a="http://schemas.openxmlformats.org/drawingml/2006/main" xmlns:r="http://schemas.openxmlformats.org/officeDocument/2006/relationships" xmlns:p="http://schemas.openxmlformats.org/presentationml/2006/main">
   <p:cSld>
     <p:spTree>
       <p:nvGrpSpPr>
-        <p:cNvPr id="58" name="Shape 58"/>
+        <p:cNvPr id="1" name="Shape 58"/>
         <p:cNvGrpSpPr/>
         <p:nvPr/>
       </p:nvGrpSpPr>
@@ -6156,7 +6301,7 @@
         <p:spPr>
           <a:xfrm>
             <a:off x="74100" y="200750"/>
-            <a:ext cx="8995800" cy="985200"/>
+            <a:ext cx="8995800" cy="984855"/>
           </a:xfrm>
           <a:prstGeom prst="rect">
             <a:avLst/>
@@ -6167,12 +6312,12 @@
           </a:ln>
         </p:spPr>
         <p:txBody>
-          <a:bodyPr anchorCtr="0" anchor="t" bIns="91425" lIns="91425" spcFirstLastPara="1" rIns="91425" wrap="square" tIns="91425">
+          <a:bodyPr spcFirstLastPara="1" wrap="square" lIns="91425" tIns="91425" rIns="91425" bIns="91425" anchor="t" anchorCtr="0">
             <a:spAutoFit/>
           </a:bodyPr>
           <a:lstStyle/>
           <a:p>
-            <a:pPr indent="0" lvl="0" marL="0" rtl="0" algn="l">
+            <a:pPr marL="0" lvl="0" indent="0" algn="l" rtl="0">
               <a:spcBef>
                 <a:spcPts val="0"/>
               </a:spcBef>
@@ -6182,7 +6327,7 @@
               <a:buNone/>
             </a:pPr>
             <a:r>
-              <a:rPr b="1" lang="en-GB" sz="1300">
+              <a:rPr lang="en-GB" sz="1300" b="1" dirty="0">
                 <a:solidFill>
                   <a:srgbClr val="3C4043"/>
                 </a:solidFill>
@@ -6193,7 +6338,7 @@
               </a:rPr>
               <a:t>1. Agent-1: 4-ply Minimax</a:t>
             </a:r>
-            <a:endParaRPr b="1" sz="1300">
+            <a:endParaRPr sz="1300" b="1" dirty="0">
               <a:solidFill>
                 <a:srgbClr val="3C4043"/>
               </a:solidFill>
@@ -6204,7 +6349,7 @@
             </a:endParaRPr>
           </a:p>
           <a:p>
-            <a:pPr indent="0" lvl="0" marL="0" rtl="0" algn="l">
+            <a:pPr marL="0" lvl="0" indent="0" algn="l" rtl="0">
               <a:spcBef>
                 <a:spcPts val="0"/>
               </a:spcBef>
@@ -6214,7 +6359,7 @@
               <a:buNone/>
             </a:pPr>
             <a:r>
-              <a:rPr b="1" lang="en-GB" sz="1300">
+              <a:rPr lang="en-GB" sz="1300" b="1" dirty="0">
                 <a:solidFill>
                   <a:srgbClr val="3C4043"/>
                 </a:solidFill>
@@ -6225,7 +6370,7 @@
               </a:rPr>
               <a:t>   Agent-2: 1-ply Minimax</a:t>
             </a:r>
-            <a:endParaRPr b="1" sz="1300">
+            <a:endParaRPr sz="1300" b="1" dirty="0">
               <a:solidFill>
                 <a:srgbClr val="3C4043"/>
               </a:solidFill>
@@ -6236,7 +6381,7 @@
             </a:endParaRPr>
           </a:p>
           <a:p>
-            <a:pPr indent="0" lvl="0" marL="0" rtl="0" algn="l">
+            <a:pPr marL="0" lvl="0" indent="0" algn="l" rtl="0">
               <a:spcBef>
                 <a:spcPts val="0"/>
               </a:spcBef>
@@ -6246,7 +6391,7 @@
               <a:buNone/>
             </a:pPr>
             <a:r>
-              <a:rPr b="1" lang="en-GB" sz="1300">
+              <a:rPr lang="en-GB" sz="1300" b="1" dirty="0">
                 <a:solidFill>
                   <a:srgbClr val="3C4043"/>
                 </a:solidFill>
@@ -6257,7 +6402,7 @@
               </a:rPr>
               <a:t>   Game Result: 1-0</a:t>
             </a:r>
-            <a:endParaRPr b="1" sz="1300">
+            <a:endParaRPr sz="1300" b="1" dirty="0">
               <a:solidFill>
                 <a:srgbClr val="3C4043"/>
               </a:solidFill>
@@ -6268,7 +6413,7 @@
             </a:endParaRPr>
           </a:p>
           <a:p>
-            <a:pPr indent="0" lvl="0" marL="0" rtl="0" algn="l">
+            <a:pPr marL="0" lvl="0" indent="0" algn="l" rtl="0">
               <a:spcBef>
                 <a:spcPts val="0"/>
               </a:spcBef>
@@ -6278,7 +6423,7 @@
               <a:buNone/>
             </a:pPr>
             <a:r>
-              <a:rPr b="1" lang="en-GB" sz="1300">
+              <a:rPr lang="en-GB" sz="1300" b="1" dirty="0">
                 <a:solidFill>
                   <a:srgbClr val="3C4043"/>
                 </a:solidFill>
@@ -6289,15 +6434,6 @@
               </a:rPr>
               <a:t>   Checkmate!</a:t>
             </a:r>
-            <a:endParaRPr b="1" sz="1300">
-              <a:solidFill>
-                <a:srgbClr val="3C4043"/>
-              </a:solidFill>
-              <a:latin typeface="Roboto Mono"/>
-              <a:ea typeface="Roboto Mono"/>
-              <a:cs typeface="Roboto Mono"/>
-              <a:sym typeface="Roboto Mono"/>
-            </a:endParaRPr>
           </a:p>
         </p:txBody>
       </p:sp>
@@ -6319,7 +6455,7 @@
         </p:blipFill>
         <p:spPr>
           <a:xfrm>
-            <a:off x="2286000" y="1317500"/>
+            <a:off x="4379495" y="1042492"/>
             <a:ext cx="4572000" cy="3429000"/>
           </a:xfrm>
           <a:prstGeom prst="rect">
@@ -6331,6 +6467,138 @@
           </a:ln>
         </p:spPr>
       </p:pic>
+      <p:sp>
+        <p:nvSpPr>
+          <p:cNvPr id="3" name="TextBox 2">
+            <a:extLst>
+              <a:ext uri="{FF2B5EF4-FFF2-40B4-BE49-F238E27FC236}">
+                <a16:creationId xmlns:a16="http://schemas.microsoft.com/office/drawing/2014/main" id="{271721F2-5855-B0E7-4969-A17B933F572A}"/>
+              </a:ext>
+            </a:extLst>
+          </p:cNvPr>
+          <p:cNvSpPr txBox="1"/>
+          <p:nvPr/>
+        </p:nvSpPr>
+        <p:spPr>
+          <a:xfrm>
+            <a:off x="113440" y="1556087"/>
+            <a:ext cx="4266055" cy="2693045"/>
+          </a:xfrm>
+          <a:prstGeom prst="rect">
+            <a:avLst/>
+          </a:prstGeom>
+          <a:noFill/>
+        </p:spPr>
+        <p:txBody>
+          <a:bodyPr wrap="square">
+            <a:spAutoFit/>
+          </a:bodyPr>
+          <a:lstStyle/>
+          <a:p>
+            <a:pPr>
+              <a:buNone/>
+            </a:pPr>
+            <a:r>
+              <a:rPr lang="en-US" sz="1300" b="1" dirty="0">
+                <a:solidFill>
+                  <a:schemeClr val="bg2">
+                    <a:lumMod val="75000"/>
+                  </a:schemeClr>
+                </a:solidFill>
+                <a:latin typeface="Roboto Mono" panose="00000009000000000000" pitchFamily="49" charset="0"/>
+                <a:ea typeface="Roboto Mono" panose="00000009000000000000" pitchFamily="49" charset="0"/>
+              </a:rPr>
+              <a:t>Reason for Agent-1 (4-ply Minimax) Winning</a:t>
+            </a:r>
+          </a:p>
+          <a:p>
+            <a:pPr>
+              <a:buFont typeface="+mj-lt"/>
+              <a:buAutoNum type="arabicPeriod"/>
+            </a:pPr>
+            <a:r>
+              <a:rPr lang="en-US" sz="1300" dirty="0">
+                <a:solidFill>
+                  <a:schemeClr val="bg2">
+                    <a:lumMod val="75000"/>
+                  </a:schemeClr>
+                </a:solidFill>
+                <a:latin typeface="Roboto Mono" panose="00000009000000000000" pitchFamily="49" charset="0"/>
+                <a:ea typeface="Roboto Mono" panose="00000009000000000000" pitchFamily="49" charset="0"/>
+              </a:rPr>
+              <a:t>Deeper foresight – Sees 4 moves ahead vs. 1.</a:t>
+            </a:r>
+          </a:p>
+          <a:p>
+            <a:pPr>
+              <a:buFont typeface="+mj-lt"/>
+              <a:buAutoNum type="arabicPeriod"/>
+            </a:pPr>
+            <a:r>
+              <a:rPr lang="en-US" sz="1300" dirty="0">
+                <a:solidFill>
+                  <a:schemeClr val="bg2">
+                    <a:lumMod val="75000"/>
+                  </a:schemeClr>
+                </a:solidFill>
+                <a:latin typeface="Roboto Mono" panose="00000009000000000000" pitchFamily="49" charset="0"/>
+                <a:ea typeface="Roboto Mono" panose="00000009000000000000" pitchFamily="49" charset="0"/>
+              </a:rPr>
+              <a:t>Better tactics – Detects traps and threats early.</a:t>
+            </a:r>
+          </a:p>
+          <a:p>
+            <a:pPr>
+              <a:buFont typeface="+mj-lt"/>
+              <a:buAutoNum type="arabicPeriod"/>
+            </a:pPr>
+            <a:r>
+              <a:rPr lang="en-US" sz="1300" dirty="0">
+                <a:solidFill>
+                  <a:schemeClr val="bg2">
+                    <a:lumMod val="75000"/>
+                  </a:schemeClr>
+                </a:solidFill>
+                <a:latin typeface="Roboto Mono" panose="00000009000000000000" pitchFamily="49" charset="0"/>
+                <a:ea typeface="Roboto Mono" panose="00000009000000000000" pitchFamily="49" charset="0"/>
+              </a:rPr>
+              <a:t>Stronger defense – Avoids blunders Agent-2 can't see.</a:t>
+            </a:r>
+          </a:p>
+          <a:p>
+            <a:pPr>
+              <a:buFont typeface="+mj-lt"/>
+              <a:buAutoNum type="arabicPeriod"/>
+            </a:pPr>
+            <a:r>
+              <a:rPr lang="en-US" sz="1300" dirty="0">
+                <a:solidFill>
+                  <a:schemeClr val="bg2">
+                    <a:lumMod val="75000"/>
+                  </a:schemeClr>
+                </a:solidFill>
+                <a:latin typeface="Roboto Mono" panose="00000009000000000000" pitchFamily="49" charset="0"/>
+                <a:ea typeface="Roboto Mono" panose="00000009000000000000" pitchFamily="49" charset="0"/>
+              </a:rPr>
+              <a:t>Checkmate planning – Can force mate; Agent-2 can't anticipate it.</a:t>
+            </a:r>
+          </a:p>
+          <a:p>
+            <a:r>
+              <a:rPr lang="en-US" sz="1300" dirty="0">
+                <a:solidFill>
+                  <a:schemeClr val="bg2">
+                    <a:lumMod val="75000"/>
+                  </a:schemeClr>
+                </a:solidFill>
+                <a:latin typeface="Roboto Mono" panose="00000009000000000000" pitchFamily="49" charset="0"/>
+                <a:ea typeface="Roboto Mono" panose="00000009000000000000" pitchFamily="49" charset="0"/>
+              </a:rPr>
+              <a:t>Result: Agent-1 plays strategically and tactically better, leading to a checkmate win.</a:t>
+            </a:r>
+          </a:p>
+        </p:txBody>
+      </p:sp>
     </p:spTree>
   </p:cSld>
   <p:clrMapOvr>
@@ -6339,32 +6607,32 @@
   <p:timing>
     <p:tnLst>
       <p:par>
-        <p:cTn dur="indefinite" nodeType="tmRoot" restart="never">
+        <p:cTn id="1" dur="indefinite" restart="never" nodeType="tmRoot">
           <p:childTnLst>
             <p:seq concurrent="1" nextAc="seek">
-              <p:cTn dur="indefinite" id="2" nodeType="mainSeq">
+              <p:cTn id="2" dur="indefinite" nodeType="mainSeq">
                 <p:childTnLst>
                   <p:par>
-                    <p:cTn fill="hold">
+                    <p:cTn id="3" fill="hold">
                       <p:stCondLst>
                         <p:cond delay="indefinite"/>
                       </p:stCondLst>
                       <p:childTnLst>
                         <p:par>
-                          <p:cTn fill="hold">
+                          <p:cTn id="4" fill="hold">
                             <p:stCondLst>
                               <p:cond delay="0"/>
                             </p:stCondLst>
                             <p:childTnLst>
                               <p:par>
-                                <p:cTn fill="hold" nodeType="clickEffect" presetClass="entr" presetID="10" presetSubtype="0">
+                                <p:cTn id="5" presetID="10" presetClass="entr" presetSubtype="0" fill="hold" nodeType="clickEffect">
                                   <p:stCondLst>
                                     <p:cond delay="0"/>
                                   </p:stCondLst>
                                   <p:childTnLst>
                                     <p:set>
                                       <p:cBhvr>
-                                        <p:cTn dur="1" fill="hold">
+                                        <p:cTn id="6" dur="1" fill="hold">
                                           <p:stCondLst>
                                             <p:cond delay="0"/>
                                           </p:stCondLst>
@@ -6380,9 +6648,9 @@
                                         <p:strVal val="visible"/>
                                       </p:to>
                                     </p:set>
-                                    <p:animEffect filter="fade" transition="in">
+                                    <p:animEffect transition="in" filter="fade">
                                       <p:cBhvr>
-                                        <p:cTn dur="1000"/>
+                                        <p:cTn id="7" dur="1000"/>
                                         <p:tgtEl>
                                           <p:spTgt spid="60"/>
                                         </p:tgtEl>
@@ -6400,14 +6668,14 @@
                 </p:childTnLst>
               </p:cTn>
               <p:prevCondLst>
-                <p:cond evt="onPrev">
+                <p:cond evt="onPrev" delay="0">
                   <p:tgtEl>
                     <p:sldTgt/>
                   </p:tgtEl>
                 </p:cond>
               </p:prevCondLst>
               <p:nextCondLst>
-                <p:cond evt="onNext">
+                <p:cond evt="onNext" delay="0">
                   <p:tgtEl>
                     <p:sldTgt/>
                   </p:tgtEl>
@@ -6423,11 +6691,11 @@
 </file>
 
 <file path=ppt/slides/slide3.xml><?xml version="1.0" encoding="utf-8"?>
-<p:sld xmlns:a="http://schemas.openxmlformats.org/drawingml/2006/main" xmlns:r="http://schemas.openxmlformats.org/officeDocument/2006/relationships" xmlns:mc="http://schemas.openxmlformats.org/markup-compatibility/2006" xmlns:mv="urn:schemas-microsoft-com:mac:vml" xmlns:p="http://schemas.openxmlformats.org/presentationml/2006/main" xmlns:c="http://schemas.openxmlformats.org/drawingml/2006/chart" xmlns:dgm="http://schemas.openxmlformats.org/drawingml/2006/diagram" xmlns:o="urn:schemas-microsoft-com:office:office" xmlns:v="urn:schemas-microsoft-com:vml" xmlns:pvml="urn:schemas-microsoft-com:office:powerpoint" xmlns:com="http://schemas.openxmlformats.org/drawingml/2006/compatibility" xmlns:p14="http://schemas.microsoft.com/office/powerpoint/2010/main" xmlns:p15="http://schemas.microsoft.com/office/powerpoint/2012/main" xmlns:ahyp="http://schemas.microsoft.com/office/drawing/2018/hyperlinkcolor">
+<p:sld xmlns:a="http://schemas.openxmlformats.org/drawingml/2006/main" xmlns:r="http://schemas.openxmlformats.org/officeDocument/2006/relationships" xmlns:p="http://schemas.openxmlformats.org/presentationml/2006/main">
   <p:cSld>
     <p:spTree>
       <p:nvGrpSpPr>
-        <p:cNvPr id="64" name="Shape 64"/>
+        <p:cNvPr id="1" name="Shape 64"/>
         <p:cNvGrpSpPr/>
         <p:nvPr/>
       </p:nvGrpSpPr>
@@ -6459,12 +6727,12 @@
           </a:ln>
         </p:spPr>
         <p:txBody>
-          <a:bodyPr anchorCtr="0" anchor="t" bIns="91425" lIns="91425" spcFirstLastPara="1" rIns="91425" wrap="square" tIns="91425">
+          <a:bodyPr spcFirstLastPara="1" wrap="square" lIns="91425" tIns="91425" rIns="91425" bIns="91425" anchor="t" anchorCtr="0">
             <a:spAutoFit/>
           </a:bodyPr>
           <a:lstStyle/>
           <a:p>
-            <a:pPr indent="0" lvl="0" marL="0" rtl="0" algn="l">
+            <a:pPr marL="0" lvl="0" indent="0" algn="l" rtl="0">
               <a:spcBef>
                 <a:spcPts val="0"/>
               </a:spcBef>
@@ -6474,7 +6742,7 @@
               <a:buNone/>
             </a:pPr>
             <a:r>
-              <a:rPr b="1" lang="en-GB" sz="1300">
+              <a:rPr lang="en-GB" sz="1300" b="1" dirty="0">
                 <a:solidFill>
                   <a:srgbClr val="3C4043"/>
                 </a:solidFill>
@@ -6483,21 +6751,9 @@
                 <a:cs typeface="Roboto Mono"/>
                 <a:sym typeface="Roboto Mono"/>
               </a:rPr>
-              <a:t>2</a:t>
+              <a:t>2. Agent-1: 1-ply Alphabeta</a:t>
             </a:r>
-            <a:r>
-              <a:rPr b="1" lang="en-GB" sz="1300">
-                <a:solidFill>
-                  <a:srgbClr val="3C4043"/>
-                </a:solidFill>
-                <a:latin typeface="Roboto Mono"/>
-                <a:ea typeface="Roboto Mono"/>
-                <a:cs typeface="Roboto Mono"/>
-                <a:sym typeface="Roboto Mono"/>
-              </a:rPr>
-              <a:t>. Agent-1: 1-ply Alphabeta</a:t>
-            </a:r>
-            <a:endParaRPr b="1" sz="1300">
+            <a:endParaRPr sz="1300" b="1" dirty="0">
               <a:solidFill>
                 <a:srgbClr val="3C4043"/>
               </a:solidFill>
@@ -6508,7 +6764,7 @@
             </a:endParaRPr>
           </a:p>
           <a:p>
-            <a:pPr indent="0" lvl="0" marL="0" rtl="0" algn="l">
+            <a:pPr marL="0" lvl="0" indent="0" algn="l" rtl="0">
               <a:spcBef>
                 <a:spcPts val="0"/>
               </a:spcBef>
@@ -6518,7 +6774,7 @@
               <a:buNone/>
             </a:pPr>
             <a:r>
-              <a:rPr b="1" lang="en-GB" sz="1300">
+              <a:rPr lang="en-GB" sz="1300" b="1" dirty="0">
                 <a:solidFill>
                   <a:srgbClr val="3C4043"/>
                 </a:solidFill>
@@ -6529,7 +6785,7 @@
               </a:rPr>
               <a:t>   Agent-2: 4-ply Alphabeta</a:t>
             </a:r>
-            <a:endParaRPr b="1" sz="1300">
+            <a:endParaRPr sz="1300" b="1" dirty="0">
               <a:solidFill>
                 <a:srgbClr val="3C4043"/>
               </a:solidFill>
@@ -6540,7 +6796,7 @@
             </a:endParaRPr>
           </a:p>
           <a:p>
-            <a:pPr indent="0" lvl="0" marL="0" rtl="0" algn="l">
+            <a:pPr marL="0" lvl="0" indent="0" algn="l" rtl="0">
               <a:spcBef>
                 <a:spcPts val="0"/>
               </a:spcBef>
@@ -6550,7 +6806,7 @@
               <a:buNone/>
             </a:pPr>
             <a:r>
-              <a:rPr b="1" lang="en-GB" sz="1300">
+              <a:rPr lang="en-GB" sz="1300" b="1" dirty="0">
                 <a:solidFill>
                   <a:srgbClr val="3C4043"/>
                 </a:solidFill>
@@ -6559,21 +6815,9 @@
                 <a:cs typeface="Roboto Mono"/>
                 <a:sym typeface="Roboto Mono"/>
               </a:rPr>
-              <a:t>   </a:t>
+              <a:t>   Game Result: 1/2-1/2</a:t>
             </a:r>
-            <a:r>
-              <a:rPr b="1" lang="en-GB" sz="1300">
-                <a:solidFill>
-                  <a:srgbClr val="3C4043"/>
-                </a:solidFill>
-                <a:latin typeface="Roboto Mono"/>
-                <a:ea typeface="Roboto Mono"/>
-                <a:cs typeface="Roboto Mono"/>
-                <a:sym typeface="Roboto Mono"/>
-              </a:rPr>
-              <a:t>Game Result: 1/2-1/2</a:t>
-            </a:r>
-            <a:endParaRPr b="1" sz="1300">
+            <a:endParaRPr sz="1300" b="1" dirty="0">
               <a:solidFill>
                 <a:srgbClr val="3C4043"/>
               </a:solidFill>
@@ -6584,7 +6828,7 @@
             </a:endParaRPr>
           </a:p>
           <a:p>
-            <a:pPr indent="0" lvl="0" marL="0" rtl="0" algn="l">
+            <a:pPr marL="0" lvl="0" indent="0" algn="l" rtl="0">
               <a:spcBef>
                 <a:spcPts val="0"/>
               </a:spcBef>
@@ -6594,7 +6838,7 @@
               <a:buNone/>
             </a:pPr>
             <a:r>
-              <a:rPr b="1" lang="en-GB" sz="1300">
+              <a:rPr lang="en-GB" sz="1300" b="1" dirty="0">
                 <a:solidFill>
                   <a:srgbClr val="3C4043"/>
                 </a:solidFill>
@@ -6605,7 +6849,7 @@
               </a:rPr>
               <a:t>   Fivefold repetition!</a:t>
             </a:r>
-            <a:endParaRPr b="1" sz="1300">
+            <a:endParaRPr sz="1300" b="1" dirty="0">
               <a:solidFill>
                 <a:srgbClr val="3C4043"/>
               </a:solidFill>
@@ -6635,7 +6879,7 @@
         </p:blipFill>
         <p:spPr>
           <a:xfrm>
-            <a:off x="2286000" y="1352250"/>
+            <a:off x="4162926" y="693350"/>
             <a:ext cx="4572000" cy="3429000"/>
           </a:xfrm>
           <a:prstGeom prst="rect">
@@ -6647,6 +6891,138 @@
           </a:ln>
         </p:spPr>
       </p:pic>
+      <p:sp>
+        <p:nvSpPr>
+          <p:cNvPr id="3" name="TextBox 2">
+            <a:extLst>
+              <a:ext uri="{FF2B5EF4-FFF2-40B4-BE49-F238E27FC236}">
+                <a16:creationId xmlns:a16="http://schemas.microsoft.com/office/drawing/2014/main" id="{792115BD-8087-C6CA-52AE-DDCE2C293E9E}"/>
+              </a:ext>
+            </a:extLst>
+          </p:cNvPr>
+          <p:cNvSpPr txBox="1"/>
+          <p:nvPr/>
+        </p:nvSpPr>
+        <p:spPr>
+          <a:xfrm>
+            <a:off x="74100" y="1359126"/>
+            <a:ext cx="3941010" cy="3493264"/>
+          </a:xfrm>
+          <a:prstGeom prst="rect">
+            <a:avLst/>
+          </a:prstGeom>
+          <a:noFill/>
+        </p:spPr>
+        <p:txBody>
+          <a:bodyPr wrap="square">
+            <a:spAutoFit/>
+          </a:bodyPr>
+          <a:lstStyle/>
+          <a:p>
+            <a:pPr>
+              <a:buNone/>
+            </a:pPr>
+            <a:r>
+              <a:rPr lang="en-US" sz="1300" b="1" dirty="0">
+                <a:solidFill>
+                  <a:schemeClr val="bg2">
+                    <a:lumMod val="75000"/>
+                  </a:schemeClr>
+                </a:solidFill>
+                <a:latin typeface="Roboto Mono" panose="00000009000000000000" pitchFamily="49" charset="0"/>
+                <a:ea typeface="Roboto Mono" panose="00000009000000000000" pitchFamily="49" charset="0"/>
+              </a:rPr>
+              <a:t>Reason for Draw (1-ply AlphaBeta vs 4-ply AlphaBeta)</a:t>
+            </a:r>
+          </a:p>
+          <a:p>
+            <a:pPr>
+              <a:buFont typeface="+mj-lt"/>
+              <a:buAutoNum type="arabicPeriod"/>
+            </a:pPr>
+            <a:r>
+              <a:rPr lang="en-US" sz="1300" dirty="0">
+                <a:solidFill>
+                  <a:schemeClr val="bg2">
+                    <a:lumMod val="75000"/>
+                  </a:schemeClr>
+                </a:solidFill>
+                <a:latin typeface="Roboto Mono" panose="00000009000000000000" pitchFamily="49" charset="0"/>
+                <a:ea typeface="Roboto Mono" panose="00000009000000000000" pitchFamily="49" charset="0"/>
+              </a:rPr>
+              <a:t>Agent-2 (4-ply) was stronger but likely couldn’t find a forced win within 4 plies.</a:t>
+            </a:r>
+          </a:p>
+          <a:p>
+            <a:pPr>
+              <a:buFont typeface="+mj-lt"/>
+              <a:buAutoNum type="arabicPeriod"/>
+            </a:pPr>
+            <a:r>
+              <a:rPr lang="en-US" sz="1300" dirty="0">
+                <a:solidFill>
+                  <a:schemeClr val="bg2">
+                    <a:lumMod val="75000"/>
+                  </a:schemeClr>
+                </a:solidFill>
+                <a:latin typeface="Roboto Mono" panose="00000009000000000000" pitchFamily="49" charset="0"/>
+                <a:ea typeface="Roboto Mono" panose="00000009000000000000" pitchFamily="49" charset="0"/>
+              </a:rPr>
+              <a:t>Agent-1 (1-ply) played safe or repetitive moves it considered best short-term.</a:t>
+            </a:r>
+          </a:p>
+          <a:p>
+            <a:pPr>
+              <a:buFont typeface="+mj-lt"/>
+              <a:buAutoNum type="arabicPeriod"/>
+            </a:pPr>
+            <a:r>
+              <a:rPr lang="en-US" sz="1300" dirty="0">
+                <a:solidFill>
+                  <a:schemeClr val="bg2">
+                    <a:lumMod val="75000"/>
+                  </a:schemeClr>
+                </a:solidFill>
+                <a:latin typeface="Roboto Mono" panose="00000009000000000000" pitchFamily="49" charset="0"/>
+                <a:ea typeface="Roboto Mono" panose="00000009000000000000" pitchFamily="49" charset="0"/>
+              </a:rPr>
+              <a:t>The repeated safe responses caused both agents to repeat positions.</a:t>
+            </a:r>
+          </a:p>
+          <a:p>
+            <a:pPr>
+              <a:buFont typeface="+mj-lt"/>
+              <a:buAutoNum type="arabicPeriod"/>
+            </a:pPr>
+            <a:r>
+              <a:rPr lang="en-US" sz="1300" dirty="0">
+                <a:solidFill>
+                  <a:schemeClr val="bg2">
+                    <a:lumMod val="75000"/>
+                  </a:schemeClr>
+                </a:solidFill>
+                <a:latin typeface="Roboto Mono" panose="00000009000000000000" pitchFamily="49" charset="0"/>
+                <a:ea typeface="Roboto Mono" panose="00000009000000000000" pitchFamily="49" charset="0"/>
+              </a:rPr>
+              <a:t>AlphaBeta’s pruning may have missed subtle win paths or preferred repetition to risk.</a:t>
+            </a:r>
+          </a:p>
+          <a:p>
+            <a:r>
+              <a:rPr lang="en-US" sz="1300" dirty="0">
+                <a:solidFill>
+                  <a:schemeClr val="bg2">
+                    <a:lumMod val="75000"/>
+                  </a:schemeClr>
+                </a:solidFill>
+                <a:latin typeface="Roboto Mono" panose="00000009000000000000" pitchFamily="49" charset="0"/>
+                <a:ea typeface="Roboto Mono" panose="00000009000000000000" pitchFamily="49" charset="0"/>
+              </a:rPr>
+              <a:t>Result: Despite Agent-2 being deeper, both agents repeated the same board state five times → Draw by fivefold repetition.</a:t>
+            </a:r>
+          </a:p>
+        </p:txBody>
+      </p:sp>
     </p:spTree>
   </p:cSld>
   <p:clrMapOvr>
@@ -6655,32 +7031,32 @@
   <p:timing>
     <p:tnLst>
       <p:par>
-        <p:cTn dur="indefinite" nodeType="tmRoot" restart="never">
+        <p:cTn id="1" dur="indefinite" restart="never" nodeType="tmRoot">
           <p:childTnLst>
             <p:seq concurrent="1" nextAc="seek">
-              <p:cTn dur="indefinite" id="2" nodeType="mainSeq">
+              <p:cTn id="2" dur="indefinite" nodeType="mainSeq">
                 <p:childTnLst>
                   <p:par>
-                    <p:cTn fill="hold">
+                    <p:cTn id="3" fill="hold">
                       <p:stCondLst>
                         <p:cond delay="indefinite"/>
                       </p:stCondLst>
                       <p:childTnLst>
                         <p:par>
-                          <p:cTn fill="hold">
+                          <p:cTn id="4" fill="hold">
                             <p:stCondLst>
                               <p:cond delay="0"/>
                             </p:stCondLst>
                             <p:childTnLst>
                               <p:par>
-                                <p:cTn fill="hold" nodeType="clickEffect" presetClass="entr" presetID="10" presetSubtype="0">
+                                <p:cTn id="5" presetID="10" presetClass="entr" presetSubtype="0" fill="hold" nodeType="clickEffect">
                                   <p:stCondLst>
                                     <p:cond delay="0"/>
                                   </p:stCondLst>
                                   <p:childTnLst>
                                     <p:set>
                                       <p:cBhvr>
-                                        <p:cTn dur="1" fill="hold">
+                                        <p:cTn id="6" dur="1" fill="hold">
                                           <p:stCondLst>
                                             <p:cond delay="0"/>
                                           </p:stCondLst>
@@ -6696,9 +7072,9 @@
                                         <p:strVal val="visible"/>
                                       </p:to>
                                     </p:set>
-                                    <p:animEffect filter="fade" transition="in">
+                                    <p:animEffect transition="in" filter="fade">
                                       <p:cBhvr>
-                                        <p:cTn dur="1000"/>
+                                        <p:cTn id="7" dur="1000"/>
                                         <p:tgtEl>
                                           <p:spTgt spid="66"/>
                                         </p:tgtEl>
@@ -6716,14 +7092,14 @@
                 </p:childTnLst>
               </p:cTn>
               <p:prevCondLst>
-                <p:cond evt="onPrev">
+                <p:cond evt="onPrev" delay="0">
                   <p:tgtEl>
                     <p:sldTgt/>
                   </p:tgtEl>
                 </p:cond>
               </p:prevCondLst>
               <p:nextCondLst>
-                <p:cond evt="onNext">
+                <p:cond evt="onNext" delay="0">
                   <p:tgtEl>
                     <p:sldTgt/>
                   </p:tgtEl>
@@ -6739,11 +7115,11 @@
 </file>
 
 <file path=ppt/slides/slide4.xml><?xml version="1.0" encoding="utf-8"?>
-<p:sld xmlns:a="http://schemas.openxmlformats.org/drawingml/2006/main" xmlns:r="http://schemas.openxmlformats.org/officeDocument/2006/relationships" xmlns:mc="http://schemas.openxmlformats.org/markup-compatibility/2006" xmlns:mv="urn:schemas-microsoft-com:mac:vml" xmlns:p="http://schemas.openxmlformats.org/presentationml/2006/main" xmlns:c="http://schemas.openxmlformats.org/drawingml/2006/chart" xmlns:dgm="http://schemas.openxmlformats.org/drawingml/2006/diagram" xmlns:o="urn:schemas-microsoft-com:office:office" xmlns:v="urn:schemas-microsoft-com:vml" xmlns:pvml="urn:schemas-microsoft-com:office:powerpoint" xmlns:com="http://schemas.openxmlformats.org/drawingml/2006/compatibility" xmlns:p14="http://schemas.microsoft.com/office/powerpoint/2010/main" xmlns:p15="http://schemas.microsoft.com/office/powerpoint/2012/main" xmlns:ahyp="http://schemas.microsoft.com/office/drawing/2018/hyperlinkcolor">
+<p:sld xmlns:a="http://schemas.openxmlformats.org/drawingml/2006/main" xmlns:r="http://schemas.openxmlformats.org/officeDocument/2006/relationships" xmlns:p="http://schemas.openxmlformats.org/presentationml/2006/main">
   <p:cSld>
     <p:spTree>
       <p:nvGrpSpPr>
-        <p:cNvPr id="70" name="Shape 70"/>
+        <p:cNvPr id="1" name="Shape 70"/>
         <p:cNvGrpSpPr/>
         <p:nvPr/>
       </p:nvGrpSpPr>
@@ -6775,12 +7151,12 @@
           </a:ln>
         </p:spPr>
         <p:txBody>
-          <a:bodyPr anchorCtr="0" anchor="t" bIns="91425" lIns="91425" spcFirstLastPara="1" rIns="91425" wrap="square" tIns="91425">
+          <a:bodyPr spcFirstLastPara="1" wrap="square" lIns="91425" tIns="91425" rIns="91425" bIns="91425" anchor="t" anchorCtr="0">
             <a:spAutoFit/>
           </a:bodyPr>
           <a:lstStyle/>
           <a:p>
-            <a:pPr indent="0" lvl="0" marL="0" rtl="0" algn="l">
+            <a:pPr marL="0" lvl="0" indent="0" algn="l" rtl="0">
               <a:spcBef>
                 <a:spcPts val="0"/>
               </a:spcBef>
@@ -6790,7 +7166,7 @@
               <a:buNone/>
             </a:pPr>
             <a:r>
-              <a:rPr b="1" lang="en-GB" sz="1300">
+              <a:rPr lang="en-GB" sz="1300" b="1" dirty="0">
                 <a:solidFill>
                   <a:srgbClr val="3C4043"/>
                 </a:solidFill>
@@ -6799,21 +7175,9 @@
                 <a:cs typeface="Roboto Mono"/>
                 <a:sym typeface="Roboto Mono"/>
               </a:rPr>
-              <a:t>3</a:t>
+              <a:t>3. Agent-1: 4-ply Minimax</a:t>
             </a:r>
-            <a:r>
-              <a:rPr b="1" lang="en-GB" sz="1300">
-                <a:solidFill>
-                  <a:srgbClr val="3C4043"/>
-                </a:solidFill>
-                <a:latin typeface="Roboto Mono"/>
-                <a:ea typeface="Roboto Mono"/>
-                <a:cs typeface="Roboto Mono"/>
-                <a:sym typeface="Roboto Mono"/>
-              </a:rPr>
-              <a:t>. Agent-1: 4-ply Minimax</a:t>
-            </a:r>
-            <a:endParaRPr b="1" sz="1300">
+            <a:endParaRPr sz="1300" b="1" dirty="0">
               <a:solidFill>
                 <a:srgbClr val="3C4043"/>
               </a:solidFill>
@@ -6824,7 +7188,7 @@
             </a:endParaRPr>
           </a:p>
           <a:p>
-            <a:pPr indent="0" lvl="0" marL="0" rtl="0" algn="l">
+            <a:pPr marL="0" lvl="0" indent="0" algn="l" rtl="0">
               <a:spcBef>
                 <a:spcPts val="0"/>
               </a:spcBef>
@@ -6834,7 +7198,7 @@
               <a:buNone/>
             </a:pPr>
             <a:r>
-              <a:rPr b="1" lang="en-GB" sz="1300">
+              <a:rPr lang="en-GB" sz="1300" b="1" dirty="0">
                 <a:solidFill>
                   <a:srgbClr val="3C4043"/>
                 </a:solidFill>
@@ -6845,7 +7209,7 @@
               </a:rPr>
               <a:t>   Agent-2: 4-ply Alphabeta</a:t>
             </a:r>
-            <a:endParaRPr b="1" sz="1300">
+            <a:endParaRPr sz="1300" b="1" dirty="0">
               <a:solidFill>
                 <a:srgbClr val="3C4043"/>
               </a:solidFill>
@@ -6856,7 +7220,7 @@
             </a:endParaRPr>
           </a:p>
           <a:p>
-            <a:pPr indent="0" lvl="0" marL="0" rtl="0" algn="l">
+            <a:pPr marL="0" lvl="0" indent="0" algn="l" rtl="0">
               <a:spcBef>
                 <a:spcPts val="0"/>
               </a:spcBef>
@@ -6866,7 +7230,7 @@
               <a:buNone/>
             </a:pPr>
             <a:r>
-              <a:rPr b="1" lang="en-GB" sz="1300">
+              <a:rPr lang="en-GB" sz="1300" b="1" dirty="0">
                 <a:solidFill>
                   <a:srgbClr val="3C4043"/>
                 </a:solidFill>
@@ -6875,21 +7239,9 @@
                 <a:cs typeface="Roboto Mono"/>
                 <a:sym typeface="Roboto Mono"/>
               </a:rPr>
-              <a:t>   Game Result: </a:t>
+              <a:t>   Game Result: 1/2-1/2</a:t>
             </a:r>
-            <a:r>
-              <a:rPr b="1" lang="en-GB" sz="1300">
-                <a:solidFill>
-                  <a:srgbClr val="3C4043"/>
-                </a:solidFill>
-                <a:latin typeface="Roboto Mono"/>
-                <a:ea typeface="Roboto Mono"/>
-                <a:cs typeface="Roboto Mono"/>
-                <a:sym typeface="Roboto Mono"/>
-              </a:rPr>
-              <a:t>1/2-1/2</a:t>
-            </a:r>
-            <a:endParaRPr b="1" sz="1300">
+            <a:endParaRPr sz="1300" b="1" dirty="0">
               <a:solidFill>
                 <a:srgbClr val="3C4043"/>
               </a:solidFill>
@@ -6900,7 +7252,7 @@
             </a:endParaRPr>
           </a:p>
           <a:p>
-            <a:pPr indent="0" lvl="0" marL="0" rtl="0" algn="l">
+            <a:pPr marL="0" lvl="0" indent="0" algn="l" rtl="0">
               <a:spcBef>
                 <a:spcPts val="0"/>
               </a:spcBef>
@@ -6910,7 +7262,7 @@
               <a:buNone/>
             </a:pPr>
             <a:r>
-              <a:rPr b="1" lang="en-GB" sz="1300">
+              <a:rPr lang="en-GB" sz="1300" b="1" dirty="0">
                 <a:solidFill>
                   <a:srgbClr val="3C4043"/>
                 </a:solidFill>
@@ -6921,7 +7273,7 @@
               </a:rPr>
               <a:t>   Fivefold repetition!</a:t>
             </a:r>
-            <a:endParaRPr b="1" sz="1300">
+            <a:endParaRPr sz="1300" b="1" dirty="0">
               <a:solidFill>
                 <a:srgbClr val="3C4043"/>
               </a:solidFill>
@@ -6951,7 +7303,7 @@
         </p:blipFill>
         <p:spPr>
           <a:xfrm>
-            <a:off x="2745625" y="1260725"/>
+            <a:off x="4863183" y="693350"/>
             <a:ext cx="3652750" cy="3652750"/>
           </a:xfrm>
           <a:prstGeom prst="rect">
@@ -6963,6 +7315,108 @@
           </a:ln>
         </p:spPr>
       </p:pic>
+      <p:sp>
+        <p:nvSpPr>
+          <p:cNvPr id="3" name="TextBox 2">
+            <a:extLst>
+              <a:ext uri="{FF2B5EF4-FFF2-40B4-BE49-F238E27FC236}">
+                <a16:creationId xmlns:a16="http://schemas.microsoft.com/office/drawing/2014/main" id="{C94C156A-9A28-C6B6-963F-8EE0F340BB55}"/>
+              </a:ext>
+            </a:extLst>
+          </p:cNvPr>
+          <p:cNvSpPr txBox="1"/>
+          <p:nvPr/>
+        </p:nvSpPr>
+        <p:spPr>
+          <a:xfrm>
+            <a:off x="135977" y="1725224"/>
+            <a:ext cx="4202267" cy="2492990"/>
+          </a:xfrm>
+          <a:prstGeom prst="rect">
+            <a:avLst/>
+          </a:prstGeom>
+          <a:noFill/>
+        </p:spPr>
+        <p:txBody>
+          <a:bodyPr wrap="square">
+            <a:spAutoFit/>
+          </a:bodyPr>
+          <a:lstStyle/>
+          <a:p>
+            <a:pPr>
+              <a:buNone/>
+            </a:pPr>
+            <a:r>
+              <a:rPr lang="en-US" sz="1300" b="1" dirty="0">
+                <a:latin typeface="Roboto Mono" panose="00000009000000000000" pitchFamily="49" charset="0"/>
+                <a:ea typeface="Roboto Mono" panose="00000009000000000000" pitchFamily="49" charset="0"/>
+              </a:rPr>
+              <a:t>Reason for Draw (4-ply Minimax vs 4-ply AlphaBeta)</a:t>
+            </a:r>
+          </a:p>
+          <a:p>
+            <a:pPr>
+              <a:buFont typeface="+mj-lt"/>
+              <a:buAutoNum type="arabicPeriod"/>
+            </a:pPr>
+            <a:r>
+              <a:rPr lang="en-US" sz="1300" dirty="0">
+                <a:latin typeface="Roboto Mono" panose="00000009000000000000" pitchFamily="49" charset="0"/>
+                <a:ea typeface="Roboto Mono" panose="00000009000000000000" pitchFamily="49" charset="0"/>
+              </a:rPr>
+              <a:t>Both agents search 4 plies deep, so they’re equally strong tactically.</a:t>
+            </a:r>
+          </a:p>
+          <a:p>
+            <a:pPr>
+              <a:buFont typeface="+mj-lt"/>
+              <a:buAutoNum type="arabicPeriod"/>
+            </a:pPr>
+            <a:r>
+              <a:rPr lang="en-US" sz="1300" dirty="0">
+                <a:latin typeface="Roboto Mono" panose="00000009000000000000" pitchFamily="49" charset="0"/>
+                <a:ea typeface="Roboto Mono" panose="00000009000000000000" pitchFamily="49" charset="0"/>
+              </a:rPr>
+              <a:t>Neither agent found a clear path to victory within their search horizon.</a:t>
+            </a:r>
+          </a:p>
+          <a:p>
+            <a:pPr>
+              <a:buFont typeface="+mj-lt"/>
+              <a:buAutoNum type="arabicPeriod"/>
+            </a:pPr>
+            <a:r>
+              <a:rPr lang="en-US" sz="1300" dirty="0">
+                <a:latin typeface="Roboto Mono" panose="00000009000000000000" pitchFamily="49" charset="0"/>
+                <a:ea typeface="Roboto Mono" panose="00000009000000000000" pitchFamily="49" charset="0"/>
+              </a:rPr>
+              <a:t>The agents likely repeated balanced or "safe" positions to avoid risks.</a:t>
+            </a:r>
+          </a:p>
+          <a:p>
+            <a:pPr>
+              <a:buFont typeface="+mj-lt"/>
+              <a:buAutoNum type="arabicPeriod"/>
+            </a:pPr>
+            <a:r>
+              <a:rPr lang="en-US" sz="1300" dirty="0">
+                <a:latin typeface="Roboto Mono" panose="00000009000000000000" pitchFamily="49" charset="0"/>
+                <a:ea typeface="Roboto Mono" panose="00000009000000000000" pitchFamily="49" charset="0"/>
+              </a:rPr>
+              <a:t>Without deeper strategic planning, the game loops into repetition.</a:t>
+            </a:r>
+          </a:p>
+          <a:p>
+            <a:r>
+              <a:rPr lang="en-US" sz="1300" dirty="0">
+                <a:latin typeface="Roboto Mono" panose="00000009000000000000" pitchFamily="49" charset="0"/>
+                <a:ea typeface="Roboto Mono" panose="00000009000000000000" pitchFamily="49" charset="0"/>
+              </a:rPr>
+              <a:t>Result: Equal strength + no decisive tactics = draw by fivefold repetition.</a:t>
+            </a:r>
+          </a:p>
+        </p:txBody>
+      </p:sp>
     </p:spTree>
   </p:cSld>
   <p:clrMapOvr>
@@ -6971,32 +7425,32 @@
   <p:timing>
     <p:tnLst>
       <p:par>
-        <p:cTn dur="indefinite" nodeType="tmRoot" restart="never">
+        <p:cTn id="1" dur="indefinite" restart="never" nodeType="tmRoot">
           <p:childTnLst>
             <p:seq concurrent="1" nextAc="seek">
-              <p:cTn dur="indefinite" id="2" nodeType="mainSeq">
+              <p:cTn id="2" dur="indefinite" nodeType="mainSeq">
                 <p:childTnLst>
                   <p:par>
-                    <p:cTn fill="hold">
+                    <p:cTn id="3" fill="hold">
                       <p:stCondLst>
                         <p:cond delay="indefinite"/>
                       </p:stCondLst>
                       <p:childTnLst>
                         <p:par>
-                          <p:cTn fill="hold">
+                          <p:cTn id="4" fill="hold">
                             <p:stCondLst>
                               <p:cond delay="0"/>
                             </p:stCondLst>
                             <p:childTnLst>
                               <p:par>
-                                <p:cTn fill="hold" nodeType="clickEffect" presetClass="entr" presetID="10" presetSubtype="0">
+                                <p:cTn id="5" presetID="10" presetClass="entr" presetSubtype="0" fill="hold" nodeType="clickEffect">
                                   <p:stCondLst>
                                     <p:cond delay="0"/>
                                   </p:stCondLst>
                                   <p:childTnLst>
                                     <p:set>
                                       <p:cBhvr>
-                                        <p:cTn dur="1" fill="hold">
+                                        <p:cTn id="6" dur="1" fill="hold">
                                           <p:stCondLst>
                                             <p:cond delay="0"/>
                                           </p:stCondLst>
@@ -7012,9 +7466,9 @@
                                         <p:strVal val="visible"/>
                                       </p:to>
                                     </p:set>
-                                    <p:animEffect filter="fade" transition="in">
+                                    <p:animEffect transition="in" filter="fade">
                                       <p:cBhvr>
-                                        <p:cTn dur="1000"/>
+                                        <p:cTn id="7" dur="1000"/>
                                         <p:tgtEl>
                                           <p:spTgt spid="72"/>
                                         </p:tgtEl>
@@ -7032,14 +7486,14 @@
                 </p:childTnLst>
               </p:cTn>
               <p:prevCondLst>
-                <p:cond evt="onPrev">
+                <p:cond evt="onPrev" delay="0">
                   <p:tgtEl>
                     <p:sldTgt/>
                   </p:tgtEl>
                 </p:cond>
               </p:prevCondLst>
               <p:nextCondLst>
-                <p:cond evt="onNext">
+                <p:cond evt="onNext" delay="0">
                   <p:tgtEl>
                     <p:sldTgt/>
                   </p:tgtEl>
@@ -7055,11 +7509,11 @@
 </file>
 
 <file path=ppt/slides/slide5.xml><?xml version="1.0" encoding="utf-8"?>
-<p:sld xmlns:a="http://schemas.openxmlformats.org/drawingml/2006/main" xmlns:r="http://schemas.openxmlformats.org/officeDocument/2006/relationships" xmlns:mc="http://schemas.openxmlformats.org/markup-compatibility/2006" xmlns:mv="urn:schemas-microsoft-com:mac:vml" xmlns:p="http://schemas.openxmlformats.org/presentationml/2006/main" xmlns:c="http://schemas.openxmlformats.org/drawingml/2006/chart" xmlns:dgm="http://schemas.openxmlformats.org/drawingml/2006/diagram" xmlns:o="urn:schemas-microsoft-com:office:office" xmlns:v="urn:schemas-microsoft-com:vml" xmlns:pvml="urn:schemas-microsoft-com:office:powerpoint" xmlns:com="http://schemas.openxmlformats.org/drawingml/2006/compatibility" xmlns:p14="http://schemas.microsoft.com/office/powerpoint/2010/main" xmlns:p15="http://schemas.microsoft.com/office/powerpoint/2012/main" xmlns:ahyp="http://schemas.microsoft.com/office/drawing/2018/hyperlinkcolor">
+<p:sld xmlns:a="http://schemas.openxmlformats.org/drawingml/2006/main" xmlns:r="http://schemas.openxmlformats.org/officeDocument/2006/relationships" xmlns:p="http://schemas.openxmlformats.org/presentationml/2006/main">
   <p:cSld>
     <p:spTree>
       <p:nvGrpSpPr>
-        <p:cNvPr id="76" name="Shape 76"/>
+        <p:cNvPr id="1" name="Shape 76"/>
         <p:cNvGrpSpPr/>
         <p:nvPr/>
       </p:nvGrpSpPr>
@@ -7091,12 +7545,12 @@
           </a:ln>
         </p:spPr>
         <p:txBody>
-          <a:bodyPr anchorCtr="0" anchor="t" bIns="91425" lIns="91425" spcFirstLastPara="1" rIns="91425" wrap="square" tIns="91425">
+          <a:bodyPr spcFirstLastPara="1" wrap="square" lIns="91425" tIns="91425" rIns="91425" bIns="91425" anchor="t" anchorCtr="0">
             <a:spAutoFit/>
           </a:bodyPr>
           <a:lstStyle/>
           <a:p>
-            <a:pPr indent="0" lvl="0" marL="0" rtl="0" algn="l">
+            <a:pPr marL="0" lvl="0" indent="0" algn="l" rtl="0">
               <a:spcBef>
                 <a:spcPts val="0"/>
               </a:spcBef>
@@ -7105,10 +7559,7 @@
               </a:spcAft>
               <a:buNone/>
             </a:pPr>
-            <a:r>
-              <a:t/>
-            </a:r>
-            <a:endParaRPr b="1" sz="1300">
+            <a:endParaRPr sz="1300" b="1">
               <a:solidFill>
                 <a:srgbClr val="3C4043"/>
               </a:solidFill>
@@ -7140,12 +7591,12 @@
           </a:ln>
         </p:spPr>
         <p:txBody>
-          <a:bodyPr anchorCtr="0" anchor="t" bIns="91425" lIns="91425" spcFirstLastPara="1" rIns="91425" wrap="square" tIns="91425">
+          <a:bodyPr spcFirstLastPara="1" wrap="square" lIns="91425" tIns="91425" rIns="91425" bIns="91425" anchor="t" anchorCtr="0">
             <a:spAutoFit/>
           </a:bodyPr>
           <a:lstStyle/>
           <a:p>
-            <a:pPr indent="0" lvl="0" marL="0" rtl="0" algn="l">
+            <a:pPr marL="0" lvl="0" indent="0" algn="l" rtl="0">
               <a:spcBef>
                 <a:spcPts val="0"/>
               </a:spcBef>
@@ -7155,7 +7606,7 @@
               <a:buNone/>
             </a:pPr>
             <a:r>
-              <a:rPr b="1" lang="en-GB" sz="1500" u="sng">
+              <a:rPr lang="en-GB" sz="1500" b="1" u="sng">
                 <a:solidFill>
                   <a:srgbClr val="3C4043"/>
                 </a:solidFill>
@@ -7166,7 +7617,7 @@
               </a:rPr>
               <a:t>Chess Evaluation Function (Material + Positional)</a:t>
             </a:r>
-            <a:endParaRPr b="1" sz="1500" u="sng">
+            <a:endParaRPr sz="1500" b="1" u="sng">
               <a:solidFill>
                 <a:srgbClr val="3C4043"/>
               </a:solidFill>
@@ -7177,7 +7628,7 @@
             </a:endParaRPr>
           </a:p>
           <a:p>
-            <a:pPr indent="0" lvl="0" marL="0" rtl="0" algn="l">
+            <a:pPr marL="0" lvl="0" indent="0" algn="l" rtl="0">
               <a:spcBef>
                 <a:spcPts val="0"/>
               </a:spcBef>
@@ -7209,7 +7660,7 @@
             </a:endParaRPr>
           </a:p>
           <a:p>
-            <a:pPr indent="0" lvl="0" marL="0" rtl="0" algn="l">
+            <a:pPr marL="0" lvl="0" indent="0" algn="l" rtl="0">
               <a:spcBef>
                 <a:spcPts val="0"/>
               </a:spcBef>
@@ -7218,9 +7669,6 @@
               </a:spcAft>
               <a:buNone/>
             </a:pPr>
-            <a:r>
-              <a:t/>
-            </a:r>
             <a:endParaRPr sz="1200">
               <a:solidFill>
                 <a:srgbClr val="3C4043"/>
@@ -7232,7 +7680,7 @@
             </a:endParaRPr>
           </a:p>
           <a:p>
-            <a:pPr indent="-304800" lvl="0" marL="457200" rtl="0" algn="l">
+            <a:pPr marL="457200" lvl="0" indent="-304800" algn="l" rtl="0">
               <a:spcBef>
                 <a:spcPts val="0"/>
               </a:spcBef>
@@ -7247,7 +7695,7 @@
               <a:buAutoNum type="arabicPeriod"/>
             </a:pPr>
             <a:r>
-              <a:rPr b="1" lang="en-GB" sz="1200">
+              <a:rPr lang="en-GB" sz="1200" b="1">
                 <a:solidFill>
                   <a:srgbClr val="3C4043"/>
                 </a:solidFill>
@@ -7258,7 +7706,7 @@
               </a:rPr>
               <a:t>Material Balance:</a:t>
             </a:r>
-            <a:endParaRPr b="1" sz="1200">
+            <a:endParaRPr sz="1200" b="1">
               <a:solidFill>
                 <a:srgbClr val="3C4043"/>
               </a:solidFill>
@@ -7269,7 +7717,7 @@
             </a:endParaRPr>
           </a:p>
           <a:p>
-            <a:pPr indent="-304800" lvl="1" marL="914400" rtl="0" algn="l">
+            <a:pPr marL="914400" lvl="1" indent="-304800" algn="l" rtl="0">
               <a:spcBef>
                 <a:spcPts val="0"/>
               </a:spcBef>
@@ -7293,19 +7741,7 @@
                 <a:cs typeface="Roboto Mono Medium"/>
                 <a:sym typeface="Roboto Mono Medium"/>
               </a:rPr>
-              <a:t>Assigns standard midgame values to each piece (e.g., pawn = 100, queen = 900)</a:t>
-            </a:r>
-            <a:r>
-              <a:rPr lang="en-GB" sz="1200">
-                <a:solidFill>
-                  <a:srgbClr val="3C4043"/>
-                </a:solidFill>
-                <a:latin typeface="Roboto Mono Medium"/>
-                <a:ea typeface="Roboto Mono Medium"/>
-                <a:cs typeface="Roboto Mono Medium"/>
-                <a:sym typeface="Roboto Mono Medium"/>
-              </a:rPr>
-              <a:t>.</a:t>
+              <a:t>Assigns standard midgame values to each piece (e.g., pawn = 100, queen = 900).</a:t>
             </a:r>
             <a:endParaRPr sz="1200">
               <a:solidFill>
@@ -7318,7 +7754,7 @@
             </a:endParaRPr>
           </a:p>
           <a:p>
-            <a:pPr indent="-304800" lvl="1" marL="914400" rtl="0" algn="l">
+            <a:pPr marL="914400" lvl="1" indent="-304800" algn="l" rtl="0">
               <a:spcBef>
                 <a:spcPts val="0"/>
               </a:spcBef>
@@ -7355,7 +7791,7 @@
             </a:endParaRPr>
           </a:p>
           <a:p>
-            <a:pPr indent="-304800" lvl="0" marL="457200" rtl="0" algn="l">
+            <a:pPr marL="457200" lvl="0" indent="-304800" algn="l" rtl="0">
               <a:spcBef>
                 <a:spcPts val="0"/>
               </a:spcBef>
@@ -7370,7 +7806,7 @@
               <a:buAutoNum type="arabicPeriod"/>
             </a:pPr>
             <a:r>
-              <a:rPr b="1" lang="en-GB" sz="1200">
+              <a:rPr lang="en-GB" sz="1200" b="1">
                 <a:solidFill>
                   <a:srgbClr val="3C4043"/>
                 </a:solidFill>
@@ -7381,7 +7817,7 @@
               </a:rPr>
               <a:t>Piece-Square Tables:</a:t>
             </a:r>
-            <a:endParaRPr b="1" sz="1200">
+            <a:endParaRPr sz="1200" b="1">
               <a:solidFill>
                 <a:srgbClr val="3C4043"/>
               </a:solidFill>
@@ -7392,7 +7828,7 @@
             </a:endParaRPr>
           </a:p>
           <a:p>
-            <a:pPr indent="-304800" lvl="1" marL="914400" rtl="0" algn="l">
+            <a:pPr marL="914400" lvl="1" indent="-304800" algn="l" rtl="0">
               <a:spcBef>
                 <a:spcPts val="0"/>
               </a:spcBef>
@@ -7429,7 +7865,7 @@
             </a:endParaRPr>
           </a:p>
           <a:p>
-            <a:pPr indent="-304800" lvl="1" marL="914400" rtl="0" algn="l">
+            <a:pPr marL="914400" lvl="1" indent="-304800" algn="l" rtl="0">
               <a:spcBef>
                 <a:spcPts val="0"/>
               </a:spcBef>
@@ -7466,7 +7902,7 @@
             </a:endParaRPr>
           </a:p>
           <a:p>
-            <a:pPr indent="-304800" lvl="1" marL="914400" rtl="0" algn="l">
+            <a:pPr marL="914400" lvl="1" indent="-304800" algn="l" rtl="0">
               <a:spcBef>
                 <a:spcPts val="0"/>
               </a:spcBef>
@@ -7503,7 +7939,7 @@
             </a:endParaRPr>
           </a:p>
           <a:p>
-            <a:pPr indent="-304800" lvl="0" marL="457200" rtl="0" algn="l">
+            <a:pPr marL="457200" lvl="0" indent="-304800" algn="l" rtl="0">
               <a:spcBef>
                 <a:spcPts val="0"/>
               </a:spcBef>
@@ -7518,7 +7954,7 @@
               <a:buAutoNum type="arabicPeriod"/>
             </a:pPr>
             <a:r>
-              <a:rPr b="1" lang="en-GB" sz="1200">
+              <a:rPr lang="en-GB" sz="1200" b="1">
                 <a:solidFill>
                   <a:srgbClr val="3C4043"/>
                 </a:solidFill>
@@ -7529,7 +7965,7 @@
               </a:rPr>
               <a:t>Game Termination Checks:</a:t>
             </a:r>
-            <a:endParaRPr b="1" sz="1200">
+            <a:endParaRPr sz="1200" b="1">
               <a:solidFill>
                 <a:srgbClr val="3C4043"/>
               </a:solidFill>
@@ -7540,7 +7976,7 @@
             </a:endParaRPr>
           </a:p>
           <a:p>
-            <a:pPr indent="-304800" lvl="1" marL="914400" rtl="0" algn="l">
+            <a:pPr marL="914400" lvl="1" indent="-304800" algn="l" rtl="0">
               <a:spcBef>
                 <a:spcPts val="0"/>
               </a:spcBef>
@@ -7577,7 +8013,7 @@
             </a:endParaRPr>
           </a:p>
           <a:p>
-            <a:pPr indent="0" lvl="0" marL="0" rtl="0" algn="l">
+            <a:pPr marL="0" lvl="0" indent="0" algn="l" rtl="0">
               <a:lnSpc>
                 <a:spcPct val="115000"/>
               </a:lnSpc>
@@ -7622,11 +8058,11 @@
 </file>
 
 <file path=ppt/slides/slide6.xml><?xml version="1.0" encoding="utf-8"?>
-<p:sld xmlns:a="http://schemas.openxmlformats.org/drawingml/2006/main" xmlns:r="http://schemas.openxmlformats.org/officeDocument/2006/relationships" xmlns:mc="http://schemas.openxmlformats.org/markup-compatibility/2006" xmlns:mv="urn:schemas-microsoft-com:mac:vml" xmlns:p="http://schemas.openxmlformats.org/presentationml/2006/main" xmlns:c="http://schemas.openxmlformats.org/drawingml/2006/chart" xmlns:dgm="http://schemas.openxmlformats.org/drawingml/2006/diagram" xmlns:o="urn:schemas-microsoft-com:office:office" xmlns:v="urn:schemas-microsoft-com:vml" xmlns:pvml="urn:schemas-microsoft-com:office:powerpoint" xmlns:com="http://schemas.openxmlformats.org/drawingml/2006/compatibility" xmlns:p14="http://schemas.microsoft.com/office/powerpoint/2010/main" xmlns:p15="http://schemas.microsoft.com/office/powerpoint/2012/main" xmlns:ahyp="http://schemas.microsoft.com/office/drawing/2018/hyperlinkcolor">
+<p:sld xmlns:a="http://schemas.openxmlformats.org/drawingml/2006/main" xmlns:r="http://schemas.openxmlformats.org/officeDocument/2006/relationships" xmlns:p="http://schemas.openxmlformats.org/presentationml/2006/main">
   <p:cSld>
     <p:spTree>
       <p:nvGrpSpPr>
-        <p:cNvPr id="82" name="Shape 82"/>
+        <p:cNvPr id="1" name="Shape 82"/>
         <p:cNvGrpSpPr/>
         <p:nvPr/>
       </p:nvGrpSpPr>
@@ -7658,12 +8094,12 @@
           </a:ln>
         </p:spPr>
         <p:txBody>
-          <a:bodyPr anchorCtr="0" anchor="t" bIns="91425" lIns="91425" spcFirstLastPara="1" rIns="91425" wrap="square" tIns="91425">
+          <a:bodyPr spcFirstLastPara="1" wrap="square" lIns="91425" tIns="91425" rIns="91425" bIns="91425" anchor="t" anchorCtr="0">
             <a:spAutoFit/>
           </a:bodyPr>
           <a:lstStyle/>
           <a:p>
-            <a:pPr indent="0" lvl="0" marL="0" rtl="0" algn="l">
+            <a:pPr marL="0" lvl="0" indent="0" algn="l" rtl="0">
               <a:lnSpc>
                 <a:spcPct val="115000"/>
               </a:lnSpc>
@@ -7676,7 +8112,7 @@
               <a:buNone/>
             </a:pPr>
             <a:r>
-              <a:rPr b="1" lang="en-GB" sz="1500" u="sng">
+              <a:rPr lang="en-GB" sz="1500" b="1" u="sng">
                 <a:solidFill>
                   <a:srgbClr val="3C4043"/>
                 </a:solidFill>
@@ -7687,7 +8123,7 @@
               </a:rPr>
               <a:t>Initial Evaluation Function (Material Only)</a:t>
             </a:r>
-            <a:endParaRPr b="1" sz="1500" u="sng">
+            <a:endParaRPr sz="1500" b="1" u="sng">
               <a:solidFill>
                 <a:srgbClr val="3C4043"/>
               </a:solidFill>
@@ -7698,7 +8134,7 @@
             </a:endParaRPr>
           </a:p>
           <a:p>
-            <a:pPr indent="0" lvl="0" marL="0" rtl="0" algn="l">
+            <a:pPr marL="0" lvl="0" indent="0" algn="l" rtl="0">
               <a:lnSpc>
                 <a:spcPct val="115000"/>
               </a:lnSpc>
@@ -7733,7 +8169,7 @@
             </a:endParaRPr>
           </a:p>
           <a:p>
-            <a:pPr indent="-304800" lvl="0" marL="457200" rtl="0" algn="l">
+            <a:pPr marL="457200" lvl="0" indent="-304800" algn="l" rtl="0">
               <a:lnSpc>
                 <a:spcPct val="115000"/>
               </a:lnSpc>
@@ -7773,7 +8209,7 @@
             </a:endParaRPr>
           </a:p>
           <a:p>
-            <a:pPr indent="-304800" lvl="0" marL="457200" rtl="0" algn="l">
+            <a:pPr marL="457200" lvl="0" indent="-304800" algn="l" rtl="0">
               <a:lnSpc>
                 <a:spcPct val="115000"/>
               </a:lnSpc>
@@ -7813,7 +8249,7 @@
             </a:endParaRPr>
           </a:p>
           <a:p>
-            <a:pPr indent="-304800" lvl="0" marL="457200" rtl="0" algn="l">
+            <a:pPr marL="457200" lvl="0" indent="-304800" algn="l" rtl="0">
               <a:lnSpc>
                 <a:spcPct val="115000"/>
               </a:lnSpc>
@@ -7853,7 +8289,7 @@
             </a:endParaRPr>
           </a:p>
           <a:p>
-            <a:pPr indent="0" lvl="0" marL="0" rtl="0" algn="l">
+            <a:pPr marL="0" lvl="0" indent="0" algn="l" rtl="0">
               <a:lnSpc>
                 <a:spcPct val="115000"/>
               </a:lnSpc>
@@ -7898,7 +8334,288 @@
 </file>
 
 <file path=ppt/theme/theme1.xml><?xml version="1.0" encoding="utf-8"?>
-<a:theme xmlns:a="http://schemas.openxmlformats.org/drawingml/2006/main" xmlns:r="http://schemas.openxmlformats.org/officeDocument/2006/relationships">
+<a:theme xmlns:a="http://schemas.openxmlformats.org/drawingml/2006/main" name="Simple Light">
+  <a:themeElements>
+    <a:clrScheme name="Simple Light">
+      <a:dk1>
+        <a:srgbClr val="000000"/>
+      </a:dk1>
+      <a:lt1>
+        <a:srgbClr val="FFFFFF"/>
+      </a:lt1>
+      <a:dk2>
+        <a:srgbClr val="595959"/>
+      </a:dk2>
+      <a:lt2>
+        <a:srgbClr val="EEEEEE"/>
+      </a:lt2>
+      <a:accent1>
+        <a:srgbClr val="4285F4"/>
+      </a:accent1>
+      <a:accent2>
+        <a:srgbClr val="212121"/>
+      </a:accent2>
+      <a:accent3>
+        <a:srgbClr val="78909C"/>
+      </a:accent3>
+      <a:accent4>
+        <a:srgbClr val="FFAB40"/>
+      </a:accent4>
+      <a:accent5>
+        <a:srgbClr val="0097A7"/>
+      </a:accent5>
+      <a:accent6>
+        <a:srgbClr val="EEFF41"/>
+      </a:accent6>
+      <a:hlink>
+        <a:srgbClr val="0097A7"/>
+      </a:hlink>
+      <a:folHlink>
+        <a:srgbClr val="0097A7"/>
+      </a:folHlink>
+    </a:clrScheme>
+    <a:fontScheme name="Office">
+      <a:majorFont>
+        <a:latin typeface="Arial"/>
+        <a:ea typeface=""/>
+        <a:cs typeface=""/>
+        <a:font script="Jpan" typeface="ＭＳ Ｐゴシック"/>
+        <a:font script="Hang" typeface="맑은 고딕"/>
+        <a:font script="Hans" typeface="宋体"/>
+        <a:font script="Hant" typeface="新細明體"/>
+        <a:font script="Arab" typeface="Times New Roman"/>
+        <a:font script="Hebr" typeface="Times New Roman"/>
+        <a:font script="Thai" typeface="Angsana New"/>
+        <a:font script="Ethi" typeface="Nyala"/>
+        <a:font script="Beng" typeface="Vrinda"/>
+        <a:font script="Gujr" typeface="Shruti"/>
+        <a:font script="Khmr" typeface="MoolBoran"/>
+        <a:font script="Knda" typeface="Tunga"/>
+        <a:font script="Guru" typeface="Raavi"/>
+        <a:font script="Cans" typeface="Euphemia"/>
+        <a:font script="Cher" typeface="Plantagenet Cherokee"/>
+        <a:font script="Yiii" typeface="Microsoft Yi Baiti"/>
+        <a:font script="Tibt" typeface="Microsoft Himalaya"/>
+        <a:font script="Thaa" typeface="MV Boli"/>
+        <a:font script="Deva" typeface="Mangal"/>
+        <a:font script="Telu" typeface="Gautami"/>
+        <a:font script="Taml" typeface="Latha"/>
+        <a:font script="Syrc" typeface="Estrangelo Edessa"/>
+        <a:font script="Orya" typeface="Kalinga"/>
+        <a:font script="Mlym" typeface="Kartika"/>
+        <a:font script="Laoo" typeface="DokChampa"/>
+        <a:font script="Sinh" typeface="Iskoola Pota"/>
+        <a:font script="Mong" typeface="Mongolian Baiti"/>
+        <a:font script="Viet" typeface="Times New Roman"/>
+        <a:font script="Uigh" typeface="Microsoft Uighur"/>
+        <a:font script="Geor" typeface="Sylfaen"/>
+      </a:majorFont>
+      <a:minorFont>
+        <a:latin typeface="Arial"/>
+        <a:ea typeface=""/>
+        <a:cs typeface=""/>
+        <a:font script="Jpan" typeface="ＭＳ Ｐゴシック"/>
+        <a:font script="Hang" typeface="맑은 고딕"/>
+        <a:font script="Hans" typeface="宋体"/>
+        <a:font script="Hant" typeface="新細明體"/>
+        <a:font script="Arab" typeface="Arial"/>
+        <a:font script="Hebr" typeface="Arial"/>
+        <a:font script="Thai" typeface="Cordia New"/>
+        <a:font script="Ethi" typeface="Nyala"/>
+        <a:font script="Beng" typeface="Vrinda"/>
+        <a:font script="Gujr" typeface="Shruti"/>
+        <a:font script="Khmr" typeface="DaunPenh"/>
+        <a:font script="Knda" typeface="Tunga"/>
+        <a:font script="Guru" typeface="Raavi"/>
+        <a:font script="Cans" typeface="Euphemia"/>
+        <a:font script="Cher" typeface="Plantagenet Cherokee"/>
+        <a:font script="Yiii" typeface="Microsoft Yi Baiti"/>
+        <a:font script="Tibt" typeface="Microsoft Himalaya"/>
+        <a:font script="Thaa" typeface="MV Boli"/>
+        <a:font script="Deva" typeface="Mangal"/>
+        <a:font script="Telu" typeface="Gautami"/>
+        <a:font script="Taml" typeface="Latha"/>
+        <a:font script="Syrc" typeface="Estrangelo Edessa"/>
+        <a:font script="Orya" typeface="Kalinga"/>
+        <a:font script="Mlym" typeface="Kartika"/>
+        <a:font script="Laoo" typeface="DokChampa"/>
+        <a:font script="Sinh" typeface="Iskoola Pota"/>
+        <a:font script="Mong" typeface="Mongolian Baiti"/>
+        <a:font script="Viet" typeface="Arial"/>
+        <a:font script="Uigh" typeface="Microsoft Uighur"/>
+        <a:font script="Geor" typeface="Sylfaen"/>
+      </a:minorFont>
+    </a:fontScheme>
+    <a:fmtScheme name="Office">
+      <a:fillStyleLst>
+        <a:solidFill>
+          <a:schemeClr val="phClr"/>
+        </a:solidFill>
+        <a:gradFill rotWithShape="1">
+          <a:gsLst>
+            <a:gs pos="0">
+              <a:schemeClr val="phClr">
+                <a:tint val="50000"/>
+                <a:satMod val="300000"/>
+              </a:schemeClr>
+            </a:gs>
+            <a:gs pos="35000">
+              <a:schemeClr val="phClr">
+                <a:tint val="37000"/>
+                <a:satMod val="300000"/>
+              </a:schemeClr>
+            </a:gs>
+            <a:gs pos="100000">
+              <a:schemeClr val="phClr">
+                <a:tint val="15000"/>
+                <a:satMod val="350000"/>
+              </a:schemeClr>
+            </a:gs>
+          </a:gsLst>
+          <a:lin ang="16200000" scaled="1"/>
+        </a:gradFill>
+        <a:gradFill rotWithShape="1">
+          <a:gsLst>
+            <a:gs pos="0">
+              <a:schemeClr val="phClr">
+                <a:tint val="100000"/>
+                <a:shade val="100000"/>
+                <a:satMod val="130000"/>
+              </a:schemeClr>
+            </a:gs>
+            <a:gs pos="100000">
+              <a:schemeClr val="phClr">
+                <a:tint val="50000"/>
+                <a:shade val="100000"/>
+                <a:satMod val="350000"/>
+              </a:schemeClr>
+            </a:gs>
+          </a:gsLst>
+          <a:lin ang="16200000" scaled="0"/>
+        </a:gradFill>
+      </a:fillStyleLst>
+      <a:lnStyleLst>
+        <a:ln w="9525" cap="flat" cmpd="sng" algn="ctr">
+          <a:solidFill>
+            <a:schemeClr val="phClr">
+              <a:shade val="95000"/>
+              <a:satMod val="105000"/>
+            </a:schemeClr>
+          </a:solidFill>
+          <a:prstDash val="solid"/>
+        </a:ln>
+        <a:ln w="25400" cap="flat" cmpd="sng" algn="ctr">
+          <a:solidFill>
+            <a:schemeClr val="phClr"/>
+          </a:solidFill>
+          <a:prstDash val="solid"/>
+        </a:ln>
+        <a:ln w="38100" cap="flat" cmpd="sng" algn="ctr">
+          <a:solidFill>
+            <a:schemeClr val="phClr"/>
+          </a:solidFill>
+          <a:prstDash val="solid"/>
+        </a:ln>
+      </a:lnStyleLst>
+      <a:effectStyleLst>
+        <a:effectStyle>
+          <a:effectLst>
+            <a:outerShdw blurRad="40000" dist="20000" dir="5400000" rotWithShape="0">
+              <a:srgbClr val="000000">
+                <a:alpha val="38000"/>
+              </a:srgbClr>
+            </a:outerShdw>
+          </a:effectLst>
+        </a:effectStyle>
+        <a:effectStyle>
+          <a:effectLst>
+            <a:outerShdw blurRad="40000" dist="23000" dir="5400000" rotWithShape="0">
+              <a:srgbClr val="000000">
+                <a:alpha val="35000"/>
+              </a:srgbClr>
+            </a:outerShdw>
+          </a:effectLst>
+        </a:effectStyle>
+        <a:effectStyle>
+          <a:effectLst>
+            <a:outerShdw blurRad="40000" dist="23000" dir="5400000" rotWithShape="0">
+              <a:srgbClr val="000000">
+                <a:alpha val="35000"/>
+              </a:srgbClr>
+            </a:outerShdw>
+          </a:effectLst>
+          <a:scene3d>
+            <a:camera prst="orthographicFront">
+              <a:rot lat="0" lon="0" rev="0"/>
+            </a:camera>
+            <a:lightRig rig="threePt" dir="t">
+              <a:rot lat="0" lon="0" rev="1200000"/>
+            </a:lightRig>
+          </a:scene3d>
+          <a:sp3d>
+            <a:bevelT w="63500" h="25400"/>
+          </a:sp3d>
+        </a:effectStyle>
+      </a:effectStyleLst>
+      <a:bgFillStyleLst>
+        <a:solidFill>
+          <a:schemeClr val="phClr"/>
+        </a:solidFill>
+        <a:gradFill rotWithShape="1">
+          <a:gsLst>
+            <a:gs pos="0">
+              <a:schemeClr val="phClr">
+                <a:tint val="40000"/>
+                <a:satMod val="350000"/>
+              </a:schemeClr>
+            </a:gs>
+            <a:gs pos="40000">
+              <a:schemeClr val="phClr">
+                <a:tint val="45000"/>
+                <a:shade val="99000"/>
+                <a:satMod val="350000"/>
+              </a:schemeClr>
+            </a:gs>
+            <a:gs pos="100000">
+              <a:schemeClr val="phClr">
+                <a:shade val="20000"/>
+                <a:satMod val="255000"/>
+              </a:schemeClr>
+            </a:gs>
+          </a:gsLst>
+          <a:path path="circle">
+            <a:fillToRect l="50000" t="-80000" r="50000" b="180000"/>
+          </a:path>
+        </a:gradFill>
+        <a:gradFill rotWithShape="1">
+          <a:gsLst>
+            <a:gs pos="0">
+              <a:schemeClr val="phClr">
+                <a:tint val="80000"/>
+                <a:satMod val="300000"/>
+              </a:schemeClr>
+            </a:gs>
+            <a:gs pos="100000">
+              <a:schemeClr val="phClr">
+                <a:shade val="30000"/>
+                <a:satMod val="200000"/>
+              </a:schemeClr>
+            </a:gs>
+          </a:gsLst>
+          <a:path path="circle">
+            <a:fillToRect l="50000" t="50000" r="50000" b="50000"/>
+          </a:path>
+        </a:gradFill>
+      </a:bgFillStyleLst>
+    </a:fmtScheme>
+  </a:themeElements>
+  <a:objectDefaults/>
+  <a:extraClrSchemeLst/>
+</a:theme>
+</file>
+
+<file path=ppt/theme/theme2.xml><?xml version="1.0" encoding="utf-8"?>
+<a:theme xmlns:a="http://schemas.openxmlformats.org/drawingml/2006/main">
   <a:themeElements>
     <a:clrScheme name="Default">
       <a:dk1>
@@ -8173,284 +8890,7 @@
       </a:bgFillStyleLst>
     </a:fmtScheme>
   </a:themeElements>
-</a:theme>
-</file>
-
-<file path=ppt/theme/theme2.xml><?xml version="1.0" encoding="utf-8"?>
-<a:theme xmlns:a="http://schemas.openxmlformats.org/drawingml/2006/main" xmlns:r="http://schemas.openxmlformats.org/officeDocument/2006/relationships" name="Simple Light">
-  <a:themeElements>
-    <a:clrScheme name="Simple Light">
-      <a:dk1>
-        <a:srgbClr val="000000"/>
-      </a:dk1>
-      <a:lt1>
-        <a:srgbClr val="FFFFFF"/>
-      </a:lt1>
-      <a:dk2>
-        <a:srgbClr val="595959"/>
-      </a:dk2>
-      <a:lt2>
-        <a:srgbClr val="EEEEEE"/>
-      </a:lt2>
-      <a:accent1>
-        <a:srgbClr val="4285F4"/>
-      </a:accent1>
-      <a:accent2>
-        <a:srgbClr val="212121"/>
-      </a:accent2>
-      <a:accent3>
-        <a:srgbClr val="78909C"/>
-      </a:accent3>
-      <a:accent4>
-        <a:srgbClr val="FFAB40"/>
-      </a:accent4>
-      <a:accent5>
-        <a:srgbClr val="0097A7"/>
-      </a:accent5>
-      <a:accent6>
-        <a:srgbClr val="EEFF41"/>
-      </a:accent6>
-      <a:hlink>
-        <a:srgbClr val="0097A7"/>
-      </a:hlink>
-      <a:folHlink>
-        <a:srgbClr val="0097A7"/>
-      </a:folHlink>
-    </a:clrScheme>
-    <a:fontScheme name="Office">
-      <a:majorFont>
-        <a:latin typeface="Arial"/>
-        <a:ea typeface=""/>
-        <a:cs typeface=""/>
-        <a:font script="Jpan" typeface="ＭＳ Ｐゴシック"/>
-        <a:font script="Hang" typeface="맑은 고딕"/>
-        <a:font script="Hans" typeface="宋体"/>
-        <a:font script="Hant" typeface="新細明體"/>
-        <a:font script="Arab" typeface="Times New Roman"/>
-        <a:font script="Hebr" typeface="Times New Roman"/>
-        <a:font script="Thai" typeface="Angsana New"/>
-        <a:font script="Ethi" typeface="Nyala"/>
-        <a:font script="Beng" typeface="Vrinda"/>
-        <a:font script="Gujr" typeface="Shruti"/>
-        <a:font script="Khmr" typeface="MoolBoran"/>
-        <a:font script="Knda" typeface="Tunga"/>
-        <a:font script="Guru" typeface="Raavi"/>
-        <a:font script="Cans" typeface="Euphemia"/>
-        <a:font script="Cher" typeface="Plantagenet Cherokee"/>
-        <a:font script="Yiii" typeface="Microsoft Yi Baiti"/>
-        <a:font script="Tibt" typeface="Microsoft Himalaya"/>
-        <a:font script="Thaa" typeface="MV Boli"/>
-        <a:font script="Deva" typeface="Mangal"/>
-        <a:font script="Telu" typeface="Gautami"/>
-        <a:font script="Taml" typeface="Latha"/>
-        <a:font script="Syrc" typeface="Estrangelo Edessa"/>
-        <a:font script="Orya" typeface="Kalinga"/>
-        <a:font script="Mlym" typeface="Kartika"/>
-        <a:font script="Laoo" typeface="DokChampa"/>
-        <a:font script="Sinh" typeface="Iskoola Pota"/>
-        <a:font script="Mong" typeface="Mongolian Baiti"/>
-        <a:font script="Viet" typeface="Times New Roman"/>
-        <a:font script="Uigh" typeface="Microsoft Uighur"/>
-        <a:font script="Geor" typeface="Sylfaen"/>
-      </a:majorFont>
-      <a:minorFont>
-        <a:latin typeface="Arial"/>
-        <a:ea typeface=""/>
-        <a:cs typeface=""/>
-        <a:font script="Jpan" typeface="ＭＳ Ｐゴシック"/>
-        <a:font script="Hang" typeface="맑은 고딕"/>
-        <a:font script="Hans" typeface="宋体"/>
-        <a:font script="Hant" typeface="新細明體"/>
-        <a:font script="Arab" typeface="Arial"/>
-        <a:font script="Hebr" typeface="Arial"/>
-        <a:font script="Thai" typeface="Cordia New"/>
-        <a:font script="Ethi" typeface="Nyala"/>
-        <a:font script="Beng" typeface="Vrinda"/>
-        <a:font script="Gujr" typeface="Shruti"/>
-        <a:font script="Khmr" typeface="DaunPenh"/>
-        <a:font script="Knda" typeface="Tunga"/>
-        <a:font script="Guru" typeface="Raavi"/>
-        <a:font script="Cans" typeface="Euphemia"/>
-        <a:font script="Cher" typeface="Plantagenet Cherokee"/>
-        <a:font script="Yiii" typeface="Microsoft Yi Baiti"/>
-        <a:font script="Tibt" typeface="Microsoft Himalaya"/>
-        <a:font script="Thaa" typeface="MV Boli"/>
-        <a:font script="Deva" typeface="Mangal"/>
-        <a:font script="Telu" typeface="Gautami"/>
-        <a:font script="Taml" typeface="Latha"/>
-        <a:font script="Syrc" typeface="Estrangelo Edessa"/>
-        <a:font script="Orya" typeface="Kalinga"/>
-        <a:font script="Mlym" typeface="Kartika"/>
-        <a:font script="Laoo" typeface="DokChampa"/>
-        <a:font script="Sinh" typeface="Iskoola Pota"/>
-        <a:font script="Mong" typeface="Mongolian Baiti"/>
-        <a:font script="Viet" typeface="Arial"/>
-        <a:font script="Uigh" typeface="Microsoft Uighur"/>
-        <a:font script="Geor" typeface="Sylfaen"/>
-      </a:minorFont>
-    </a:fontScheme>
-    <a:fmtScheme name="Office">
-      <a:fillStyleLst>
-        <a:solidFill>
-          <a:schemeClr val="phClr"/>
-        </a:solidFill>
-        <a:gradFill rotWithShape="1">
-          <a:gsLst>
-            <a:gs pos="0">
-              <a:schemeClr val="phClr">
-                <a:tint val="50000"/>
-                <a:satMod val="300000"/>
-              </a:schemeClr>
-            </a:gs>
-            <a:gs pos="35000">
-              <a:schemeClr val="phClr">
-                <a:tint val="37000"/>
-                <a:satMod val="300000"/>
-              </a:schemeClr>
-            </a:gs>
-            <a:gs pos="100000">
-              <a:schemeClr val="phClr">
-                <a:tint val="15000"/>
-                <a:satMod val="350000"/>
-              </a:schemeClr>
-            </a:gs>
-          </a:gsLst>
-          <a:lin ang="16200000" scaled="1"/>
-        </a:gradFill>
-        <a:gradFill rotWithShape="1">
-          <a:gsLst>
-            <a:gs pos="0">
-              <a:schemeClr val="phClr">
-                <a:tint val="100000"/>
-                <a:shade val="100000"/>
-                <a:satMod val="130000"/>
-              </a:schemeClr>
-            </a:gs>
-            <a:gs pos="100000">
-              <a:schemeClr val="phClr">
-                <a:tint val="50000"/>
-                <a:shade val="100000"/>
-                <a:satMod val="350000"/>
-              </a:schemeClr>
-            </a:gs>
-          </a:gsLst>
-          <a:lin ang="16200000" scaled="0"/>
-        </a:gradFill>
-      </a:fillStyleLst>
-      <a:lnStyleLst>
-        <a:ln w="9525" cap="flat" cmpd="sng" algn="ctr">
-          <a:solidFill>
-            <a:schemeClr val="phClr">
-              <a:shade val="95000"/>
-              <a:satMod val="105000"/>
-            </a:schemeClr>
-          </a:solidFill>
-          <a:prstDash val="solid"/>
-        </a:ln>
-        <a:ln w="25400" cap="flat" cmpd="sng" algn="ctr">
-          <a:solidFill>
-            <a:schemeClr val="phClr"/>
-          </a:solidFill>
-          <a:prstDash val="solid"/>
-        </a:ln>
-        <a:ln w="38100" cap="flat" cmpd="sng" algn="ctr">
-          <a:solidFill>
-            <a:schemeClr val="phClr"/>
-          </a:solidFill>
-          <a:prstDash val="solid"/>
-        </a:ln>
-      </a:lnStyleLst>
-      <a:effectStyleLst>
-        <a:effectStyle>
-          <a:effectLst>
-            <a:outerShdw blurRad="40000" dist="20000" dir="5400000" rotWithShape="0">
-              <a:srgbClr val="000000">
-                <a:alpha val="38000"/>
-              </a:srgbClr>
-            </a:outerShdw>
-          </a:effectLst>
-        </a:effectStyle>
-        <a:effectStyle>
-          <a:effectLst>
-            <a:outerShdw blurRad="40000" dist="23000" dir="5400000" rotWithShape="0">
-              <a:srgbClr val="000000">
-                <a:alpha val="35000"/>
-              </a:srgbClr>
-            </a:outerShdw>
-          </a:effectLst>
-        </a:effectStyle>
-        <a:effectStyle>
-          <a:effectLst>
-            <a:outerShdw blurRad="40000" dist="23000" dir="5400000" rotWithShape="0">
-              <a:srgbClr val="000000">
-                <a:alpha val="35000"/>
-              </a:srgbClr>
-            </a:outerShdw>
-          </a:effectLst>
-          <a:scene3d>
-            <a:camera prst="orthographicFront">
-              <a:rot lat="0" lon="0" rev="0"/>
-            </a:camera>
-            <a:lightRig rig="threePt" dir="t">
-              <a:rot lat="0" lon="0" rev="1200000"/>
-            </a:lightRig>
-          </a:scene3d>
-          <a:sp3d>
-            <a:bevelT w="63500" h="25400"/>
-          </a:sp3d>
-        </a:effectStyle>
-      </a:effectStyleLst>
-      <a:bgFillStyleLst>
-        <a:solidFill>
-          <a:schemeClr val="phClr"/>
-        </a:solidFill>
-        <a:gradFill rotWithShape="1">
-          <a:gsLst>
-            <a:gs pos="0">
-              <a:schemeClr val="phClr">
-                <a:tint val="40000"/>
-                <a:satMod val="350000"/>
-              </a:schemeClr>
-            </a:gs>
-            <a:gs pos="40000">
-              <a:schemeClr val="phClr">
-                <a:tint val="45000"/>
-                <a:shade val="99000"/>
-                <a:satMod val="350000"/>
-              </a:schemeClr>
-            </a:gs>
-            <a:gs pos="100000">
-              <a:schemeClr val="phClr">
-                <a:shade val="20000"/>
-                <a:satMod val="255000"/>
-              </a:schemeClr>
-            </a:gs>
-          </a:gsLst>
-          <a:path path="circle">
-            <a:fillToRect l="50000" t="-80000" r="50000" b="180000"/>
-          </a:path>
-        </a:gradFill>
-        <a:gradFill rotWithShape="1">
-          <a:gsLst>
-            <a:gs pos="0">
-              <a:schemeClr val="phClr">
-                <a:tint val="80000"/>
-                <a:satMod val="300000"/>
-              </a:schemeClr>
-            </a:gs>
-            <a:gs pos="100000">
-              <a:schemeClr val="phClr">
-                <a:shade val="30000"/>
-                <a:satMod val="200000"/>
-              </a:schemeClr>
-            </a:gs>
-          </a:gsLst>
-          <a:path path="circle">
-            <a:fillToRect l="50000" t="50000" r="50000" b="50000"/>
-          </a:path>
-        </a:gradFill>
-      </a:bgFillStyleLst>
-    </a:fmtScheme>
-  </a:themeElements>
+  <a:objectDefaults/>
+  <a:extraClrSchemeLst/>
 </a:theme>
 </file>